--- a/SHORT_BUT_LONG_EN.pptx
+++ b/SHORT_BUT_LONG_EN.pptx
@@ -296,7 +296,7 @@
             <a:pPr algn="r">
               <a:buNone/>
             </a:pPr>
-            <a:fld id="{4D77D8F8-1A2F-462B-92E1-A800748AE20D}" type="slidenum">
+            <a:fld id="{079715CF-72D5-4362-A066-DDA33206B669}" type="slidenum">
               <a:rPr b="0" lang="en-US" sz="1400" spc="-1" strike="noStrike">
                 <a:latin typeface="Times New Roman"/>
               </a:rPr>
@@ -344,7 +344,7 @@
         <p:spPr>
           <a:xfrm>
             <a:off x="685800" y="1143000"/>
-            <a:ext cx="5485680" cy="3085560"/>
+            <a:ext cx="5485320" cy="3085200"/>
           </a:xfrm>
           <a:prstGeom prst="rect">
             <a:avLst/>
@@ -367,7 +367,7 @@
         <p:spPr>
           <a:xfrm>
             <a:off x="685800" y="4400640"/>
-            <a:ext cx="5485680" cy="3599640"/>
+            <a:ext cx="5485320" cy="3599280"/>
           </a:xfrm>
           <a:prstGeom prst="rect">
             <a:avLst/>
@@ -401,7 +401,7 @@
         <p:spPr>
           <a:xfrm>
             <a:off x="3884760" y="8685360"/>
-            <a:ext cx="2971080" cy="457920"/>
+            <a:ext cx="2970720" cy="457560"/>
           </a:xfrm>
           <a:prstGeom prst="rect">
             <a:avLst/>
@@ -437,7 +437,7 @@
               </a:lnSpc>
               <a:buNone/>
             </a:pPr>
-            <a:fld id="{3CC39115-C9C6-4CA6-AC04-BE71F89C1FB2}" type="slidenum">
+            <a:fld id="{D6F8398D-56FE-4BBF-BFEF-9B64015C7071}" type="slidenum">
               <a:rPr b="0" lang="pt-BR" sz="1200" spc="-1" strike="noStrike">
                 <a:solidFill>
                   <a:srgbClr val="000000"/>
@@ -488,7 +488,7 @@
         <p:spPr>
           <a:xfrm>
             <a:off x="685800" y="1143000"/>
-            <a:ext cx="5485680" cy="3085560"/>
+            <a:ext cx="5485320" cy="3085200"/>
           </a:xfrm>
           <a:prstGeom prst="rect">
             <a:avLst/>
@@ -511,7 +511,7 @@
         <p:spPr>
           <a:xfrm>
             <a:off x="685800" y="4400640"/>
-            <a:ext cx="5485680" cy="3599640"/>
+            <a:ext cx="5485320" cy="3599280"/>
           </a:xfrm>
           <a:prstGeom prst="rect">
             <a:avLst/>
@@ -545,7 +545,7 @@
         <p:spPr>
           <a:xfrm>
             <a:off x="3884760" y="8685360"/>
-            <a:ext cx="2971080" cy="457920"/>
+            <a:ext cx="2970720" cy="457560"/>
           </a:xfrm>
           <a:prstGeom prst="rect">
             <a:avLst/>
@@ -581,7 +581,7 @@
               </a:lnSpc>
               <a:buNone/>
             </a:pPr>
-            <a:fld id="{0C8009C6-8BAB-4902-B6C0-060BD2BA846D}" type="slidenum">
+            <a:fld id="{10756A79-74E4-4BB6-A5DE-AA4FEF7531FB}" type="slidenum">
               <a:rPr b="0" lang="pt-BR" sz="1200" spc="-1" strike="noStrike">
                 <a:solidFill>
                   <a:srgbClr val="000000"/>
@@ -632,7 +632,7 @@
         <p:spPr>
           <a:xfrm>
             <a:off x="685800" y="1143000"/>
-            <a:ext cx="5485680" cy="3085560"/>
+            <a:ext cx="5485320" cy="3085200"/>
           </a:xfrm>
           <a:prstGeom prst="rect">
             <a:avLst/>
@@ -655,7 +655,7 @@
         <p:spPr>
           <a:xfrm>
             <a:off x="685800" y="4400640"/>
-            <a:ext cx="5485680" cy="3599640"/>
+            <a:ext cx="5485320" cy="3599280"/>
           </a:xfrm>
           <a:prstGeom prst="rect">
             <a:avLst/>
@@ -689,7 +689,7 @@
         <p:spPr>
           <a:xfrm>
             <a:off x="3884760" y="8685360"/>
-            <a:ext cx="2971080" cy="457920"/>
+            <a:ext cx="2970720" cy="457560"/>
           </a:xfrm>
           <a:prstGeom prst="rect">
             <a:avLst/>
@@ -725,7 +725,7 @@
               </a:lnSpc>
               <a:buNone/>
             </a:pPr>
-            <a:fld id="{7BA32C68-C5AC-4C81-A41A-96A962C1B060}" type="slidenum">
+            <a:fld id="{73BDDEEC-C28E-46A4-9F53-C88B8E5E8581}" type="slidenum">
               <a:rPr b="0" lang="pt-BR" sz="1200" spc="-1" strike="noStrike">
                 <a:solidFill>
                   <a:srgbClr val="000000"/>
@@ -776,7 +776,7 @@
         <p:spPr>
           <a:xfrm>
             <a:off x="685800" y="1143000"/>
-            <a:ext cx="5485680" cy="3085560"/>
+            <a:ext cx="5485320" cy="3085200"/>
           </a:xfrm>
           <a:prstGeom prst="rect">
             <a:avLst/>
@@ -799,7 +799,7 @@
         <p:spPr>
           <a:xfrm>
             <a:off x="685800" y="4400640"/>
-            <a:ext cx="5485680" cy="3599640"/>
+            <a:ext cx="5485320" cy="3599280"/>
           </a:xfrm>
           <a:prstGeom prst="rect">
             <a:avLst/>
@@ -833,7 +833,7 @@
         <p:spPr>
           <a:xfrm>
             <a:off x="3884760" y="8685360"/>
-            <a:ext cx="2971080" cy="457920"/>
+            <a:ext cx="2970720" cy="457560"/>
           </a:xfrm>
           <a:prstGeom prst="rect">
             <a:avLst/>
@@ -869,7 +869,7 @@
               </a:lnSpc>
               <a:buNone/>
             </a:pPr>
-            <a:fld id="{FFDF38F2-8D37-4CF0-BED0-C866F07B0088}" type="slidenum">
+            <a:fld id="{F4FEC734-3D4A-4D00-9FB8-8378876668A3}" type="slidenum">
               <a:rPr b="0" lang="pt-BR" sz="1200" spc="-1" strike="noStrike">
                 <a:solidFill>
                   <a:srgbClr val="000000"/>
@@ -941,7 +941,7 @@
         <p:txBody>
           <a:bodyPr/>
           <a:p>
-            <a:fld id="{E56685BA-48F0-412B-B105-2ACA7EDC6B67}" type="slidenum">
+            <a:fld id="{DF41AFFF-1E90-43B5-B5AF-EBC319C41ACD}" type="slidenum">
               <a:t>&lt;#&gt;</a:t>
             </a:fld>
           </a:p>
@@ -1108,7 +1108,7 @@
         <p:txBody>
           <a:bodyPr/>
           <a:p>
-            <a:fld id="{E0C84BF2-A884-4457-AD6F-74E4A4BCFFD7}" type="slidenum">
+            <a:fld id="{CB8C66F0-FDB7-437C-A802-C25CEB555276}" type="slidenum">
               <a:t>&lt;#&gt;</a:t>
             </a:fld>
           </a:p>
@@ -1343,7 +1343,7 @@
         <p:txBody>
           <a:bodyPr/>
           <a:p>
-            <a:fld id="{D673E82C-3ED9-4603-9FFE-5190809DB829}" type="slidenum">
+            <a:fld id="{C30602F5-E2CB-4816-8415-1A0459426A49}" type="slidenum">
               <a:t>&lt;#&gt;</a:t>
             </a:fld>
           </a:p>
@@ -1646,7 +1646,7 @@
         <p:txBody>
           <a:bodyPr/>
           <a:p>
-            <a:fld id="{FC11E247-398F-44EF-AAF5-5898A792C586}" type="slidenum">
+            <a:fld id="{43F83201-8751-409E-9078-0F0C15C85207}" type="slidenum">
               <a:t>&lt;#&gt;</a:t>
             </a:fld>
           </a:p>
@@ -1708,7 +1708,7 @@
         <p:txBody>
           <a:bodyPr/>
           <a:p>
-            <a:fld id="{368F2433-CCB9-430C-B0B6-E26C5B094386}" type="slidenum">
+            <a:fld id="{EE3D44C5-CE9E-4712-879D-3DC88636482B}" type="slidenum">
               <a:t>&lt;#&gt;</a:t>
             </a:fld>
           </a:p>
@@ -1844,7 +1844,7 @@
         <p:txBody>
           <a:bodyPr/>
           <a:p>
-            <a:fld id="{1F3F01FF-4E64-4008-A54A-CB077559E104}" type="slidenum">
+            <a:fld id="{342E2659-59C4-44F5-9AAF-CCDE3221144E}" type="slidenum">
               <a:t>&lt;#&gt;</a:t>
             </a:fld>
           </a:p>
@@ -1977,7 +1977,7 @@
         <p:txBody>
           <a:bodyPr/>
           <a:p>
-            <a:fld id="{5C9F2BA8-0804-4B15-A85A-F49437C67E20}" type="slidenum">
+            <a:fld id="{8DF596D3-F55C-4889-B9D1-4163C0C02B7F}" type="slidenum">
               <a:t>&lt;#&gt;</a:t>
             </a:fld>
           </a:p>
@@ -2144,7 +2144,7 @@
         <p:txBody>
           <a:bodyPr/>
           <a:p>
-            <a:fld id="{E113FAD9-2CFF-44E6-87F8-4A9BC1004478}" type="slidenum">
+            <a:fld id="{5CA993CA-1C93-4C58-9EE7-92D43E579C0E}" type="slidenum">
               <a:t>&lt;#&gt;</a:t>
             </a:fld>
           </a:p>
@@ -2243,7 +2243,7 @@
         <p:txBody>
           <a:bodyPr/>
           <a:p>
-            <a:fld id="{84E1468C-84D3-4E70-9737-C3CDDF2176E5}" type="slidenum">
+            <a:fld id="{1FEE9DC5-E634-49FB-A45F-BBE76CD69234}" type="slidenum">
               <a:t>&lt;#&gt;</a:t>
             </a:fld>
           </a:p>
@@ -2342,7 +2342,7 @@
         <p:txBody>
           <a:bodyPr/>
           <a:p>
-            <a:fld id="{2552F9AB-A601-4648-9073-1633748C80D8}" type="slidenum">
+            <a:fld id="{90D64CC8-1940-4BBB-9555-AD4C8170A971}" type="slidenum">
               <a:t>&lt;#&gt;</a:t>
             </a:fld>
           </a:p>
@@ -2543,7 +2543,7 @@
         <p:txBody>
           <a:bodyPr/>
           <a:p>
-            <a:fld id="{7EE05C54-A645-4285-B10E-06C01D359E2C}" type="slidenum">
+            <a:fld id="{B71F8420-CF37-41E5-8238-11137166BC0E}" type="slidenum">
               <a:t>&lt;#&gt;</a:t>
             </a:fld>
           </a:p>
@@ -2679,7 +2679,7 @@
         <p:txBody>
           <a:bodyPr/>
           <a:p>
-            <a:fld id="{99E5911A-390D-45DE-BF21-4F3216F5CB1A}" type="slidenum">
+            <a:fld id="{B7985574-8197-4B2D-A2FB-11C6199D5579}" type="slidenum">
               <a:t>&lt;#&gt;</a:t>
             </a:fld>
           </a:p>
@@ -2880,7 +2880,7 @@
         <p:txBody>
           <a:bodyPr/>
           <a:p>
-            <a:fld id="{1105CEBA-D8CA-4D5A-82FB-D00B7D50DCF1}" type="slidenum">
+            <a:fld id="{30E69F42-A593-4337-9756-F435BD36FDB0}" type="slidenum">
               <a:t>&lt;#&gt;</a:t>
             </a:fld>
           </a:p>
@@ -3081,7 +3081,7 @@
         <p:txBody>
           <a:bodyPr/>
           <a:p>
-            <a:fld id="{8AFA6E13-EC7B-4D7D-8AD1-FDBE67B65E97}" type="slidenum">
+            <a:fld id="{859F5D8A-3330-4EC4-B4BC-47EA2A7D779E}" type="slidenum">
               <a:t>&lt;#&gt;</a:t>
             </a:fld>
           </a:p>
@@ -3248,7 +3248,7 @@
         <p:txBody>
           <a:bodyPr/>
           <a:p>
-            <a:fld id="{6DE4C298-22FD-4645-B75A-342A117BFB8E}" type="slidenum">
+            <a:fld id="{C89ADCAF-3BD8-4EB2-B785-9BD2F870D015}" type="slidenum">
               <a:t>&lt;#&gt;</a:t>
             </a:fld>
           </a:p>
@@ -3483,7 +3483,7 @@
         <p:txBody>
           <a:bodyPr/>
           <a:p>
-            <a:fld id="{E55F7EC3-AAF3-402B-BE6E-24CD9B7E8348}" type="slidenum">
+            <a:fld id="{DA2F9051-0230-44F7-A2F4-D3476C8EB20B}" type="slidenum">
               <a:t>&lt;#&gt;</a:t>
             </a:fld>
           </a:p>
@@ -3786,7 +3786,7 @@
         <p:txBody>
           <a:bodyPr/>
           <a:p>
-            <a:fld id="{49001ECF-FA5D-4F0A-850F-D36103775A57}" type="slidenum">
+            <a:fld id="{5BCBE915-DC90-4C0A-B014-40D92CBC63C1}" type="slidenum">
               <a:t>&lt;#&gt;</a:t>
             </a:fld>
           </a:p>
@@ -3919,7 +3919,7 @@
         <p:txBody>
           <a:bodyPr/>
           <a:p>
-            <a:fld id="{AAF568CC-4CB3-4974-A0A1-E80D523BDF07}" type="slidenum">
+            <a:fld id="{3FA2136E-8BC7-4CD1-A193-99783BC1EBB4}" type="slidenum">
               <a:t>&lt;#&gt;</a:t>
             </a:fld>
           </a:p>
@@ -4086,7 +4086,7 @@
         <p:txBody>
           <a:bodyPr/>
           <a:p>
-            <a:fld id="{C4B7E9C7-258A-434A-BEBB-80624A792684}" type="slidenum">
+            <a:fld id="{D29B4F77-F74E-4A27-86D7-D78B1477EB23}" type="slidenum">
               <a:t>&lt;#&gt;</a:t>
             </a:fld>
           </a:p>
@@ -4185,7 +4185,7 @@
         <p:txBody>
           <a:bodyPr/>
           <a:p>
-            <a:fld id="{6A18A61A-CE48-4756-B56D-8E9767EAF027}" type="slidenum">
+            <a:fld id="{B5C4C4DF-93BD-4537-A39D-A94404623EA2}" type="slidenum">
               <a:t>&lt;#&gt;</a:t>
             </a:fld>
           </a:p>
@@ -4284,7 +4284,7 @@
         <p:txBody>
           <a:bodyPr/>
           <a:p>
-            <a:fld id="{BC62E494-E775-4AF1-AC27-1B3D816848CB}" type="slidenum">
+            <a:fld id="{77A62676-B27C-48C5-ABB8-943137662460}" type="slidenum">
               <a:t>&lt;#&gt;</a:t>
             </a:fld>
           </a:p>
@@ -4485,7 +4485,7 @@
         <p:txBody>
           <a:bodyPr/>
           <a:p>
-            <a:fld id="{3C64DEE4-24A5-42EB-8D05-278C52FEFA98}" type="slidenum">
+            <a:fld id="{C9215D1F-F2F1-4522-A720-7BB30FA31219}" type="slidenum">
               <a:t>&lt;#&gt;</a:t>
             </a:fld>
           </a:p>
@@ -4686,7 +4686,7 @@
         <p:txBody>
           <a:bodyPr/>
           <a:p>
-            <a:fld id="{B6E4C343-14F3-4E97-833F-0B4C7F5AAB0A}" type="slidenum">
+            <a:fld id="{B84B56DE-8831-41CB-B398-1A5BDB3A7E05}" type="slidenum">
               <a:t>&lt;#&gt;</a:t>
             </a:fld>
           </a:p>
@@ -4887,7 +4887,7 @@
         <p:txBody>
           <a:bodyPr/>
           <a:p>
-            <a:fld id="{46E95E52-0551-4362-97F2-53B3081CA8E1}" type="slidenum">
+            <a:fld id="{D08C1EDB-41CA-420F-8829-28310005A874}" type="slidenum">
               <a:t>&lt;#&gt;</a:t>
             </a:fld>
           </a:p>
@@ -4930,7 +4930,7 @@
         </p:nvGraphicFramePr>
         <p:xfrm>
           <a:off x="1440" y="1440"/>
-          <a:ext cx="720" cy="720"/>
+          <a:ext cx="360" cy="360"/>
         </p:xfrm>
         <a:graphic>
           <a:graphicData uri="http://schemas.openxmlformats.org/presentationml/2006/ole">
@@ -4949,7 +4949,7 @@
                 <p:spPr>
                   <a:xfrm>
                     <a:off x="1440" y="1440"/>
-                    <a:ext cx="720" cy="720"/>
+                    <a:ext cx="360" cy="360"/>
                   </a:xfrm>
                   <a:prstGeom prst="rect">
                     <a:avLst/>
@@ -4977,7 +4977,7 @@
         <p:spPr>
           <a:xfrm>
             <a:off x="11547720" y="188640"/>
-            <a:ext cx="423720" cy="459000"/>
+            <a:ext cx="423360" cy="458640"/>
           </a:xfrm>
           <a:prstGeom prst="rect">
             <a:avLst/>
@@ -5030,7 +5030,7 @@
         <p:spPr>
           <a:xfrm>
             <a:off x="407880" y="6555960"/>
-            <a:ext cx="3059280" cy="218880"/>
+            <a:ext cx="3058920" cy="218520"/>
           </a:xfrm>
           <a:prstGeom prst="rect">
             <a:avLst/>
@@ -5090,7 +5090,7 @@
         <p:spPr>
           <a:xfrm>
             <a:off x="-2232360" y="18720"/>
-            <a:ext cx="2231640" cy="285480"/>
+            <a:ext cx="2231280" cy="285120"/>
           </a:xfrm>
           <a:prstGeom prst="rect">
             <a:avLst/>
@@ -5148,7 +5148,7 @@
         <p:spPr>
           <a:xfrm>
             <a:off x="0" y="2698200"/>
-            <a:ext cx="6261480" cy="4159080"/>
+            <a:ext cx="6261120" cy="4158720"/>
           </a:xfrm>
           <a:custGeom>
             <a:avLst/>
@@ -5243,7 +5243,7 @@
         <p:spPr>
           <a:xfrm>
             <a:off x="407880" y="1124640"/>
-            <a:ext cx="2374920" cy="2303640"/>
+            <a:ext cx="2374560" cy="2303280"/>
           </a:xfrm>
           <a:custGeom>
             <a:avLst/>
@@ -5314,7 +5314,7 @@
         <p:spPr>
           <a:xfrm>
             <a:off x="9685800" y="188640"/>
-            <a:ext cx="2285640" cy="511560"/>
+            <a:ext cx="2285280" cy="511200"/>
           </a:xfrm>
           <a:prstGeom prst="rect">
             <a:avLst/>
@@ -5337,7 +5337,7 @@
         <p:spPr>
           <a:xfrm>
             <a:off x="9324000" y="6555600"/>
-            <a:ext cx="2223000" cy="218880"/>
+            <a:ext cx="2222640" cy="218520"/>
           </a:xfrm>
           <a:prstGeom prst="rect">
             <a:avLst/>
@@ -5400,7 +5400,7 @@
         <p:spPr>
           <a:xfrm>
             <a:off x="11783880" y="6555600"/>
-            <a:ext cx="123120" cy="214560"/>
+            <a:ext cx="122760" cy="214200"/>
           </a:xfrm>
           <a:prstGeom prst="rect">
             <a:avLst/>
@@ -5435,7 +5435,7 @@
               </a:lnSpc>
               <a:buNone/>
             </a:pPr>
-            <a:fld id="{12EF419F-FB3C-4C79-8597-9DB981E6B205}" type="slidenum">
+            <a:fld id="{746FCCD5-17BC-42D2-802F-E285DA057572}" type="slidenum">
               <a:rPr b="0" lang="en-US" sz="800" spc="-1" strike="noStrike">
                 <a:solidFill>
                   <a:srgbClr val="767676"/>
@@ -5485,61 +5485,7 @@
               <a:rPr b="0" lang="en-US" sz="4400" spc="-1" strike="noStrike">
                 <a:latin typeface="Arial"/>
               </a:rPr>
-              <a:t>Cli</a:t>
-            </a:r>
-            <a:r>
-              <a:rPr b="0" lang="en-US" sz="4400" spc="-1" strike="noStrike">
-                <a:latin typeface="Arial"/>
-              </a:rPr>
-              <a:t>ck </a:t>
-            </a:r>
-            <a:r>
-              <a:rPr b="0" lang="en-US" sz="4400" spc="-1" strike="noStrike">
-                <a:latin typeface="Arial"/>
-              </a:rPr>
-              <a:t>to </a:t>
-            </a:r>
-            <a:r>
-              <a:rPr b="0" lang="en-US" sz="4400" spc="-1" strike="noStrike">
-                <a:latin typeface="Arial"/>
-              </a:rPr>
-              <a:t>edit </a:t>
-            </a:r>
-            <a:r>
-              <a:rPr b="0" lang="en-US" sz="4400" spc="-1" strike="noStrike">
-                <a:latin typeface="Arial"/>
-              </a:rPr>
-              <a:t>the </a:t>
-            </a:r>
-            <a:r>
-              <a:rPr b="0" lang="en-US" sz="4400" spc="-1" strike="noStrike">
-                <a:latin typeface="Arial"/>
-              </a:rPr>
-              <a:t>title </a:t>
-            </a:r>
-            <a:r>
-              <a:rPr b="0" lang="en-US" sz="4400" spc="-1" strike="noStrike">
-                <a:latin typeface="Arial"/>
-              </a:rPr>
-              <a:t>text </a:t>
-            </a:r>
-            <a:r>
-              <a:rPr b="0" lang="en-US" sz="4400" spc="-1" strike="noStrike">
-                <a:latin typeface="Arial"/>
-              </a:rPr>
-              <a:t>for</a:t>
-            </a:r>
-            <a:r>
-              <a:rPr b="0" lang="en-US" sz="4400" spc="-1" strike="noStrike">
-                <a:latin typeface="Arial"/>
-              </a:rPr>
-              <a:t>ma</a:t>
-            </a:r>
-            <a:r>
-              <a:rPr b="0" lang="en-US" sz="4400" spc="-1" strike="noStrike">
-                <a:latin typeface="Arial"/>
-              </a:rPr>
-              <a:t>t</a:t>
+              <a:t>Click to edit the title text format</a:t>
             </a:r>
             <a:endParaRPr b="0" lang="en-US" sz="4400" spc="-1" strike="noStrike">
               <a:latin typeface="Arial"/>
@@ -5986,7 +5932,7 @@
         </p:nvGraphicFramePr>
         <p:xfrm>
           <a:off x="1440" y="1440"/>
-          <a:ext cx="720" cy="720"/>
+          <a:ext cx="360" cy="360"/>
         </p:xfrm>
         <a:graphic>
           <a:graphicData uri="http://schemas.openxmlformats.org/presentationml/2006/ole">
@@ -6005,7 +5951,7 @@
                 <p:spPr>
                   <a:xfrm>
                     <a:off x="1440" y="1440"/>
-                    <a:ext cx="720" cy="720"/>
+                    <a:ext cx="360" cy="360"/>
                   </a:xfrm>
                   <a:prstGeom prst="rect">
                     <a:avLst/>
@@ -6033,7 +5979,7 @@
         <p:spPr>
           <a:xfrm>
             <a:off x="11547720" y="188640"/>
-            <a:ext cx="423720" cy="459000"/>
+            <a:ext cx="423360" cy="458640"/>
           </a:xfrm>
           <a:prstGeom prst="rect">
             <a:avLst/>
@@ -6086,7 +6032,7 @@
         <p:spPr>
           <a:xfrm>
             <a:off x="407880" y="6555960"/>
-            <a:ext cx="3059280" cy="218880"/>
+            <a:ext cx="3058920" cy="218520"/>
           </a:xfrm>
           <a:prstGeom prst="rect">
             <a:avLst/>
@@ -6146,7 +6092,7 @@
         <p:spPr>
           <a:xfrm>
             <a:off x="-2232360" y="18720"/>
-            <a:ext cx="2231640" cy="285480"/>
+            <a:ext cx="2231280" cy="285120"/>
           </a:xfrm>
           <a:prstGeom prst="rect">
             <a:avLst/>
@@ -6204,7 +6150,7 @@
         <p:spPr>
           <a:xfrm>
             <a:off x="0" y="2698200"/>
-            <a:ext cx="6261480" cy="4159080"/>
+            <a:ext cx="6261120" cy="4158720"/>
           </a:xfrm>
           <a:custGeom>
             <a:avLst/>
@@ -6299,7 +6245,7 @@
         <p:spPr>
           <a:xfrm>
             <a:off x="407880" y="1124640"/>
-            <a:ext cx="2374920" cy="2303640"/>
+            <a:ext cx="2374560" cy="2303280"/>
           </a:xfrm>
           <a:custGeom>
             <a:avLst/>
@@ -6370,7 +6316,7 @@
         <p:spPr>
           <a:xfrm>
             <a:off x="9685800" y="188640"/>
-            <a:ext cx="2285640" cy="511560"/>
+            <a:ext cx="2285280" cy="511200"/>
           </a:xfrm>
           <a:prstGeom prst="rect">
             <a:avLst/>
@@ -6393,7 +6339,7 @@
         <p:spPr>
           <a:xfrm>
             <a:off x="9324000" y="6555600"/>
-            <a:ext cx="2223000" cy="218880"/>
+            <a:ext cx="2222640" cy="218520"/>
           </a:xfrm>
           <a:prstGeom prst="rect">
             <a:avLst/>
@@ -6456,7 +6402,7 @@
         <p:spPr>
           <a:xfrm>
             <a:off x="11783880" y="6555600"/>
-            <a:ext cx="123120" cy="214560"/>
+            <a:ext cx="122760" cy="214200"/>
           </a:xfrm>
           <a:prstGeom prst="rect">
             <a:avLst/>
@@ -6491,7 +6437,7 @@
               </a:lnSpc>
               <a:buNone/>
             </a:pPr>
-            <a:fld id="{05EB687E-D4F7-493F-8B01-61F385E49658}" type="slidenum">
+            <a:fld id="{4FA94E87-314F-4B38-A3BC-339CD4843A3A}" type="slidenum">
               <a:rPr b="0" lang="en-US" sz="800" spc="-1" strike="noStrike">
                 <a:solidFill>
                   <a:srgbClr val="767676"/>
@@ -6541,61 +6487,7 @@
               <a:rPr b="0" lang="en-US" sz="4400" spc="-1" strike="noStrike">
                 <a:latin typeface="Arial"/>
               </a:rPr>
-              <a:t>Cli</a:t>
-            </a:r>
-            <a:r>
-              <a:rPr b="0" lang="en-US" sz="4400" spc="-1" strike="noStrike">
-                <a:latin typeface="Arial"/>
-              </a:rPr>
-              <a:t>ck </a:t>
-            </a:r>
-            <a:r>
-              <a:rPr b="0" lang="en-US" sz="4400" spc="-1" strike="noStrike">
-                <a:latin typeface="Arial"/>
-              </a:rPr>
-              <a:t>to </a:t>
-            </a:r>
-            <a:r>
-              <a:rPr b="0" lang="en-US" sz="4400" spc="-1" strike="noStrike">
-                <a:latin typeface="Arial"/>
-              </a:rPr>
-              <a:t>edit </a:t>
-            </a:r>
-            <a:r>
-              <a:rPr b="0" lang="en-US" sz="4400" spc="-1" strike="noStrike">
-                <a:latin typeface="Arial"/>
-              </a:rPr>
-              <a:t>the </a:t>
-            </a:r>
-            <a:r>
-              <a:rPr b="0" lang="en-US" sz="4400" spc="-1" strike="noStrike">
-                <a:latin typeface="Arial"/>
-              </a:rPr>
-              <a:t>title </a:t>
-            </a:r>
-            <a:r>
-              <a:rPr b="0" lang="en-US" sz="4400" spc="-1" strike="noStrike">
-                <a:latin typeface="Arial"/>
-              </a:rPr>
-              <a:t>text </a:t>
-            </a:r>
-            <a:r>
-              <a:rPr b="0" lang="en-US" sz="4400" spc="-1" strike="noStrike">
-                <a:latin typeface="Arial"/>
-              </a:rPr>
-              <a:t>for</a:t>
-            </a:r>
-            <a:r>
-              <a:rPr b="0" lang="en-US" sz="4400" spc="-1" strike="noStrike">
-                <a:latin typeface="Arial"/>
-              </a:rPr>
-              <a:t>ma</a:t>
-            </a:r>
-            <a:r>
-              <a:rPr b="0" lang="en-US" sz="4400" spc="-1" strike="noStrike">
-                <a:latin typeface="Arial"/>
-              </a:rPr>
-              <a:t>t</a:t>
+              <a:t>Click to edit the title text format</a:t>
             </a:r>
             <a:endParaRPr b="0" lang="en-US" sz="4400" spc="-1" strike="noStrike">
               <a:latin typeface="Arial"/>
@@ -7036,7 +6928,7 @@
         <p:spPr>
           <a:xfrm>
             <a:off x="3529080" y="908640"/>
-            <a:ext cx="4067280" cy="5472000"/>
+            <a:ext cx="4066920" cy="5471640"/>
           </a:xfrm>
           <a:prstGeom prst="rect">
             <a:avLst/>
@@ -7067,7 +6959,7 @@
         <p:spPr>
           <a:xfrm>
             <a:off x="7707960" y="914400"/>
-            <a:ext cx="4219920" cy="5466240"/>
+            <a:ext cx="4219560" cy="5465880"/>
           </a:xfrm>
           <a:prstGeom prst="rect">
             <a:avLst/>
@@ -7102,7 +6994,7 @@
         <p:spPr>
           <a:xfrm>
             <a:off x="7747920" y="914400"/>
-            <a:ext cx="4175640" cy="411480"/>
+            <a:ext cx="4175280" cy="411120"/>
           </a:xfrm>
           <a:prstGeom prst="rect">
             <a:avLst/>
@@ -7157,7 +7049,7 @@
         <p:spPr>
           <a:xfrm>
             <a:off x="3584160" y="959760"/>
-            <a:ext cx="3959280" cy="411480"/>
+            <a:ext cx="3958920" cy="411120"/>
           </a:xfrm>
           <a:prstGeom prst="rect">
             <a:avLst/>
@@ -7212,7 +7104,7 @@
         <p:spPr>
           <a:xfrm>
             <a:off x="407880" y="5580720"/>
-            <a:ext cx="3022920" cy="331200"/>
+            <a:ext cx="3022560" cy="330840"/>
           </a:xfrm>
           <a:prstGeom prst="rect">
             <a:avLst/>
@@ -7267,7 +7159,7 @@
         <p:spPr>
           <a:xfrm>
             <a:off x="407880" y="3601800"/>
-            <a:ext cx="3022920" cy="411480"/>
+            <a:ext cx="3022560" cy="411120"/>
           </a:xfrm>
           <a:prstGeom prst="rect">
             <a:avLst/>
@@ -7327,7 +7219,7 @@
         <p:spPr>
           <a:xfrm>
             <a:off x="407880" y="4038120"/>
-            <a:ext cx="3022920" cy="539280"/>
+            <a:ext cx="3022560" cy="538920"/>
           </a:xfrm>
           <a:prstGeom prst="rect">
             <a:avLst/>
@@ -7387,7 +7279,7 @@
         <p:spPr>
           <a:xfrm>
             <a:off x="407880" y="5913360"/>
-            <a:ext cx="3022920" cy="539280"/>
+            <a:ext cx="3022560" cy="538920"/>
           </a:xfrm>
           <a:prstGeom prst="rect">
             <a:avLst/>
@@ -7443,7 +7335,7 @@
         <p:spPr>
           <a:xfrm>
             <a:off x="3584160" y="2559960"/>
-            <a:ext cx="3959280" cy="411480"/>
+            <a:ext cx="3958920" cy="411120"/>
           </a:xfrm>
           <a:prstGeom prst="rect">
             <a:avLst/>
@@ -7498,7 +7390,7 @@
         <p:spPr>
           <a:xfrm>
             <a:off x="407880" y="4484520"/>
-            <a:ext cx="3022920" cy="331200"/>
+            <a:ext cx="3022560" cy="330840"/>
           </a:xfrm>
           <a:prstGeom prst="rect">
             <a:avLst/>
@@ -7553,7 +7445,7 @@
         <p:spPr>
           <a:xfrm>
             <a:off x="408960" y="4833360"/>
-            <a:ext cx="3021840" cy="539280"/>
+            <a:ext cx="3021480" cy="538920"/>
           </a:xfrm>
           <a:prstGeom prst="rect">
             <a:avLst/>
@@ -7592,17 +7484,7 @@
                 <a:latin typeface="Calibri"/>
                 <a:ea typeface="DejaVu Sans"/>
               </a:rPr>
-              <a:t>Software Development, Integration, </a:t>
-            </a:r>
-            <a:r>
-              <a:rPr b="0" lang="en-GB" sz="1400" spc="-1" strike="noStrike">
-                <a:solidFill>
-                  <a:srgbClr val="ffffff"/>
-                </a:solidFill>
-                <a:latin typeface="Calibri"/>
-                <a:ea typeface="DejaVu Sans"/>
-              </a:rPr>
-              <a:t>test &amp; validation</a:t>
+              <a:t>Software Development, Integration, test &amp; validation</a:t>
             </a:r>
             <a:endParaRPr b="0" lang="en-US" sz="1400" spc="-1" strike="noStrike">
               <a:latin typeface="Arial"/>
@@ -7623,7 +7505,7 @@
         <p:spPr>
           <a:xfrm>
             <a:off x="3575880" y="4114800"/>
-            <a:ext cx="3960000" cy="2175840"/>
+            <a:ext cx="3959640" cy="2175480"/>
           </a:xfrm>
           <a:prstGeom prst="rect">
             <a:avLst/>
@@ -7717,17 +7599,7 @@
                 <a:latin typeface="Calibri"/>
                 <a:ea typeface="DejaVu Sans"/>
               </a:rPr>
-              <a:t>Doxygen, docker, Virtual Machine, QAC, cppcheck, Valgrid, </a:t>
-            </a:r>
-            <a:r>
-              <a:rPr b="0" lang="en-US" sz="1050" spc="-1" strike="noStrike">
-                <a:solidFill>
-                  <a:srgbClr val="000000"/>
-                </a:solidFill>
-                <a:latin typeface="Calibri"/>
-                <a:ea typeface="DejaVu Sans"/>
-              </a:rPr>
-              <a:t>gdb, MS Project, ...</a:t>
+              <a:t>Doxygen, docker, Virtual Machine, QAC, cppcheck, Valgrid, gdb, MS Project, ...</a:t>
             </a:r>
             <a:endParaRPr b="0" lang="en-US" sz="1050" spc="-1" strike="noStrike">
               <a:latin typeface="Arial"/>
@@ -7909,17 +7781,7 @@
                 <a:latin typeface="Calibri"/>
                 <a:ea typeface="DejaVu Sans"/>
               </a:rPr>
-              <a:t>: Real Time System, MBSE, UML, Argo UML, Enterprise </a:t>
-            </a:r>
-            <a:r>
-              <a:rPr b="0" lang="en-US" sz="1050" spc="-1" strike="noStrike">
-                <a:solidFill>
-                  <a:srgbClr val="000000"/>
-                </a:solidFill>
-                <a:latin typeface="Calibri"/>
-                <a:ea typeface="DejaVu Sans"/>
-              </a:rPr>
-              <a:t>Architect, coding / decoding mdf4 files, CAN, LIN...</a:t>
+              <a:t>: Real Time System, MBSE, UML, Argo UML, Enterprise Architect, coding / decoding mdf4 files, CAN, LIN...</a:t>
             </a:r>
             <a:endParaRPr b="0" lang="en-US" sz="1050" spc="-1" strike="noStrike">
               <a:latin typeface="Arial"/>
@@ -7957,17 +7819,7 @@
                 <a:latin typeface="Calibri"/>
                 <a:ea typeface="DejaVu Sans"/>
               </a:rPr>
-              <a:t>Linux (native or virtual machine), low level </a:t>
-            </a:r>
-            <a:r>
-              <a:rPr b="0" lang="en-US" sz="1050" spc="-1" strike="noStrike">
-                <a:solidFill>
-                  <a:srgbClr val="000000"/>
-                </a:solidFill>
-                <a:latin typeface="Calibri"/>
-                <a:ea typeface="DejaVu Sans"/>
-              </a:rPr>
-              <a:t>interface (usb, wifi)</a:t>
+              <a:t>Linux (native or virtual machine), low level interface (usb, wifi)</a:t>
             </a:r>
             <a:endParaRPr b="0" lang="en-US" sz="1050" spc="-1" strike="noStrike">
               <a:latin typeface="Arial"/>
@@ -7988,7 +7840,7 @@
         <p:spPr>
           <a:xfrm>
             <a:off x="7747920" y="930960"/>
-            <a:ext cx="4171320" cy="5392080"/>
+            <a:ext cx="4170960" cy="5391720"/>
           </a:xfrm>
           <a:prstGeom prst="rect">
             <a:avLst/>
@@ -8002,27 +7854,6 @@
           <a:bodyPr lIns="0" rIns="0" tIns="0" bIns="0" anchor="t">
             <a:noAutofit/>
           </a:bodyPr>
-          <a:p>
-            <a:pPr lvl="1" marL="232920" indent="-228600">
-              <a:lnSpc>
-                <a:spcPct val="100000"/>
-              </a:lnSpc>
-              <a:spcBef>
-                <a:spcPts val="601"/>
-              </a:spcBef>
-              <a:buClr>
-                <a:srgbClr val="0070ad"/>
-              </a:buClr>
-              <a:buFont typeface="Wingdings" charset="2"/>
-              <a:buChar char=""/>
-              <a:tabLst>
-                <a:tab algn="l" pos="408240"/>
-              </a:tabLst>
-            </a:pPr>
-            <a:endParaRPr b="0" lang="en-US" sz="1000" spc="-1" strike="noStrike">
-              <a:latin typeface="Arial"/>
-            </a:endParaRPr>
-          </a:p>
           <a:p>
             <a:pPr>
               <a:lnSpc>
@@ -8032,140 +7863,11 @@
                 <a:spcPts val="1417"/>
               </a:spcBef>
               <a:buNone/>
+              <a:tabLst>
+                <a:tab algn="l" pos="408240"/>
+              </a:tabLst>
             </a:pPr>
-            <a:r>
-              <a:rPr b="1" lang="en-US" sz="1000" spc="-1" strike="noStrike">
-                <a:solidFill>
-                  <a:srgbClr val="000000"/>
-                </a:solidFill>
-                <a:latin typeface="Verdana"/>
-                <a:ea typeface="Verdana"/>
-              </a:rPr>
-              <a:t>Role</a:t>
-            </a:r>
-            <a:r>
-              <a:rPr b="0" lang="en-US" sz="1000" spc="-1" strike="noStrike">
-                <a:solidFill>
-                  <a:srgbClr val="000000"/>
-                </a:solidFill>
-                <a:latin typeface="Verdana"/>
-                <a:ea typeface="Verdana"/>
-              </a:rPr>
-              <a:t>: </a:t>
-            </a:r>
-            <a:r>
-              <a:rPr b="0" lang="en-US" sz="950" spc="-1" strike="noStrike">
-                <a:solidFill>
-                  <a:srgbClr val="000000"/>
-                </a:solidFill>
-                <a:latin typeface="Verdana"/>
-                <a:ea typeface="Verdana"/>
-              </a:rPr>
-              <a:t>Data Analyst</a:t>
-            </a:r>
-            <a:br>
-              <a:rPr sz="950"/>
-            </a:br>
-            <a:r>
-              <a:rPr b="1" lang="en-US" sz="950" spc="-1" strike="noStrike">
-                <a:solidFill>
-                  <a:srgbClr val="000000"/>
-                </a:solidFill>
-                <a:latin typeface="Verdana"/>
-                <a:ea typeface="Verdana"/>
-              </a:rPr>
-              <a:t>Industry: </a:t>
-            </a:r>
-            <a:r>
-              <a:rPr b="0" lang="en-US" sz="950" spc="-1" strike="noStrike">
-                <a:solidFill>
-                  <a:srgbClr val="000000"/>
-                </a:solidFill>
-                <a:latin typeface="Verdana"/>
-                <a:ea typeface="Verdana"/>
-              </a:rPr>
-              <a:t>Automotive</a:t>
-            </a:r>
-            <a:br>
-              <a:rPr sz="950"/>
-            </a:br>
-            <a:r>
-              <a:rPr b="1" lang="en-US" sz="950" spc="-1" strike="noStrike">
-                <a:solidFill>
-                  <a:srgbClr val="000000"/>
-                </a:solidFill>
-                <a:latin typeface="Verdana"/>
-                <a:ea typeface="Verdana"/>
-              </a:rPr>
-              <a:t>Project: </a:t>
-            </a:r>
-            <a:r>
-              <a:rPr b="0" lang="en-US" sz="950" spc="-1" strike="noStrike">
-                <a:solidFill>
-                  <a:srgbClr val="000000"/>
-                </a:solidFill>
-                <a:latin typeface="Verdana"/>
-                <a:ea typeface="Verdana"/>
-              </a:rPr>
-              <a:t>Updating MagicDraw Diagrams with new requirements</a:t>
-            </a:r>
-            <a:br>
-              <a:rPr sz="950"/>
-            </a:br>
-            <a:r>
-              <a:rPr b="1" lang="en-US" sz="950" spc="-1" strike="noStrike">
-                <a:solidFill>
-                  <a:srgbClr val="000000"/>
-                </a:solidFill>
-                <a:latin typeface="Verdana"/>
-                <a:ea typeface="Verdana"/>
-              </a:rPr>
-              <a:t>Tools:</a:t>
-            </a:r>
-            <a:r>
-              <a:rPr b="0" lang="en-US" sz="950" spc="-1" strike="noStrike">
-                <a:solidFill>
-                  <a:srgbClr val="000000"/>
-                </a:solidFill>
-                <a:latin typeface="Verdana"/>
-                <a:ea typeface="Verdana"/>
-              </a:rPr>
-              <a:t> Virtual Machine, MagicDraw.</a:t>
-            </a:r>
-            <a:br>
-              <a:rPr sz="950"/>
-            </a:br>
-            <a:r>
-              <a:rPr b="1" lang="en-US" sz="950" spc="-1" strike="noStrike">
-                <a:solidFill>
-                  <a:srgbClr val="000000"/>
-                </a:solidFill>
-                <a:latin typeface="Verdana"/>
-                <a:ea typeface="Verdana"/>
-              </a:rPr>
-              <a:t>Responsibility:</a:t>
-            </a:r>
-            <a:r>
-              <a:rPr b="0" lang="en-US" sz="950" spc="-1" strike="noStrike">
-                <a:solidFill>
-                  <a:srgbClr val="000000"/>
-                </a:solidFill>
-                <a:latin typeface="Verdana"/>
-                <a:ea typeface="Verdana"/>
-              </a:rPr>
-              <a:t> check and draw the connection between </a:t>
-            </a:r>
-            <a:r>
-              <a:rPr b="0" lang="en-US" sz="950" spc="-1" strike="noStrike">
-                <a:solidFill>
-                  <a:srgbClr val="000000"/>
-                </a:solidFill>
-                <a:latin typeface="Verdana"/>
-                <a:ea typeface="Verdana"/>
-              </a:rPr>
-              <a:t>components</a:t>
-            </a:r>
-            <a:endParaRPr b="0" lang="en-US" sz="950" spc="-1" strike="noStrike">
+            <a:endParaRPr b="0" lang="en-US" sz="1000" spc="-1" strike="noStrike">
               <a:latin typeface="Arial"/>
             </a:endParaRPr>
           </a:p>
@@ -8178,6 +7880,9 @@
                 <a:spcPts val="1417"/>
               </a:spcBef>
               <a:buNone/>
+              <a:tabLst>
+                <a:tab algn="l" pos="408240"/>
+              </a:tabLst>
             </a:pPr>
             <a:r>
               <a:rPr b="1" lang="en-US" sz="1000" spc="-1" strike="noStrike">
@@ -8200,6 +7905,135 @@
               <a:t>: </a:t>
             </a:r>
             <a:r>
+              <a:rPr b="0" lang="en-US" sz="950" spc="-1" strike="noStrike">
+                <a:solidFill>
+                  <a:srgbClr val="000000"/>
+                </a:solidFill>
+                <a:latin typeface="Verdana"/>
+                <a:ea typeface="Verdana"/>
+              </a:rPr>
+              <a:t>Data Analyst</a:t>
+            </a:r>
+            <a:br>
+              <a:rPr sz="950"/>
+            </a:br>
+            <a:r>
+              <a:rPr b="1" lang="en-US" sz="950" spc="-1" strike="noStrike">
+                <a:solidFill>
+                  <a:srgbClr val="000000"/>
+                </a:solidFill>
+                <a:latin typeface="Verdana"/>
+                <a:ea typeface="Verdana"/>
+              </a:rPr>
+              <a:t>Industry: </a:t>
+            </a:r>
+            <a:r>
+              <a:rPr b="0" lang="en-US" sz="950" spc="-1" strike="noStrike">
+                <a:solidFill>
+                  <a:srgbClr val="000000"/>
+                </a:solidFill>
+                <a:latin typeface="Verdana"/>
+                <a:ea typeface="Verdana"/>
+              </a:rPr>
+              <a:t>Automotive</a:t>
+            </a:r>
+            <a:br>
+              <a:rPr sz="950"/>
+            </a:br>
+            <a:r>
+              <a:rPr b="1" lang="en-US" sz="950" spc="-1" strike="noStrike">
+                <a:solidFill>
+                  <a:srgbClr val="000000"/>
+                </a:solidFill>
+                <a:latin typeface="Verdana"/>
+                <a:ea typeface="Verdana"/>
+              </a:rPr>
+              <a:t>Project: </a:t>
+            </a:r>
+            <a:r>
+              <a:rPr b="0" lang="en-US" sz="950" spc="-1" strike="noStrike">
+                <a:solidFill>
+                  <a:srgbClr val="000000"/>
+                </a:solidFill>
+                <a:latin typeface="Verdana"/>
+                <a:ea typeface="Verdana"/>
+              </a:rPr>
+              <a:t>Updating MagicDraw Diagrams with new requirements</a:t>
+            </a:r>
+            <a:br>
+              <a:rPr sz="950"/>
+            </a:br>
+            <a:r>
+              <a:rPr b="1" lang="en-US" sz="950" spc="-1" strike="noStrike">
+                <a:solidFill>
+                  <a:srgbClr val="000000"/>
+                </a:solidFill>
+                <a:latin typeface="Verdana"/>
+                <a:ea typeface="Verdana"/>
+              </a:rPr>
+              <a:t>Tools:</a:t>
+            </a:r>
+            <a:r>
+              <a:rPr b="0" lang="en-US" sz="950" spc="-1" strike="noStrike">
+                <a:solidFill>
+                  <a:srgbClr val="000000"/>
+                </a:solidFill>
+                <a:latin typeface="Verdana"/>
+                <a:ea typeface="Verdana"/>
+              </a:rPr>
+              <a:t> Virtual Machine, MagicDraw.</a:t>
+            </a:r>
+            <a:br>
+              <a:rPr sz="950"/>
+            </a:br>
+            <a:r>
+              <a:rPr b="1" lang="en-US" sz="950" spc="-1" strike="noStrike">
+                <a:solidFill>
+                  <a:srgbClr val="000000"/>
+                </a:solidFill>
+                <a:latin typeface="Verdana"/>
+                <a:ea typeface="Verdana"/>
+              </a:rPr>
+              <a:t>Responsibility:</a:t>
+            </a:r>
+            <a:r>
+              <a:rPr b="0" lang="en-US" sz="950" spc="-1" strike="noStrike">
+                <a:solidFill>
+                  <a:srgbClr val="000000"/>
+                </a:solidFill>
+                <a:latin typeface="Verdana"/>
+                <a:ea typeface="Verdana"/>
+              </a:rPr>
+              <a:t> check and draw the connection between components</a:t>
+            </a:r>
+            <a:endParaRPr b="0" lang="en-US" sz="950" spc="-1" strike="noStrike">
+              <a:latin typeface="Arial"/>
+            </a:endParaRPr>
+          </a:p>
+          <a:p>
+            <a:pPr>
+              <a:lnSpc>
+                <a:spcPct val="100000"/>
+              </a:lnSpc>
+              <a:spcBef>
+                <a:spcPts val="1417"/>
+              </a:spcBef>
+              <a:buNone/>
+              <a:tabLst>
+                <a:tab algn="l" pos="408240"/>
+              </a:tabLst>
+            </a:pPr>
+            <a:r>
+              <a:rPr b="1" lang="en-US" sz="1000" spc="-1" strike="noStrike">
+                <a:solidFill>
+                  <a:srgbClr val="000000"/>
+                </a:solidFill>
+                <a:latin typeface="Verdana"/>
+                <a:ea typeface="Verdana"/>
+              </a:rPr>
+              <a:t>Role</a:t>
+            </a:r>
+            <a:r>
               <a:rPr b="0" lang="en-US" sz="1000" spc="-1" strike="noStrike">
                 <a:solidFill>
                   <a:srgbClr val="000000"/>
@@ -8207,7 +8041,7 @@
                 <a:latin typeface="Verdana"/>
                 <a:ea typeface="Verdana"/>
               </a:rPr>
-              <a:t>Requirement Analyst</a:t>
+              <a:t>: Requirement Analyst</a:t>
             </a:r>
             <a:br>
               <a:rPr sz="1000"/>
@@ -8253,7 +8087,20 @@
                 <a:latin typeface="Verdana"/>
                 <a:ea typeface="Verdana"/>
               </a:rPr>
-              <a:t>Carrying out checks of the requirements and their </a:t>
+              <a:t>Carrying out checks of the requirements and their interconnection in the V-cycle </a:t>
+            </a:r>
+            <a:br>
+              <a:rPr sz="1000"/>
+            </a:br>
+            <a:r>
+              <a:rPr b="1" lang="en-US" sz="1000" spc="-1" strike="noStrike">
+                <a:solidFill>
+                  <a:srgbClr val="000000"/>
+                </a:solidFill>
+                <a:latin typeface="Verdana"/>
+                <a:ea typeface="Verdana"/>
+              </a:rPr>
+              <a:t>Tools: </a:t>
             </a:r>
             <a:r>
               <a:rPr b="0" lang="en-US" sz="1000" spc="-1" strike="noStrike">
@@ -8263,7 +8110,7 @@
                 <a:latin typeface="Verdana"/>
                 <a:ea typeface="Verdana"/>
               </a:rPr>
-              <a:t>interconnection in the V-cycle </a:t>
+              <a:t>MATLAB, Simulink, Codebeamer</a:t>
             </a:r>
             <a:br>
               <a:rPr sz="1000"/>
@@ -8276,6 +8123,280 @@
                 <a:latin typeface="Verdana"/>
                 <a:ea typeface="Verdana"/>
               </a:rPr>
+              <a:t>Responsibility: </a:t>
+            </a:r>
+            <a:r>
+              <a:rPr b="0" lang="en-US" sz="1000" spc="-1" strike="noStrike">
+                <a:solidFill>
+                  <a:srgbClr val="000000"/>
+                </a:solidFill>
+                <a:latin typeface="Verdana"/>
+                <a:ea typeface="Verdana"/>
+              </a:rPr>
+              <a:t>Detection of several logical or syntactic errors.</a:t>
+            </a:r>
+            <a:br>
+              <a:rPr sz="1000"/>
+            </a:br>
+            <a:r>
+              <a:rPr b="0" lang="en-US" sz="1000" spc="-1" strike="noStrike">
+                <a:solidFill>
+                  <a:srgbClr val="000000"/>
+                </a:solidFill>
+                <a:latin typeface="Verdana"/>
+                <a:ea typeface="Verdana"/>
+              </a:rPr>
+              <a:t>Analyse and Documentation of a un-documented library (part of ICV-L Software)</a:t>
+            </a:r>
+            <a:endParaRPr b="0" lang="en-US" sz="1000" spc="-1" strike="noStrike">
+              <a:latin typeface="Arial"/>
+            </a:endParaRPr>
+          </a:p>
+          <a:p>
+            <a:pPr>
+              <a:lnSpc>
+                <a:spcPct val="100000"/>
+              </a:lnSpc>
+              <a:buNone/>
+              <a:tabLst>
+                <a:tab algn="l" pos="408240"/>
+              </a:tabLst>
+            </a:pPr>
+            <a:endParaRPr b="0" lang="en-US" sz="1000" spc="-1" strike="noStrike">
+              <a:latin typeface="Arial"/>
+            </a:endParaRPr>
+          </a:p>
+          <a:p>
+            <a:pPr>
+              <a:lnSpc>
+                <a:spcPct val="100000"/>
+              </a:lnSpc>
+              <a:buNone/>
+              <a:tabLst>
+                <a:tab algn="l" pos="408240"/>
+              </a:tabLst>
+            </a:pPr>
+            <a:r>
+              <a:rPr b="1" lang="en-US" sz="1000" spc="-1" strike="noStrike">
+                <a:solidFill>
+                  <a:srgbClr val="000000"/>
+                </a:solidFill>
+                <a:latin typeface="Verdana"/>
+                <a:ea typeface="Verdana"/>
+              </a:rPr>
+              <a:t>Role</a:t>
+            </a:r>
+            <a:r>
+              <a:rPr b="0" lang="en-US" sz="1000" spc="-1" strike="noStrike">
+                <a:solidFill>
+                  <a:srgbClr val="000000"/>
+                </a:solidFill>
+                <a:latin typeface="Verdana"/>
+                <a:ea typeface="Verdana"/>
+              </a:rPr>
+              <a:t>: Risk Manager</a:t>
+            </a:r>
+            <a:br>
+              <a:rPr sz="1000"/>
+            </a:br>
+            <a:r>
+              <a:rPr b="1" lang="en-US" sz="1000" spc="-1" strike="noStrike">
+                <a:solidFill>
+                  <a:srgbClr val="000000"/>
+                </a:solidFill>
+                <a:latin typeface="Verdana"/>
+                <a:ea typeface="Verdana"/>
+              </a:rPr>
+              <a:t>Industry:</a:t>
+            </a:r>
+            <a:r>
+              <a:rPr b="0" lang="en-US" sz="1000" spc="-1" strike="noStrike">
+                <a:solidFill>
+                  <a:srgbClr val="000000"/>
+                </a:solidFill>
+                <a:latin typeface="Verdana"/>
+                <a:ea typeface="Verdana"/>
+              </a:rPr>
+              <a:t> Trucks</a:t>
+            </a:r>
+            <a:br>
+              <a:rPr sz="1000"/>
+            </a:br>
+            <a:r>
+              <a:rPr b="1" lang="en-US" sz="1000" spc="-1" strike="noStrike">
+                <a:solidFill>
+                  <a:srgbClr val="000000"/>
+                </a:solidFill>
+                <a:latin typeface="Verdana"/>
+                <a:ea typeface="Verdana"/>
+              </a:rPr>
+              <a:t>Project: </a:t>
+            </a:r>
+            <a:r>
+              <a:rPr b="0" lang="en-US" sz="1000" spc="-1" strike="noStrike">
+                <a:solidFill>
+                  <a:srgbClr val="000000"/>
+                </a:solidFill>
+                <a:latin typeface="Verdana"/>
+                <a:ea typeface="Verdana"/>
+              </a:rPr>
+              <a:t>Risk Analysis </a:t>
+            </a:r>
+            <a:br>
+              <a:rPr sz="1000"/>
+            </a:br>
+            <a:r>
+              <a:rPr b="1" lang="en-US" sz="1000" spc="-1" strike="noStrike">
+                <a:solidFill>
+                  <a:srgbClr val="000000"/>
+                </a:solidFill>
+                <a:latin typeface="Verdana"/>
+                <a:ea typeface="Verdana"/>
+              </a:rPr>
+              <a:t>Tools:</a:t>
+            </a:r>
+            <a:r>
+              <a:rPr b="0" lang="en-US" sz="1000" spc="-1" strike="noStrike">
+                <a:solidFill>
+                  <a:srgbClr val="000000"/>
+                </a:solidFill>
+                <a:latin typeface="Verdana"/>
+                <a:ea typeface="Verdana"/>
+              </a:rPr>
+              <a:t> FMEA.</a:t>
+            </a:r>
+            <a:br>
+              <a:rPr sz="1000"/>
+            </a:br>
+            <a:r>
+              <a:rPr b="1" lang="en-US" sz="1000" spc="-1" strike="noStrike">
+                <a:solidFill>
+                  <a:srgbClr val="000000"/>
+                </a:solidFill>
+                <a:latin typeface="Verdana"/>
+                <a:ea typeface="Verdana"/>
+              </a:rPr>
+              <a:t>Responsibility: </a:t>
+            </a:r>
+            <a:r>
+              <a:rPr b="0" lang="en-US" sz="1000" spc="-1" strike="noStrike">
+                <a:solidFill>
+                  <a:srgbClr val="000000"/>
+                </a:solidFill>
+                <a:latin typeface="Verdana"/>
+                <a:ea typeface="Verdana"/>
+              </a:rPr>
+              <a:t>A complete analyses was delivered.</a:t>
+            </a:r>
+            <a:endParaRPr b="0" lang="en-US" sz="1000" spc="-1" strike="noStrike">
+              <a:latin typeface="Arial"/>
+            </a:endParaRPr>
+          </a:p>
+          <a:p>
+            <a:pPr>
+              <a:lnSpc>
+                <a:spcPct val="100000"/>
+              </a:lnSpc>
+              <a:buNone/>
+              <a:tabLst>
+                <a:tab algn="l" pos="408240"/>
+              </a:tabLst>
+            </a:pPr>
+            <a:endParaRPr b="0" lang="en-US" sz="1000" spc="-1" strike="noStrike">
+              <a:latin typeface="Arial"/>
+            </a:endParaRPr>
+          </a:p>
+          <a:p>
+            <a:pPr>
+              <a:lnSpc>
+                <a:spcPct val="100000"/>
+              </a:lnSpc>
+              <a:buNone/>
+              <a:tabLst>
+                <a:tab algn="l" pos="408240"/>
+              </a:tabLst>
+            </a:pPr>
+            <a:r>
+              <a:rPr b="1" lang="en-US" sz="1000" spc="-1" strike="noStrike">
+                <a:solidFill>
+                  <a:srgbClr val="000000"/>
+                </a:solidFill>
+                <a:latin typeface="Verdana"/>
+                <a:ea typeface="Verdana"/>
+              </a:rPr>
+              <a:t>Role</a:t>
+            </a:r>
+            <a:r>
+              <a:rPr b="0" lang="en-US" sz="1000" spc="-1" strike="noStrike">
+                <a:solidFill>
+                  <a:srgbClr val="000000"/>
+                </a:solidFill>
+                <a:latin typeface="Verdana"/>
+                <a:ea typeface="Verdana"/>
+              </a:rPr>
+              <a:t>: </a:t>
+            </a:r>
+            <a:r>
+              <a:rPr b="0" lang="en-US" sz="1000" spc="-1" strike="noStrike">
+                <a:latin typeface="Verdana"/>
+                <a:ea typeface="Verdana"/>
+              </a:rPr>
+              <a:t>Software Architect / Lead Software Developer</a:t>
+            </a:r>
+            <a:br>
+              <a:rPr sz="1000"/>
+            </a:br>
+            <a:r>
+              <a:rPr b="1" lang="en-US" sz="1000" spc="-1" strike="noStrike">
+                <a:solidFill>
+                  <a:srgbClr val="000000"/>
+                </a:solidFill>
+                <a:latin typeface="Verdana"/>
+                <a:ea typeface="Verdana"/>
+              </a:rPr>
+              <a:t>Industry: </a:t>
+            </a:r>
+            <a:r>
+              <a:rPr b="0" lang="en-US" sz="1000" spc="-1" strike="noStrike">
+                <a:latin typeface="Verdana"/>
+                <a:ea typeface="Verdana"/>
+              </a:rPr>
+              <a:t>Automotive suppliers</a:t>
+            </a:r>
+            <a:br>
+              <a:rPr sz="1000"/>
+            </a:br>
+            <a:r>
+              <a:rPr b="1" lang="en-US" sz="1000" spc="-1" strike="noStrike">
+                <a:solidFill>
+                  <a:srgbClr val="000000"/>
+                </a:solidFill>
+                <a:latin typeface="Verdana"/>
+                <a:ea typeface="Verdana"/>
+              </a:rPr>
+              <a:t>Project: </a:t>
+            </a:r>
+            <a:r>
+              <a:rPr b="0" lang="en-US" sz="1000" spc="-1" strike="noStrike">
+                <a:solidFill>
+                  <a:srgbClr val="000000"/>
+                </a:solidFill>
+                <a:latin typeface="Verdana"/>
+                <a:ea typeface="Verdana"/>
+              </a:rPr>
+              <a:t>Creation of MDF4 reader and interpreter software. </a:t>
+            </a:r>
+            <a:br>
+              <a:rPr sz="1000"/>
+            </a:br>
+            <a:r>
+              <a:rPr b="1" lang="en-US" sz="1000" spc="-1" strike="noStrike">
+                <a:solidFill>
+                  <a:srgbClr val="000000"/>
+                </a:solidFill>
+                <a:latin typeface="Verdana"/>
+                <a:ea typeface="Verdana"/>
+              </a:rPr>
               <a:t>Tools: </a:t>
             </a:r>
             <a:r>
@@ -8286,7 +8407,7 @@
                 <a:latin typeface="Verdana"/>
                 <a:ea typeface="Verdana"/>
               </a:rPr>
-              <a:t>MATLAB, Simulink, Codebeamer</a:t>
+              <a:t>C++, CAN, LIN, binaries analysis, Object Oriented, Linux, Valgrind, mdf4 files.</a:t>
             </a:r>
             <a:br>
               <a:rPr sz="1000"/>
@@ -8301,6 +8422,9 @@
               </a:rPr>
               <a:t>Responsibility: </a:t>
             </a:r>
+            <a:br>
+              <a:rPr sz="1000"/>
+            </a:br>
             <a:r>
               <a:rPr b="0" lang="en-US" sz="1000" spc="-1" strike="noStrike">
                 <a:solidFill>
@@ -8309,7 +8433,7 @@
                 <a:latin typeface="Verdana"/>
                 <a:ea typeface="Verdana"/>
               </a:rPr>
-              <a:t>Detection of several logical or syntactic errors.</a:t>
+              <a:t>* Software Architecture : multiple executable with a common library</a:t>
             </a:r>
             <a:br>
               <a:rPr sz="1000"/>
@@ -8322,351 +8446,7 @@
                 <a:latin typeface="Verdana"/>
                 <a:ea typeface="Verdana"/>
               </a:rPr>
-              <a:t>Analyse and Documentation of a un-documented library (part of </a:t>
-            </a:r>
-            <a:r>
-              <a:rPr b="0" lang="en-US" sz="1000" spc="-1" strike="noStrike">
-                <a:solidFill>
-                  <a:srgbClr val="000000"/>
-                </a:solidFill>
-                <a:latin typeface="Verdana"/>
-                <a:ea typeface="Verdana"/>
-              </a:rPr>
-              <a:t>ICV-L Software)</a:t>
-            </a:r>
-            <a:endParaRPr b="0" lang="en-US" sz="1000" spc="-1" strike="noStrike">
-              <a:latin typeface="Arial"/>
-            </a:endParaRPr>
-          </a:p>
-          <a:p>
-            <a:r>
-              <a:rPr b="1" lang="en-US" sz="1000" spc="-1" strike="noStrike">
-                <a:solidFill>
-                  <a:srgbClr val="000000"/>
-                </a:solidFill>
-                <a:latin typeface="Verdana"/>
-                <a:ea typeface="Verdana"/>
-              </a:rPr>
-              <a:t>Role</a:t>
-            </a:r>
-            <a:r>
-              <a:rPr b="0" lang="en-US" sz="1000" spc="-1" strike="noStrike">
-                <a:solidFill>
-                  <a:srgbClr val="000000"/>
-                </a:solidFill>
-                <a:latin typeface="Verdana"/>
-                <a:ea typeface="Verdana"/>
-              </a:rPr>
-              <a:t>: </a:t>
-            </a:r>
-            <a:r>
-              <a:rPr b="0" lang="en-US" sz="1000" spc="-1" strike="noStrike">
-                <a:solidFill>
-                  <a:srgbClr val="000000"/>
-                </a:solidFill>
-                <a:latin typeface="Verdana"/>
-                <a:ea typeface="Verdana"/>
-              </a:rPr>
-              <a:t>Risk Manager</a:t>
-            </a:r>
-            <a:br>
-              <a:rPr sz="1000"/>
-            </a:br>
-            <a:r>
-              <a:rPr b="1" lang="en-US" sz="1000" spc="-1" strike="noStrike">
-                <a:solidFill>
-                  <a:srgbClr val="000000"/>
-                </a:solidFill>
-                <a:latin typeface="Verdana"/>
-                <a:ea typeface="Verdana"/>
-              </a:rPr>
-              <a:t>Industry:</a:t>
-            </a:r>
-            <a:r>
-              <a:rPr b="0" lang="en-US" sz="1000" spc="-1" strike="noStrike">
-                <a:solidFill>
-                  <a:srgbClr val="000000"/>
-                </a:solidFill>
-                <a:latin typeface="Verdana"/>
-                <a:ea typeface="Verdana"/>
-              </a:rPr>
-              <a:t> Trucks</a:t>
-            </a:r>
-            <a:br>
-              <a:rPr sz="1000"/>
-            </a:br>
-            <a:r>
-              <a:rPr b="1" lang="en-US" sz="1000" spc="-1" strike="noStrike">
-                <a:solidFill>
-                  <a:srgbClr val="000000"/>
-                </a:solidFill>
-                <a:latin typeface="Verdana"/>
-                <a:ea typeface="Verdana"/>
-              </a:rPr>
-              <a:t>Project: </a:t>
-            </a:r>
-            <a:r>
-              <a:rPr b="0" lang="en-US" sz="1000" spc="-1" strike="noStrike">
-                <a:solidFill>
-                  <a:srgbClr val="000000"/>
-                </a:solidFill>
-                <a:latin typeface="Verdana"/>
-                <a:ea typeface="Verdana"/>
-              </a:rPr>
-              <a:t>Risk Analysis </a:t>
-            </a:r>
-            <a:br>
-              <a:rPr sz="1000"/>
-            </a:br>
-            <a:r>
-              <a:rPr b="1" lang="en-US" sz="1000" spc="-1" strike="noStrike">
-                <a:solidFill>
-                  <a:srgbClr val="000000"/>
-                </a:solidFill>
-                <a:latin typeface="Verdana"/>
-                <a:ea typeface="Verdana"/>
-              </a:rPr>
-              <a:t>Tools:</a:t>
-            </a:r>
-            <a:r>
-              <a:rPr b="0" lang="en-US" sz="1000" spc="-1" strike="noStrike">
-                <a:solidFill>
-                  <a:srgbClr val="000000"/>
-                </a:solidFill>
-                <a:latin typeface="Verdana"/>
-                <a:ea typeface="Verdana"/>
-              </a:rPr>
-              <a:t> FMEA.</a:t>
-            </a:r>
-            <a:br>
-              <a:rPr sz="1000"/>
-            </a:br>
-            <a:r>
-              <a:rPr b="1" lang="en-US" sz="1000" spc="-1" strike="noStrike">
-                <a:solidFill>
-                  <a:srgbClr val="000000"/>
-                </a:solidFill>
-                <a:latin typeface="Verdana"/>
-                <a:ea typeface="Verdana"/>
-              </a:rPr>
-              <a:t>Responsibility: </a:t>
-            </a:r>
-            <a:r>
-              <a:rPr b="0" lang="en-US" sz="1000" spc="-1" strike="noStrike">
-                <a:solidFill>
-                  <a:srgbClr val="000000"/>
-                </a:solidFill>
-                <a:latin typeface="Verdana"/>
-                <a:ea typeface="Verdana"/>
-              </a:rPr>
-              <a:t>A complete analyses was delivered</a:t>
-            </a:r>
-            <a:r>
-              <a:rPr b="0" lang="en-US" sz="1000" spc="-1" strike="noStrike">
-                <a:solidFill>
-                  <a:srgbClr val="000000"/>
-                </a:solidFill>
-                <a:latin typeface="Verdana"/>
-                <a:ea typeface="Verdana"/>
-              </a:rPr>
-              <a:t>.</a:t>
-            </a:r>
-            <a:endParaRPr b="0" lang="en-US" sz="1000" spc="-1" strike="noStrike">
-              <a:latin typeface="Arial"/>
-            </a:endParaRPr>
-          </a:p>
-          <a:p>
-            <a:r>
-              <a:rPr b="1" lang="en-US" sz="1000" spc="-1" strike="noStrike">
-                <a:solidFill>
-                  <a:srgbClr val="000000"/>
-                </a:solidFill>
-                <a:latin typeface="Verdana"/>
-                <a:ea typeface="Verdana"/>
-              </a:rPr>
-              <a:t>Role</a:t>
-            </a:r>
-            <a:r>
-              <a:rPr b="0" lang="en-US" sz="1000" spc="-1" strike="noStrike">
-                <a:solidFill>
-                  <a:srgbClr val="000000"/>
-                </a:solidFill>
-                <a:latin typeface="Verdana"/>
-                <a:ea typeface="Verdana"/>
-              </a:rPr>
-              <a:t>: </a:t>
-            </a:r>
-            <a:r>
-              <a:rPr b="0" lang="en-US" sz="1000" spc="-1" strike="noStrike">
-                <a:latin typeface="Verdana"/>
-                <a:ea typeface="Verdana"/>
-              </a:rPr>
-              <a:t>Software Architect / Lead Software Developer</a:t>
-            </a:r>
-            <a:br>
-              <a:rPr sz="1000"/>
-            </a:br>
-            <a:r>
-              <a:rPr b="1" lang="en-US" sz="1000" spc="-1" strike="noStrike">
-                <a:solidFill>
-                  <a:srgbClr val="000000"/>
-                </a:solidFill>
-                <a:latin typeface="Verdana"/>
-                <a:ea typeface="Verdana"/>
-              </a:rPr>
-              <a:t>Industry: </a:t>
-            </a:r>
-            <a:r>
-              <a:rPr b="0" lang="en-US" sz="1000" spc="-1" strike="noStrike">
-                <a:latin typeface="Verdana"/>
-                <a:ea typeface="Verdana"/>
-              </a:rPr>
-              <a:t>Automotive suppliers</a:t>
-            </a:r>
-            <a:br>
-              <a:rPr sz="1000"/>
-            </a:br>
-            <a:r>
-              <a:rPr b="1" lang="en-US" sz="1000" spc="-1" strike="noStrike">
-                <a:solidFill>
-                  <a:srgbClr val="000000"/>
-                </a:solidFill>
-                <a:latin typeface="Verdana"/>
-                <a:ea typeface="Verdana"/>
-              </a:rPr>
-              <a:t>Project: </a:t>
-            </a:r>
-            <a:r>
-              <a:rPr b="0" lang="en-US" sz="1000" spc="-1" strike="noStrike">
-                <a:solidFill>
-                  <a:srgbClr val="000000"/>
-                </a:solidFill>
-                <a:latin typeface="Verdana"/>
-                <a:ea typeface="Verdana"/>
-              </a:rPr>
-              <a:t>Creation of MDF4 reader and interpreter software.</a:t>
-            </a:r>
-            <a:r>
-              <a:rPr b="0" lang="en-US" sz="1000" spc="-1" strike="noStrike">
-                <a:solidFill>
-                  <a:srgbClr val="000000"/>
-                </a:solidFill>
-                <a:latin typeface="Verdana"/>
-                <a:ea typeface="Verdana"/>
-              </a:rPr>
-              <a:t> </a:t>
-            </a:r>
-            <a:br>
-              <a:rPr sz="1000"/>
-            </a:br>
-            <a:r>
-              <a:rPr b="1" lang="en-US" sz="1000" spc="-1" strike="noStrike">
-                <a:solidFill>
-                  <a:srgbClr val="000000"/>
-                </a:solidFill>
-                <a:latin typeface="Verdana"/>
-                <a:ea typeface="Verdana"/>
-              </a:rPr>
-              <a:t>Tools: </a:t>
-            </a:r>
-            <a:r>
-              <a:rPr b="0" lang="en-US" sz="1000" spc="-1" strike="noStrike">
-                <a:solidFill>
-                  <a:srgbClr val="000000"/>
-                </a:solidFill>
-                <a:latin typeface="Verdana"/>
-                <a:ea typeface="Verdana"/>
-              </a:rPr>
-              <a:t>C++, CAN, LIN, binaries analysis, Object Oriented, Linux, </a:t>
-            </a:r>
-            <a:r>
-              <a:rPr b="0" lang="en-US" sz="1000" spc="-1" strike="noStrike">
-                <a:solidFill>
-                  <a:srgbClr val="000000"/>
-                </a:solidFill>
-                <a:latin typeface="Verdana"/>
-                <a:ea typeface="Verdana"/>
-              </a:rPr>
-              <a:t>Valgrind, mdf4 files</a:t>
-            </a:r>
-            <a:r>
-              <a:rPr b="0" lang="en-US" sz="1000" spc="-1" strike="noStrike">
-                <a:solidFill>
-                  <a:srgbClr val="000000"/>
-                </a:solidFill>
-                <a:latin typeface="Verdana"/>
-                <a:ea typeface="Verdana"/>
-              </a:rPr>
-              <a:t>.</a:t>
-            </a:r>
-            <a:br>
-              <a:rPr sz="1000"/>
-            </a:br>
-            <a:r>
-              <a:rPr b="1" lang="en-US" sz="1000" spc="-1" strike="noStrike">
-                <a:solidFill>
-                  <a:srgbClr val="000000"/>
-                </a:solidFill>
-                <a:latin typeface="Verdana"/>
-                <a:ea typeface="Verdana"/>
-              </a:rPr>
-              <a:t>Responsibility: </a:t>
-            </a:r>
-            <a:br>
-              <a:rPr sz="1000"/>
-            </a:br>
-            <a:r>
-              <a:rPr b="0" lang="en-US" sz="1000" spc="-1" strike="noStrike">
-                <a:solidFill>
-                  <a:srgbClr val="000000"/>
-                </a:solidFill>
-                <a:latin typeface="Verdana"/>
-                <a:ea typeface="Verdana"/>
-              </a:rPr>
-              <a:t>* </a:t>
-            </a:r>
-            <a:r>
-              <a:rPr b="0" lang="en-US" sz="1000" spc="-1" strike="noStrike">
-                <a:solidFill>
-                  <a:srgbClr val="000000"/>
-                </a:solidFill>
-                <a:latin typeface="Verdana"/>
-                <a:ea typeface="Verdana"/>
-              </a:rPr>
-              <a:t>Software Architecture : multiple executable with a common </a:t>
-            </a:r>
-            <a:r>
-              <a:rPr b="0" lang="en-US" sz="1000" spc="-1" strike="noStrike">
-                <a:solidFill>
-                  <a:srgbClr val="000000"/>
-                </a:solidFill>
-                <a:latin typeface="Verdana"/>
-                <a:ea typeface="Verdana"/>
-              </a:rPr>
-              <a:t>library</a:t>
-            </a:r>
-            <a:br>
-              <a:rPr sz="1000"/>
-            </a:br>
-            <a:r>
-              <a:rPr b="0" lang="en-US" sz="1000" spc="-1" strike="noStrike">
-                <a:solidFill>
-                  <a:srgbClr val="000000"/>
-                </a:solidFill>
-                <a:latin typeface="Verdana"/>
-                <a:ea typeface="Verdana"/>
-              </a:rPr>
-              <a:t>* </a:t>
-            </a:r>
-            <a:r>
-              <a:rPr b="0" lang="en-US" sz="1000" spc="-1" strike="noStrike">
-                <a:solidFill>
-                  <a:srgbClr val="000000"/>
-                </a:solidFill>
-                <a:latin typeface="Verdana"/>
-                <a:ea typeface="Verdana"/>
-              </a:rPr>
-              <a:t>Quality Management</a:t>
+              <a:t>* Quality Management</a:t>
             </a:r>
             <a:br>
               <a:rPr sz="1000"/>
@@ -9222,7 +9002,7 @@
         <p:spPr>
           <a:xfrm>
             <a:off x="44640" y="6503040"/>
-            <a:ext cx="5830200" cy="333000"/>
+            <a:ext cx="5829840" cy="333000"/>
           </a:xfrm>
           <a:prstGeom prst="rect">
             <a:avLst/>
@@ -9295,7 +9075,7 @@
         <p:spPr>
           <a:xfrm>
             <a:off x="3584160" y="2971800"/>
-            <a:ext cx="3959280" cy="1097280"/>
+            <a:ext cx="3958920" cy="1096920"/>
           </a:xfrm>
           <a:prstGeom prst="rect">
             <a:avLst/>
@@ -9393,7 +9173,7 @@
         <p:spPr>
           <a:xfrm>
             <a:off x="7604640" y="914400"/>
-            <a:ext cx="4219920" cy="5486400"/>
+            <a:ext cx="4219560" cy="5486040"/>
           </a:xfrm>
           <a:prstGeom prst="rect">
             <a:avLst/>
@@ -9428,7 +9208,7 @@
         <p:spPr>
           <a:xfrm>
             <a:off x="3429000" y="313200"/>
-            <a:ext cx="4175640" cy="411480"/>
+            <a:ext cx="4175280" cy="411120"/>
           </a:xfrm>
           <a:prstGeom prst="rect">
             <a:avLst/>
@@ -9483,7 +9263,7 @@
         <p:spPr>
           <a:xfrm>
             <a:off x="407880" y="5580720"/>
-            <a:ext cx="3022920" cy="331200"/>
+            <a:ext cx="3022560" cy="330840"/>
           </a:xfrm>
           <a:prstGeom prst="rect">
             <a:avLst/>
@@ -9538,7 +9318,7 @@
         <p:spPr>
           <a:xfrm>
             <a:off x="407880" y="3601800"/>
-            <a:ext cx="3022920" cy="411480"/>
+            <a:ext cx="3022560" cy="411120"/>
           </a:xfrm>
           <a:prstGeom prst="rect">
             <a:avLst/>
@@ -9598,7 +9378,7 @@
         <p:spPr>
           <a:xfrm>
             <a:off x="407880" y="4038120"/>
-            <a:ext cx="3022920" cy="539280"/>
+            <a:ext cx="3022560" cy="538920"/>
           </a:xfrm>
           <a:prstGeom prst="rect">
             <a:avLst/>
@@ -9658,7 +9438,7 @@
         <p:spPr>
           <a:xfrm>
             <a:off x="407880" y="5913360"/>
-            <a:ext cx="3022920" cy="539280"/>
+            <a:ext cx="3022560" cy="538920"/>
           </a:xfrm>
           <a:prstGeom prst="rect">
             <a:avLst/>
@@ -9714,7 +9494,7 @@
         <p:spPr>
           <a:xfrm>
             <a:off x="407880" y="4484520"/>
-            <a:ext cx="3022920" cy="331200"/>
+            <a:ext cx="3022560" cy="330840"/>
           </a:xfrm>
           <a:prstGeom prst="rect">
             <a:avLst/>
@@ -9769,7 +9549,7 @@
         <p:spPr>
           <a:xfrm>
             <a:off x="408960" y="4833360"/>
-            <a:ext cx="3021840" cy="539280"/>
+            <a:ext cx="3021480" cy="538920"/>
           </a:xfrm>
           <a:prstGeom prst="rect">
             <a:avLst/>
@@ -9808,17 +9588,7 @@
                 <a:latin typeface="Calibri"/>
                 <a:ea typeface="DejaVu Sans"/>
               </a:rPr>
-              <a:t>Software Development, Integration, </a:t>
-            </a:r>
-            <a:r>
-              <a:rPr b="0" lang="en-GB" sz="1400" spc="-1" strike="noStrike">
-                <a:solidFill>
-                  <a:srgbClr val="ffffff"/>
-                </a:solidFill>
-                <a:latin typeface="Calibri"/>
-                <a:ea typeface="DejaVu Sans"/>
-              </a:rPr>
-              <a:t>test &amp; validation</a:t>
+              <a:t>Software Development, Integration, test &amp; validation</a:t>
             </a:r>
             <a:endParaRPr b="0" lang="en-US" sz="1400" spc="-1" strike="noStrike">
               <a:latin typeface="Arial"/>
@@ -9839,7 +9609,7 @@
         <p:spPr>
           <a:xfrm>
             <a:off x="7707960" y="685800"/>
-            <a:ext cx="4171320" cy="5392080"/>
+            <a:ext cx="4170960" cy="5391720"/>
           </a:xfrm>
           <a:prstGeom prst="rect">
             <a:avLst/>
@@ -9854,18 +9624,14 @@
             <a:noAutofit/>
           </a:bodyPr>
           <a:p>
-            <a:pPr lvl="1" marL="232920" indent="-228600">
+            <a:pPr>
               <a:lnSpc>
                 <a:spcPct val="100000"/>
               </a:lnSpc>
               <a:spcBef>
-                <a:spcPts val="601"/>
+                <a:spcPts val="1417"/>
               </a:spcBef>
-              <a:buClr>
-                <a:srgbClr val="0070ad"/>
-              </a:buClr>
-              <a:buFont typeface="Wingdings" charset="2"/>
-              <a:buChar char=""/>
+              <a:buNone/>
               <a:tabLst>
                 <a:tab algn="l" pos="408240"/>
               </a:tabLst>
@@ -9875,6 +9641,29 @@
             </a:endParaRPr>
           </a:p>
           <a:p>
+            <a:pPr>
+              <a:lnSpc>
+                <a:spcPct val="100000"/>
+              </a:lnSpc>
+              <a:buNone/>
+              <a:tabLst>
+                <a:tab algn="l" pos="408240"/>
+              </a:tabLst>
+            </a:pPr>
+            <a:endParaRPr b="0" lang="en-US" sz="1000" spc="-1" strike="noStrike">
+              <a:latin typeface="Arial"/>
+            </a:endParaRPr>
+          </a:p>
+          <a:p>
+            <a:pPr>
+              <a:lnSpc>
+                <a:spcPct val="100000"/>
+              </a:lnSpc>
+              <a:buNone/>
+              <a:tabLst>
+                <a:tab algn="l" pos="408240"/>
+              </a:tabLst>
+            </a:pPr>
             <a:r>
               <a:rPr b="1" lang="en-US" sz="1000" spc="-1" strike="noStrike">
                 <a:solidFill>
@@ -9936,14 +9725,30 @@
                 <a:latin typeface="Verdana"/>
                 <a:ea typeface="Verdana"/>
               </a:rPr>
-              <a:t>A Software with poor quality should be </a:t>
+              <a:t>A Software with poor quality should be tested</a:t>
+            </a:r>
+            <a:br>
+              <a:rPr sz="950"/>
+            </a:br>
+            <a:r>
+              <a:rPr b="1" lang="en-US" sz="950" spc="-1" strike="noStrike">
+                <a:solidFill>
+                  <a:srgbClr val="000000"/>
+                </a:solidFill>
+                <a:latin typeface="Verdana"/>
+                <a:ea typeface="Verdana"/>
+              </a:rPr>
+              <a:t>Tools:</a:t>
             </a:r>
             <a:r>
               <a:rPr b="0" lang="en-US" sz="950" spc="-1" strike="noStrike">
-                <a:latin typeface="Verdana"/>
-                <a:ea typeface="Verdana"/>
-              </a:rPr>
-              <a:t>tested</a:t>
+                <a:solidFill>
+                  <a:srgbClr val="000000"/>
+                </a:solidFill>
+                <a:latin typeface="Verdana"/>
+                <a:ea typeface="Verdana"/>
+              </a:rPr>
+              <a:t> c++, cmake, gdb.</a:t>
             </a:r>
             <a:br>
               <a:rPr sz="950"/>
@@ -9956,7 +9761,7 @@
                 <a:latin typeface="Verdana"/>
                 <a:ea typeface="Verdana"/>
               </a:rPr>
-              <a:t>Tools:</a:t>
+              <a:t>Responsibility:</a:t>
             </a:r>
             <a:r>
               <a:rPr b="0" lang="en-US" sz="950" spc="-1" strike="noStrike">
@@ -9968,6 +9773,9 @@
               </a:rPr>
               <a:t> </a:t>
             </a:r>
+            <a:br>
+              <a:rPr sz="950"/>
+            </a:br>
             <a:r>
               <a:rPr b="0" lang="en-US" sz="950" spc="-1" strike="noStrike">
                 <a:solidFill>
@@ -9976,8 +9784,11 @@
                 <a:latin typeface="Verdana"/>
                 <a:ea typeface="Verdana"/>
               </a:rPr>
-              <a:t>c++, cmake, gdb</a:t>
-            </a:r>
+              <a:t>* Make drastic choice about the tools,</a:t>
+            </a:r>
+            <a:br>
+              <a:rPr sz="950"/>
+            </a:br>
             <a:r>
               <a:rPr b="0" lang="en-US" sz="950" spc="-1" strike="noStrike">
                 <a:solidFill>
@@ -9986,13 +9797,166 @@
                 <a:latin typeface="Verdana"/>
                 <a:ea typeface="Verdana"/>
               </a:rPr>
-              <a:t>.</a:t>
+              <a:t>* Test implementation,</a:t>
             </a:r>
             <a:br>
               <a:rPr sz="950"/>
             </a:br>
             <a:r>
-              <a:rPr b="1" lang="en-US" sz="950" spc="-1" strike="noStrike">
+              <a:rPr b="0" lang="en-US" sz="950" spc="-1" strike="noStrike">
+                <a:solidFill>
+                  <a:srgbClr val="000000"/>
+                </a:solidFill>
+                <a:latin typeface="Verdana"/>
+                <a:ea typeface="Verdana"/>
+              </a:rPr>
+              <a:t>* Test Coverage management,</a:t>
+            </a:r>
+            <a:br>
+              <a:rPr sz="950"/>
+            </a:br>
+            <a:r>
+              <a:rPr b="0" lang="en-US" sz="950" spc="-1" strike="noStrike">
+                <a:solidFill>
+                  <a:srgbClr val="000000"/>
+                </a:solidFill>
+                <a:latin typeface="Verdana"/>
+                <a:ea typeface="Verdana"/>
+              </a:rPr>
+              <a:t>* Bug Management,</a:t>
+            </a:r>
+            <a:br>
+              <a:rPr sz="950"/>
+            </a:br>
+            <a:r>
+              <a:rPr b="0" lang="en-US" sz="950" spc="-1" strike="noStrike">
+                <a:solidFill>
+                  <a:srgbClr val="000000"/>
+                </a:solidFill>
+                <a:latin typeface="Verdana"/>
+                <a:ea typeface="Verdana"/>
+              </a:rPr>
+              <a:t>* Bug, test and requirement Documentation,</a:t>
+            </a:r>
+            <a:endParaRPr b="0" lang="en-US" sz="950" spc="-1" strike="noStrike">
+              <a:latin typeface="Arial"/>
+            </a:endParaRPr>
+          </a:p>
+          <a:p>
+            <a:pPr>
+              <a:lnSpc>
+                <a:spcPct val="100000"/>
+              </a:lnSpc>
+              <a:buNone/>
+              <a:tabLst>
+                <a:tab algn="l" pos="408240"/>
+              </a:tabLst>
+            </a:pPr>
+            <a:endParaRPr b="0" lang="en-US" sz="1000" spc="-1" strike="noStrike">
+              <a:latin typeface="Arial"/>
+            </a:endParaRPr>
+          </a:p>
+          <a:p>
+            <a:pPr>
+              <a:lnSpc>
+                <a:spcPct val="100000"/>
+              </a:lnSpc>
+              <a:buNone/>
+              <a:tabLst>
+                <a:tab algn="l" pos="408240"/>
+              </a:tabLst>
+            </a:pPr>
+            <a:r>
+              <a:rPr b="1" lang="en-US" sz="1000" spc="-1" strike="noStrike">
+                <a:solidFill>
+                  <a:srgbClr val="000000"/>
+                </a:solidFill>
+                <a:latin typeface="Verdana"/>
+                <a:ea typeface="Verdana"/>
+              </a:rPr>
+              <a:t>Role</a:t>
+            </a:r>
+            <a:r>
+              <a:rPr b="0" lang="en-US" sz="1000" spc="-1" strike="noStrike">
+                <a:solidFill>
+                  <a:srgbClr val="000000"/>
+                </a:solidFill>
+                <a:latin typeface="Verdana"/>
+                <a:ea typeface="Verdana"/>
+              </a:rPr>
+              <a:t>: Software Tester</a:t>
+            </a:r>
+            <a:br>
+              <a:rPr sz="1000"/>
+            </a:br>
+            <a:r>
+              <a:rPr b="1" lang="en-US" sz="1000" spc="-1" strike="noStrike">
+                <a:solidFill>
+                  <a:srgbClr val="000000"/>
+                </a:solidFill>
+                <a:latin typeface="Verdana"/>
+                <a:ea typeface="Verdana"/>
+              </a:rPr>
+              <a:t>Industry:</a:t>
+            </a:r>
+            <a:r>
+              <a:rPr b="0" lang="en-US" sz="1000" spc="-1" strike="noStrike">
+                <a:solidFill>
+                  <a:srgbClr val="000000"/>
+                </a:solidFill>
+                <a:latin typeface="Verdana"/>
+                <a:ea typeface="Verdana"/>
+              </a:rPr>
+              <a:t> Automotive</a:t>
+            </a:r>
+            <a:br>
+              <a:rPr sz="1000"/>
+            </a:br>
+            <a:r>
+              <a:rPr b="1" lang="en-US" sz="1000" spc="-1" strike="noStrike">
+                <a:solidFill>
+                  <a:srgbClr val="000000"/>
+                </a:solidFill>
+                <a:latin typeface="Verdana"/>
+                <a:ea typeface="Verdana"/>
+              </a:rPr>
+              <a:t>Project: </a:t>
+            </a:r>
+            <a:r>
+              <a:rPr b="0" lang="en-US" sz="1000" spc="-1" strike="noStrike">
+                <a:latin typeface="Verdana"/>
+                <a:ea typeface="Verdana"/>
+              </a:rPr>
+              <a:t>From objects positions, this software compute the objects trajectories. It should be tested.</a:t>
+            </a:r>
+            <a:br>
+              <a:rPr sz="1000"/>
+            </a:br>
+            <a:r>
+              <a:rPr b="1" lang="en-US" sz="1000" spc="-1" strike="noStrike">
+                <a:solidFill>
+                  <a:srgbClr val="000000"/>
+                </a:solidFill>
+                <a:latin typeface="Verdana"/>
+                <a:ea typeface="Verdana"/>
+              </a:rPr>
+              <a:t>Tools: </a:t>
+            </a:r>
+            <a:r>
+              <a:rPr b="0" lang="en-US" sz="1000" spc="-1" strike="noStrike">
+                <a:solidFill>
+                  <a:srgbClr val="000000"/>
+                </a:solidFill>
+                <a:latin typeface="Verdana"/>
+                <a:ea typeface="Verdana"/>
+              </a:rPr>
+              <a:t>DOORS, gdb</a:t>
+            </a:r>
+            <a:br>
+              <a:rPr sz="1000"/>
+            </a:br>
+            <a:r>
+              <a:rPr b="1" lang="en-US" sz="1000" spc="-1" strike="noStrike">
                 <a:solidFill>
                   <a:srgbClr val="000000"/>
                 </a:solidFill>
@@ -10001,21 +9965,11 @@
               </a:rPr>
               <a:t>Responsibility:</a:t>
             </a:r>
-            <a:r>
-              <a:rPr b="0" lang="en-US" sz="950" spc="-1" strike="noStrike">
-                <a:solidFill>
-                  <a:srgbClr val="000000"/>
-                </a:solidFill>
-                <a:latin typeface="Verdana"/>
-                <a:ea typeface="Verdana"/>
-              </a:rPr>
-              <a:t> </a:t>
-            </a:r>
-            <a:br>
-              <a:rPr sz="950"/>
-            </a:br>
-            <a:r>
-              <a:rPr b="0" lang="en-US" sz="950" spc="-1" strike="noStrike">
+            <a:br>
+              <a:rPr sz="1000"/>
+            </a:br>
+            <a:r>
+              <a:rPr b="1" lang="en-US" sz="1000" spc="-1" strike="noStrike">
                 <a:solidFill>
                   <a:srgbClr val="000000"/>
                 </a:solidFill>
@@ -10025,20 +9979,173 @@
               <a:t>* </a:t>
             </a:r>
             <a:r>
-              <a:rPr b="0" lang="en-US" sz="950" spc="-1" strike="noStrike">
-                <a:solidFill>
-                  <a:srgbClr val="000000"/>
-                </a:solidFill>
-                <a:latin typeface="Verdana"/>
-                <a:ea typeface="Verdana"/>
-              </a:rPr>
-              <a:t>Make drastic choice about the tools,</a:t>
-            </a:r>
-            <a:br>
-              <a:rPr sz="950"/>
-            </a:br>
-            <a:r>
-              <a:rPr b="0" lang="en-US" sz="950" spc="-1" strike="noStrike">
+              <a:rPr b="0" lang="en-US" sz="1000" spc="-1" strike="noStrike">
+                <a:solidFill>
+                  <a:srgbClr val="000000"/>
+                </a:solidFill>
+                <a:latin typeface="Verdana"/>
+                <a:ea typeface="Verdana"/>
+              </a:rPr>
+              <a:t>Check of requirements (incomplete or contradictory)</a:t>
+            </a:r>
+            <a:br>
+              <a:rPr sz="1000"/>
+            </a:br>
+            <a:r>
+              <a:rPr b="0" lang="en-US" sz="1000" spc="-1" strike="noStrike">
+                <a:solidFill>
+                  <a:srgbClr val="000000"/>
+                </a:solidFill>
+                <a:latin typeface="Verdana"/>
+                <a:ea typeface="Verdana"/>
+              </a:rPr>
+              <a:t>* Test plan</a:t>
+            </a:r>
+            <a:br>
+              <a:rPr sz="1000"/>
+            </a:br>
+            <a:r>
+              <a:rPr b="0" lang="en-US" sz="1000" spc="-1" strike="noStrike">
+                <a:solidFill>
+                  <a:srgbClr val="000000"/>
+                </a:solidFill>
+                <a:latin typeface="Verdana"/>
+                <a:ea typeface="Verdana"/>
+              </a:rPr>
+              <a:t>* Test report</a:t>
+            </a:r>
+            <a:endParaRPr b="0" lang="en-US" sz="1000" spc="-1" strike="noStrike">
+              <a:latin typeface="Arial"/>
+            </a:endParaRPr>
+          </a:p>
+          <a:p>
+            <a:pPr>
+              <a:lnSpc>
+                <a:spcPct val="100000"/>
+              </a:lnSpc>
+              <a:buNone/>
+              <a:tabLst>
+                <a:tab algn="l" pos="408240"/>
+              </a:tabLst>
+            </a:pPr>
+            <a:endParaRPr b="0" lang="en-US" sz="1000" spc="-1" strike="noStrike">
+              <a:latin typeface="Arial"/>
+            </a:endParaRPr>
+          </a:p>
+          <a:p>
+            <a:pPr>
+              <a:lnSpc>
+                <a:spcPct val="100000"/>
+              </a:lnSpc>
+              <a:buNone/>
+              <a:tabLst>
+                <a:tab algn="l" pos="408240"/>
+              </a:tabLst>
+            </a:pPr>
+            <a:r>
+              <a:rPr b="1" lang="en-US" sz="1000" spc="-1" strike="noStrike">
+                <a:solidFill>
+                  <a:srgbClr val="000000"/>
+                </a:solidFill>
+                <a:latin typeface="Verdana"/>
+                <a:ea typeface="Verdana"/>
+              </a:rPr>
+              <a:t>Role</a:t>
+            </a:r>
+            <a:r>
+              <a:rPr b="0" lang="en-US" sz="1000" spc="-1" strike="noStrike">
+                <a:solidFill>
+                  <a:srgbClr val="000000"/>
+                </a:solidFill>
+                <a:latin typeface="Verdana"/>
+                <a:ea typeface="Verdana"/>
+              </a:rPr>
+              <a:t>: Software Integrator</a:t>
+            </a:r>
+            <a:br>
+              <a:rPr sz="1000"/>
+            </a:br>
+            <a:r>
+              <a:rPr b="1" lang="en-US" sz="1000" spc="-1" strike="noStrike">
+                <a:solidFill>
+                  <a:srgbClr val="000000"/>
+                </a:solidFill>
+                <a:latin typeface="Verdana"/>
+                <a:ea typeface="Verdana"/>
+              </a:rPr>
+              <a:t>Industry:</a:t>
+            </a:r>
+            <a:r>
+              <a:rPr b="0" lang="en-US" sz="1000" spc="-1" strike="noStrike">
+                <a:solidFill>
+                  <a:srgbClr val="000000"/>
+                </a:solidFill>
+                <a:latin typeface="Verdana"/>
+                <a:ea typeface="Verdana"/>
+              </a:rPr>
+              <a:t> Automotive</a:t>
+            </a:r>
+            <a:br>
+              <a:rPr sz="1000"/>
+            </a:br>
+            <a:r>
+              <a:rPr b="1" lang="en-US" sz="1000" spc="-1" strike="noStrike">
+                <a:solidFill>
+                  <a:srgbClr val="000000"/>
+                </a:solidFill>
+                <a:latin typeface="Verdana"/>
+                <a:ea typeface="Verdana"/>
+              </a:rPr>
+              <a:t>Project: </a:t>
+            </a:r>
+            <a:r>
+              <a:rPr b="0" lang="en-US" sz="1000" spc="-1" strike="noStrike">
+                <a:latin typeface="Verdana"/>
+                <a:ea typeface="Verdana"/>
+              </a:rPr>
+              <a:t>Integration of incompatible libraries</a:t>
+            </a:r>
+            <a:br>
+              <a:rPr sz="1000"/>
+            </a:br>
+            <a:r>
+              <a:rPr b="1" lang="en-US" sz="1000" spc="-1" strike="noStrike">
+                <a:solidFill>
+                  <a:srgbClr val="000000"/>
+                </a:solidFill>
+                <a:latin typeface="Verdana"/>
+                <a:ea typeface="Verdana"/>
+              </a:rPr>
+              <a:t>Tools: </a:t>
+            </a:r>
+            <a:r>
+              <a:rPr b="0" lang="en-US" sz="1000" spc="-1" strike="noStrike">
+                <a:solidFill>
+                  <a:srgbClr val="000000"/>
+                </a:solidFill>
+                <a:latin typeface="Verdana"/>
+                <a:ea typeface="Verdana"/>
+              </a:rPr>
+              <a:t>C++, QAC, gvim.</a:t>
+            </a:r>
+            <a:br>
+              <a:rPr sz="1000"/>
+            </a:br>
+            <a:r>
+              <a:rPr b="1" lang="en-US" sz="1000" spc="-1" strike="noStrike">
+                <a:solidFill>
+                  <a:srgbClr val="000000"/>
+                </a:solidFill>
+                <a:latin typeface="Verdana"/>
+                <a:ea typeface="Verdana"/>
+              </a:rPr>
+              <a:t>Responsibility:</a:t>
+            </a:r>
+            <a:br>
+              <a:rPr sz="1000"/>
+            </a:br>
+            <a:r>
+              <a:rPr b="1" lang="en-US" sz="1000" spc="-1" strike="noStrike">
                 <a:solidFill>
                   <a:srgbClr val="000000"/>
                 </a:solidFill>
@@ -10048,70 +10155,6 @@
               <a:t>* </a:t>
             </a:r>
             <a:r>
-              <a:rPr b="0" lang="en-US" sz="950" spc="-1" strike="noStrike">
-                <a:solidFill>
-                  <a:srgbClr val="000000"/>
-                </a:solidFill>
-                <a:latin typeface="Verdana"/>
-                <a:ea typeface="Verdana"/>
-              </a:rPr>
-              <a:t>Test implementation,</a:t>
-            </a:r>
-            <a:br>
-              <a:rPr sz="950"/>
-            </a:br>
-            <a:r>
-              <a:rPr b="0" lang="en-US" sz="950" spc="-1" strike="noStrike">
-                <a:solidFill>
-                  <a:srgbClr val="000000"/>
-                </a:solidFill>
-                <a:latin typeface="Verdana"/>
-                <a:ea typeface="Verdana"/>
-              </a:rPr>
-              <a:t>* Test Coverage management,</a:t>
-            </a:r>
-            <a:br>
-              <a:rPr sz="950"/>
-            </a:br>
-            <a:r>
-              <a:rPr b="0" lang="en-US" sz="950" spc="-1" strike="noStrike">
-                <a:solidFill>
-                  <a:srgbClr val="000000"/>
-                </a:solidFill>
-                <a:latin typeface="Verdana"/>
-                <a:ea typeface="Verdana"/>
-              </a:rPr>
-              <a:t>* Bug Management,</a:t>
-            </a:r>
-            <a:br>
-              <a:rPr sz="950"/>
-            </a:br>
-            <a:r>
-              <a:rPr b="0" lang="en-US" sz="950" spc="-1" strike="noStrike">
-                <a:solidFill>
-                  <a:srgbClr val="000000"/>
-                </a:solidFill>
-                <a:latin typeface="Verdana"/>
-                <a:ea typeface="Verdana"/>
-              </a:rPr>
-              <a:t>* Bug, test and requirement Documentation,</a:t>
-            </a:r>
-            <a:endParaRPr b="0" lang="en-US" sz="950" spc="-1" strike="noStrike">
-              <a:latin typeface="Arial"/>
-            </a:endParaRPr>
-          </a:p>
-          <a:p>
-            <a:r>
-              <a:rPr b="1" lang="en-US" sz="1000" spc="-1" strike="noStrike">
-                <a:solidFill>
-                  <a:srgbClr val="000000"/>
-                </a:solidFill>
-                <a:latin typeface="Verdana"/>
-                <a:ea typeface="Verdana"/>
-              </a:rPr>
-              <a:t>Role</a:t>
-            </a:r>
-            <a:r>
               <a:rPr b="0" lang="en-US" sz="1000" spc="-1" strike="noStrike">
                 <a:solidFill>
                   <a:srgbClr val="000000"/>
@@ -10119,22 +10162,12 @@
                 <a:latin typeface="Verdana"/>
                 <a:ea typeface="Verdana"/>
               </a:rPr>
-              <a:t>: Software Tester</a:t>
+              <a:t>integration of BMW library with Bosh Software. The Interface were incompatible.</a:t>
             </a:r>
             <a:br>
               <a:rPr sz="1000"/>
             </a:br>
             <a:r>
-              <a:rPr b="1" lang="en-US" sz="1000" spc="-1" strike="noStrike">
-                <a:solidFill>
-                  <a:srgbClr val="000000"/>
-                </a:solidFill>
-                <a:latin typeface="Verdana"/>
-                <a:ea typeface="Verdana"/>
-              </a:rPr>
-              <a:t>Industry:</a:t>
-            </a:r>
-            <a:r>
               <a:rPr b="0" lang="en-US" sz="1000" spc="-1" strike="noStrike">
                 <a:solidFill>
                   <a:srgbClr val="000000"/>
@@ -10142,56 +10175,51 @@
                 <a:latin typeface="Verdana"/>
                 <a:ea typeface="Verdana"/>
               </a:rPr>
-              <a:t> Automotive</a:t>
+              <a:t>* very short delay (deadline has already passed!)</a:t>
             </a:r>
             <a:br>
               <a:rPr sz="1000"/>
             </a:br>
             <a:r>
-              <a:rPr b="1" lang="en-US" sz="1000" spc="-1" strike="noStrike">
-                <a:solidFill>
-                  <a:srgbClr val="000000"/>
-                </a:solidFill>
-                <a:latin typeface="Verdana"/>
-                <a:ea typeface="Verdana"/>
-              </a:rPr>
-              <a:t>Project: </a:t>
-            </a:r>
-            <a:r>
               <a:rPr b="0" lang="en-US" sz="1000" spc="-1" strike="noStrike">
-                <a:latin typeface="Verdana"/>
-                <a:ea typeface="Verdana"/>
-              </a:rPr>
-              <a:t>From objects positions, this software </a:t>
-            </a:r>
+                <a:solidFill>
+                  <a:srgbClr val="000000"/>
+                </a:solidFill>
+                <a:latin typeface="Verdana"/>
+                <a:ea typeface="Verdana"/>
+              </a:rPr>
+              <a:t>* Report error and bug,</a:t>
+            </a:r>
+            <a:br>
+              <a:rPr sz="1000"/>
+            </a:br>
             <a:r>
               <a:rPr b="0" lang="en-US" sz="1000" spc="-1" strike="noStrike">
-                <a:latin typeface="Verdana"/>
-                <a:ea typeface="Verdana"/>
-              </a:rPr>
-              <a:t>compute the objects trajectories. It should be </a:t>
-            </a:r>
+                <a:solidFill>
+                  <a:srgbClr val="000000"/>
+                </a:solidFill>
+                <a:latin typeface="Verdana"/>
+                <a:ea typeface="Verdana"/>
+              </a:rPr>
+              <a:t>* Interface adaptation,</a:t>
+            </a:r>
+            <a:br>
+              <a:rPr sz="1000"/>
+            </a:br>
             <a:r>
               <a:rPr b="0" lang="en-US" sz="1000" spc="-1" strike="noStrike">
-                <a:latin typeface="Verdana"/>
-                <a:ea typeface="Verdana"/>
-              </a:rPr>
-              <a:t>tested.</a:t>
+                <a:solidFill>
+                  <a:srgbClr val="000000"/>
+                </a:solidFill>
+                <a:latin typeface="Verdana"/>
+                <a:ea typeface="Verdana"/>
+              </a:rPr>
+              <a:t>* Unit and Integration Test,</a:t>
             </a:r>
             <a:br>
               <a:rPr sz="1000"/>
             </a:br>
             <a:r>
-              <a:rPr b="1" lang="en-US" sz="1000" spc="-1" strike="noStrike">
-                <a:solidFill>
-                  <a:srgbClr val="000000"/>
-                </a:solidFill>
-                <a:latin typeface="Verdana"/>
-                <a:ea typeface="Verdana"/>
-              </a:rPr>
-              <a:t>Tools: </a:t>
-            </a:r>
-            <a:r>
               <a:rPr b="0" lang="en-US" sz="1000" spc="-1" strike="noStrike">
                 <a:solidFill>
                   <a:srgbClr val="000000"/>
@@ -10199,337 +10227,22 @@
                 <a:latin typeface="Verdana"/>
                 <a:ea typeface="Verdana"/>
               </a:rPr>
-              <a:t>DOORS, gdb</a:t>
-            </a:r>
-            <a:br>
-              <a:rPr sz="1000"/>
-            </a:br>
-            <a:r>
-              <a:rPr b="1" lang="en-US" sz="1000" spc="-1" strike="noStrike">
-                <a:solidFill>
-                  <a:srgbClr val="000000"/>
-                </a:solidFill>
-                <a:latin typeface="Verdana"/>
-                <a:ea typeface="Verdana"/>
-              </a:rPr>
-              <a:t>Responsibility:</a:t>
-            </a:r>
-            <a:br>
-              <a:rPr sz="1000"/>
-            </a:br>
-            <a:r>
-              <a:rPr b="1" lang="en-US" sz="1000" spc="-1" strike="noStrike">
-                <a:solidFill>
-                  <a:srgbClr val="000000"/>
-                </a:solidFill>
-                <a:latin typeface="Verdana"/>
-                <a:ea typeface="Verdana"/>
-              </a:rPr>
-              <a:t>* </a:t>
-            </a:r>
-            <a:r>
-              <a:rPr b="0" lang="en-US" sz="1000" spc="-1" strike="noStrike">
-                <a:solidFill>
-                  <a:srgbClr val="000000"/>
-                </a:solidFill>
-                <a:latin typeface="Verdana"/>
-                <a:ea typeface="Verdana"/>
-              </a:rPr>
-              <a:t>Check of requirements (incomplete or </a:t>
-            </a:r>
-            <a:r>
-              <a:rPr b="0" lang="en-US" sz="1000" spc="-1" strike="noStrike">
-                <a:solidFill>
-                  <a:srgbClr val="000000"/>
-                </a:solidFill>
-                <a:latin typeface="Verdana"/>
-                <a:ea typeface="Verdana"/>
-              </a:rPr>
-              <a:t>contradictory)</a:t>
-            </a:r>
-            <a:br>
-              <a:rPr sz="1000"/>
-            </a:br>
-            <a:r>
-              <a:rPr b="0" lang="en-US" sz="1000" spc="-1" strike="noStrike">
-                <a:solidFill>
-                  <a:srgbClr val="000000"/>
-                </a:solidFill>
-                <a:latin typeface="Verdana"/>
-                <a:ea typeface="Verdana"/>
-              </a:rPr>
-              <a:t>* </a:t>
-            </a:r>
-            <a:r>
-              <a:rPr b="0" lang="en-US" sz="1000" spc="-1" strike="noStrike">
-                <a:solidFill>
-                  <a:srgbClr val="000000"/>
-                </a:solidFill>
-                <a:latin typeface="Verdana"/>
-                <a:ea typeface="Verdana"/>
-              </a:rPr>
-              <a:t>Test plan</a:t>
-            </a:r>
-            <a:br>
-              <a:rPr sz="1000"/>
-            </a:br>
-            <a:r>
-              <a:rPr b="0" lang="en-US" sz="1000" spc="-1" strike="noStrike">
-                <a:solidFill>
-                  <a:srgbClr val="000000"/>
-                </a:solidFill>
-                <a:latin typeface="Verdana"/>
-                <a:ea typeface="Verdana"/>
-              </a:rPr>
-              <a:t>* Test report</a:t>
+              <a:t>* Interface with supplier.</a:t>
             </a:r>
             <a:endParaRPr b="0" lang="en-US" sz="1000" spc="-1" strike="noStrike">
               <a:latin typeface="Arial"/>
             </a:endParaRPr>
           </a:p>
           <a:p>
-            <a:r>
-              <a:rPr b="1" lang="en-US" sz="1000" spc="-1" strike="noStrike">
-                <a:solidFill>
-                  <a:srgbClr val="000000"/>
-                </a:solidFill>
-                <a:latin typeface="Verdana"/>
-                <a:ea typeface="Verdana"/>
-              </a:rPr>
-              <a:t>Role</a:t>
-            </a:r>
-            <a:r>
-              <a:rPr b="0" lang="en-US" sz="1000" spc="-1" strike="noStrike">
-                <a:solidFill>
-                  <a:srgbClr val="000000"/>
-                </a:solidFill>
-                <a:latin typeface="Verdana"/>
-                <a:ea typeface="Verdana"/>
-              </a:rPr>
-              <a:t>: </a:t>
-            </a:r>
-            <a:r>
-              <a:rPr b="0" lang="en-US" sz="1000" spc="-1" strike="noStrike">
-                <a:solidFill>
-                  <a:srgbClr val="000000"/>
-                </a:solidFill>
-                <a:latin typeface="Verdana"/>
-                <a:ea typeface="Verdana"/>
-              </a:rPr>
-              <a:t>Software Integrator</a:t>
-            </a:r>
-            <a:br>
-              <a:rPr sz="1000"/>
-            </a:br>
-            <a:r>
-              <a:rPr b="1" lang="en-US" sz="1000" spc="-1" strike="noStrike">
-                <a:solidFill>
-                  <a:srgbClr val="000000"/>
-                </a:solidFill>
-                <a:latin typeface="Verdana"/>
-                <a:ea typeface="Verdana"/>
-              </a:rPr>
-              <a:t>Industry:</a:t>
-            </a:r>
-            <a:r>
-              <a:rPr b="0" lang="en-US" sz="1000" spc="-1" strike="noStrike">
-                <a:solidFill>
-                  <a:srgbClr val="000000"/>
-                </a:solidFill>
-                <a:latin typeface="Verdana"/>
-                <a:ea typeface="Verdana"/>
-              </a:rPr>
-              <a:t> Automotive</a:t>
-            </a:r>
-            <a:br>
-              <a:rPr sz="1000"/>
-            </a:br>
-            <a:r>
-              <a:rPr b="1" lang="en-US" sz="1000" spc="-1" strike="noStrike">
-                <a:solidFill>
-                  <a:srgbClr val="000000"/>
-                </a:solidFill>
-                <a:latin typeface="Verdana"/>
-                <a:ea typeface="Verdana"/>
-              </a:rPr>
-              <a:t>Project: </a:t>
-            </a:r>
-            <a:r>
-              <a:rPr b="0" lang="en-US" sz="1000" spc="-1" strike="noStrike">
-                <a:latin typeface="Verdana"/>
-                <a:ea typeface="Verdana"/>
-              </a:rPr>
-              <a:t>Integration of incompatible libraries</a:t>
-            </a:r>
-            <a:br>
-              <a:rPr sz="1000"/>
-            </a:br>
-            <a:r>
-              <a:rPr b="1" lang="en-US" sz="1000" spc="-1" strike="noStrike">
-                <a:solidFill>
-                  <a:srgbClr val="000000"/>
-                </a:solidFill>
-                <a:latin typeface="Verdana"/>
-                <a:ea typeface="Verdana"/>
-              </a:rPr>
-              <a:t>Tools: </a:t>
-            </a:r>
-            <a:r>
-              <a:rPr b="0" lang="en-US" sz="1000" spc="-1" strike="noStrike">
-                <a:solidFill>
-                  <a:srgbClr val="000000"/>
-                </a:solidFill>
-                <a:latin typeface="Verdana"/>
-                <a:ea typeface="Verdana"/>
-              </a:rPr>
-              <a:t>C++, QAC, gvim</a:t>
-            </a:r>
-            <a:r>
-              <a:rPr b="0" lang="en-US" sz="1000" spc="-1" strike="noStrike">
-                <a:solidFill>
-                  <a:srgbClr val="000000"/>
-                </a:solidFill>
-                <a:latin typeface="Verdana"/>
-                <a:ea typeface="Verdana"/>
-              </a:rPr>
-              <a:t>.</a:t>
-            </a:r>
-            <a:br>
-              <a:rPr sz="1000"/>
-            </a:br>
-            <a:r>
-              <a:rPr b="1" lang="en-US" sz="1000" spc="-1" strike="noStrike">
-                <a:solidFill>
-                  <a:srgbClr val="000000"/>
-                </a:solidFill>
-                <a:latin typeface="Verdana"/>
-                <a:ea typeface="Verdana"/>
-              </a:rPr>
-              <a:t>Responsibility:</a:t>
-            </a:r>
-            <a:br>
-              <a:rPr sz="1000"/>
-            </a:br>
-            <a:r>
-              <a:rPr b="1" lang="en-US" sz="1000" spc="-1" strike="noStrike">
-                <a:solidFill>
-                  <a:srgbClr val="000000"/>
-                </a:solidFill>
-                <a:latin typeface="Verdana"/>
-                <a:ea typeface="Verdana"/>
-              </a:rPr>
-              <a:t>* </a:t>
-            </a:r>
-            <a:r>
-              <a:rPr b="0" lang="en-US" sz="1000" spc="-1" strike="noStrike">
-                <a:solidFill>
-                  <a:srgbClr val="000000"/>
-                </a:solidFill>
-                <a:latin typeface="Verdana"/>
-                <a:ea typeface="Verdana"/>
-              </a:rPr>
-              <a:t>integration of BMW library with Bosh Software. </a:t>
-            </a:r>
-            <a:r>
-              <a:rPr b="0" lang="en-US" sz="1000" spc="-1" strike="noStrike">
-                <a:solidFill>
-                  <a:srgbClr val="000000"/>
-                </a:solidFill>
-                <a:latin typeface="Verdana"/>
-                <a:ea typeface="Verdana"/>
-              </a:rPr>
-              <a:t>The Interface were incompatible.</a:t>
-            </a:r>
-            <a:br>
-              <a:rPr sz="1000"/>
-            </a:br>
-            <a:r>
-              <a:rPr b="0" lang="en-US" sz="1000" spc="-1" strike="noStrike">
-                <a:solidFill>
-                  <a:srgbClr val="000000"/>
-                </a:solidFill>
-                <a:latin typeface="Verdana"/>
-                <a:ea typeface="Verdana"/>
-              </a:rPr>
-              <a:t>* </a:t>
-            </a:r>
-            <a:r>
-              <a:rPr b="0" lang="en-US" sz="1000" spc="-1" strike="noStrike">
-                <a:solidFill>
-                  <a:srgbClr val="000000"/>
-                </a:solidFill>
-                <a:latin typeface="Verdana"/>
-                <a:ea typeface="Verdana"/>
-              </a:rPr>
-              <a:t>very short delay (deadline has already </a:t>
-            </a:r>
-            <a:r>
-              <a:rPr b="0" lang="en-US" sz="1000" spc="-1" strike="noStrike">
-                <a:solidFill>
-                  <a:srgbClr val="000000"/>
-                </a:solidFill>
-                <a:latin typeface="Verdana"/>
-                <a:ea typeface="Verdana"/>
-              </a:rPr>
-              <a:t>passed!)</a:t>
-            </a:r>
-            <a:br>
-              <a:rPr sz="1000"/>
-            </a:br>
-            <a:r>
-              <a:rPr b="0" lang="en-US" sz="1000" spc="-1" strike="noStrike">
-                <a:solidFill>
-                  <a:srgbClr val="000000"/>
-                </a:solidFill>
-                <a:latin typeface="Verdana"/>
-                <a:ea typeface="Verdana"/>
-              </a:rPr>
-              <a:t>* Report error and bug,</a:t>
-            </a:r>
-            <a:br>
-              <a:rPr sz="1000"/>
-            </a:br>
-            <a:r>
-              <a:rPr b="0" lang="en-US" sz="1000" spc="-1" strike="noStrike">
-                <a:solidFill>
-                  <a:srgbClr val="000000"/>
-                </a:solidFill>
-                <a:latin typeface="Verdana"/>
-                <a:ea typeface="Verdana"/>
-              </a:rPr>
-              <a:t>* Interface adaptation,</a:t>
-            </a:r>
-            <a:br>
-              <a:rPr sz="1000"/>
-            </a:br>
-            <a:r>
-              <a:rPr b="0" lang="en-US" sz="1000" spc="-1" strike="noStrike">
-                <a:solidFill>
-                  <a:srgbClr val="000000"/>
-                </a:solidFill>
-                <a:latin typeface="Verdana"/>
-                <a:ea typeface="Verdana"/>
-              </a:rPr>
-              <a:t>* Unit and Integration Test,</a:t>
-            </a:r>
-            <a:br>
-              <a:rPr sz="1000"/>
-            </a:br>
-            <a:r>
-              <a:rPr b="0" lang="en-US" sz="1000" spc="-1" strike="noStrike">
-                <a:solidFill>
-                  <a:srgbClr val="000000"/>
-                </a:solidFill>
-                <a:latin typeface="Verdana"/>
-                <a:ea typeface="Verdana"/>
-              </a:rPr>
-              <a:t>* Interface with supplier.</a:t>
-            </a:r>
-            <a:endParaRPr b="0" lang="en-US" sz="1000" spc="-1" strike="noStrike">
-              <a:latin typeface="Arial"/>
-            </a:endParaRPr>
-          </a:p>
-          <a:p>
+            <a:pPr>
+              <a:lnSpc>
+                <a:spcPct val="100000"/>
+              </a:lnSpc>
+              <a:buNone/>
+              <a:tabLst>
+                <a:tab algn="l" pos="408240"/>
+              </a:tabLst>
+            </a:pPr>
             <a:endParaRPr b="0" lang="en-US" sz="1000" spc="-1" strike="noStrike">
               <a:latin typeface="Arial"/>
             </a:endParaRPr>
@@ -10545,7 +10258,7 @@
         <p:spPr>
           <a:xfrm>
             <a:off x="44640" y="6503040"/>
-            <a:ext cx="5830200" cy="333000"/>
+            <a:ext cx="5829840" cy="333000"/>
           </a:xfrm>
           <a:prstGeom prst="rect">
             <a:avLst/>
@@ -10618,7 +10331,7 @@
         <p:spPr>
           <a:xfrm>
             <a:off x="3323880" y="914400"/>
-            <a:ext cx="4280760" cy="5486400"/>
+            <a:ext cx="4280400" cy="5486040"/>
           </a:xfrm>
           <a:prstGeom prst="rect">
             <a:avLst/>
@@ -10643,13 +10356,13 @@
       <p:sp>
         <p:nvSpPr>
           <p:cNvPr id="131" name="PlaceHolder 15"/>
-          <p:cNvSpPr txBox="1"/>
+          <p:cNvSpPr/>
           <p:nvPr/>
         </p:nvSpPr>
         <p:spPr>
           <a:xfrm>
             <a:off x="3433320" y="685800"/>
-            <a:ext cx="4171320" cy="5113800"/>
+            <a:ext cx="4170960" cy="5113440"/>
           </a:xfrm>
           <a:prstGeom prst="rect">
             <a:avLst/>
@@ -10659,23 +10372,25 @@
             <a:noFill/>
           </a:ln>
         </p:spPr>
+        <p:style>
+          <a:lnRef idx="0"/>
+          <a:fillRef idx="0"/>
+          <a:effectRef idx="0"/>
+          <a:fontRef idx="minor"/>
+        </p:style>
         <p:txBody>
           <a:bodyPr lIns="0" rIns="0" tIns="0" bIns="0" anchor="t">
             <a:noAutofit/>
           </a:bodyPr>
           <a:p>
-            <a:pPr lvl="1" marL="232920" indent="-228600">
+            <a:pPr>
               <a:lnSpc>
                 <a:spcPct val="100000"/>
               </a:lnSpc>
               <a:spcBef>
                 <a:spcPts val="601"/>
               </a:spcBef>
-              <a:buClr>
-                <a:srgbClr val="0070ad"/>
-              </a:buClr>
-              <a:buFont typeface="Wingdings" charset="2"/>
-              <a:buChar char=""/>
+              <a:buNone/>
               <a:tabLst>
                 <a:tab algn="l" pos="408240"/>
               </a:tabLst>
@@ -10685,6 +10400,29 @@
             </a:endParaRPr>
           </a:p>
           <a:p>
+            <a:pPr>
+              <a:lnSpc>
+                <a:spcPct val="100000"/>
+              </a:lnSpc>
+              <a:buNone/>
+              <a:tabLst>
+                <a:tab algn="l" pos="408240"/>
+              </a:tabLst>
+            </a:pPr>
+            <a:endParaRPr b="0" lang="en-US" sz="1000" spc="-1" strike="noStrike">
+              <a:latin typeface="Arial"/>
+            </a:endParaRPr>
+          </a:p>
+          <a:p>
+            <a:pPr>
+              <a:lnSpc>
+                <a:spcPct val="100000"/>
+              </a:lnSpc>
+              <a:buNone/>
+              <a:tabLst>
+                <a:tab algn="l" pos="408240"/>
+              </a:tabLst>
+            </a:pPr>
             <a:r>
               <a:rPr b="1" lang="en-US" sz="1000" spc="-1" strike="noStrike">
                 <a:solidFill>
@@ -10710,14 +10448,30 @@
                 <a:latin typeface="Verdana"/>
                 <a:ea typeface="Verdana"/>
               </a:rPr>
-              <a:t>Lead Software Engineer, Software </a:t>
+              <a:t>Lead Software Engineer, Software Management</a:t>
+            </a:r>
+            <a:br>
+              <a:rPr sz="950"/>
+            </a:br>
+            <a:r>
+              <a:rPr b="1" lang="en-US" sz="950" spc="-1" strike="noStrike">
+                <a:solidFill>
+                  <a:srgbClr val="000000"/>
+                </a:solidFill>
+                <a:latin typeface="Verdana"/>
+                <a:ea typeface="Verdana"/>
+              </a:rPr>
+              <a:t>Industry: </a:t>
             </a:r>
             <a:r>
               <a:rPr b="0" lang="en-US" sz="950" spc="-1" strike="noStrike">
-                <a:latin typeface="Verdana"/>
-                <a:ea typeface="Verdana"/>
-              </a:rPr>
-              <a:t>Management</a:t>
+                <a:solidFill>
+                  <a:srgbClr val="000000"/>
+                </a:solidFill>
+                <a:latin typeface="Verdana"/>
+                <a:ea typeface="Verdana"/>
+              </a:rPr>
+              <a:t>Automotive</a:t>
             </a:r>
             <a:br>
               <a:rPr sz="950"/>
@@ -10730,10 +10484,389 @@
                 <a:latin typeface="Verdana"/>
                 <a:ea typeface="Verdana"/>
               </a:rPr>
+              <a:t>Project: </a:t>
+            </a:r>
+            <a:r>
+              <a:rPr b="0" lang="en-US" sz="950" spc="-1" strike="noStrike">
+                <a:solidFill>
+                  <a:srgbClr val="000000"/>
+                </a:solidFill>
+                <a:latin typeface="Verdana"/>
+                <a:ea typeface="Verdana"/>
+              </a:rPr>
+              <a:t>Updating </a:t>
+            </a:r>
+            <a:r>
+              <a:rPr b="0" lang="en-US" sz="950" spc="-1" strike="noStrike">
+                <a:latin typeface="Verdana"/>
+                <a:ea typeface="Verdana"/>
+              </a:rPr>
+              <a:t>driving simulation software</a:t>
+            </a:r>
+            <a:br>
+              <a:rPr sz="950"/>
+            </a:br>
+            <a:r>
+              <a:rPr b="1" lang="en-US" sz="950" spc="-1" strike="noStrike">
+                <a:solidFill>
+                  <a:srgbClr val="000000"/>
+                </a:solidFill>
+                <a:latin typeface="Verdana"/>
+                <a:ea typeface="Verdana"/>
+              </a:rPr>
+              <a:t>Tools:</a:t>
+            </a:r>
+            <a:r>
+              <a:rPr b="0" lang="en-US" sz="950" spc="-1" strike="noStrike">
+                <a:solidFill>
+                  <a:srgbClr val="000000"/>
+                </a:solidFill>
+                <a:latin typeface="Verdana"/>
+                <a:ea typeface="Verdana"/>
+              </a:rPr>
+              <a:t> CMake, bash script, Gvim, Linux, Makefile </a:t>
+            </a:r>
+            <a:br>
+              <a:rPr sz="950"/>
+            </a:br>
+            <a:r>
+              <a:rPr b="1" lang="en-US" sz="950" spc="-1" strike="noStrike">
+                <a:solidFill>
+                  <a:srgbClr val="000000"/>
+                </a:solidFill>
+                <a:latin typeface="Verdana"/>
+                <a:ea typeface="Verdana"/>
+              </a:rPr>
+              <a:t>Responsibility:</a:t>
+            </a:r>
+            <a:br>
+              <a:rPr sz="950"/>
+            </a:br>
+            <a:r>
+              <a:rPr b="1" lang="en-US" sz="950" spc="-1" strike="noStrike">
+                <a:solidFill>
+                  <a:srgbClr val="000000"/>
+                </a:solidFill>
+                <a:latin typeface="Verdana"/>
+                <a:ea typeface="Verdana"/>
+              </a:rPr>
+              <a:t>* </a:t>
+            </a:r>
+            <a:r>
+              <a:rPr b="0" lang="en-US" sz="950" spc="-1" strike="noStrike">
+                <a:solidFill>
+                  <a:srgbClr val="000000"/>
+                </a:solidFill>
+                <a:latin typeface="Verdana"/>
+                <a:ea typeface="Verdana"/>
+              </a:rPr>
+              <a:t>Design and complete update of the build and software dependency management tool (&gt;400 Makefile converted to cmake),</a:t>
+            </a:r>
+            <a:br>
+              <a:rPr sz="950"/>
+            </a:br>
+            <a:r>
+              <a:rPr b="0" lang="en-US" sz="950" spc="-1" strike="noStrike">
+                <a:solidFill>
+                  <a:srgbClr val="000000"/>
+                </a:solidFill>
+                <a:latin typeface="Verdana"/>
+                <a:ea typeface="Verdana"/>
+              </a:rPr>
+              <a:t>* Development of new functionality related to the synchronization of sound, image and vibration</a:t>
+            </a:r>
+            <a:endParaRPr b="0" lang="en-US" sz="950" spc="-1" strike="noStrike">
+              <a:latin typeface="Arial"/>
+            </a:endParaRPr>
+          </a:p>
+          <a:p>
+            <a:pPr>
+              <a:lnSpc>
+                <a:spcPct val="100000"/>
+              </a:lnSpc>
+              <a:buNone/>
+              <a:tabLst>
+                <a:tab algn="l" pos="408240"/>
+              </a:tabLst>
+            </a:pPr>
+            <a:endParaRPr b="0" lang="en-US" sz="1000" spc="-1" strike="noStrike">
+              <a:latin typeface="Arial"/>
+            </a:endParaRPr>
+          </a:p>
+          <a:p>
+            <a:pPr>
+              <a:lnSpc>
+                <a:spcPct val="100000"/>
+              </a:lnSpc>
+              <a:buNone/>
+              <a:tabLst>
+                <a:tab algn="l" pos="408240"/>
+              </a:tabLst>
+            </a:pPr>
+            <a:r>
+              <a:rPr b="1" lang="en-US" sz="1000" spc="-1" strike="noStrike">
+                <a:solidFill>
+                  <a:srgbClr val="000000"/>
+                </a:solidFill>
+                <a:latin typeface="Verdana"/>
+                <a:ea typeface="Verdana"/>
+              </a:rPr>
+              <a:t>Role</a:t>
+            </a:r>
+            <a:r>
+              <a:rPr b="0" lang="en-US" sz="1000" spc="-1" strike="noStrike">
+                <a:solidFill>
+                  <a:srgbClr val="000000"/>
+                </a:solidFill>
+                <a:latin typeface="Verdana"/>
+                <a:ea typeface="Verdana"/>
+              </a:rPr>
+              <a:t>: </a:t>
+            </a:r>
+            <a:r>
+              <a:rPr b="0" lang="en-US" sz="1000" spc="-1" strike="noStrike">
+                <a:latin typeface="Verdana"/>
+                <a:ea typeface="Verdana"/>
+              </a:rPr>
+              <a:t>Software Engineer</a:t>
+            </a:r>
+            <a:br>
+              <a:rPr sz="1000"/>
+            </a:br>
+            <a:r>
+              <a:rPr b="1" lang="en-US" sz="1000" spc="-1" strike="noStrike">
+                <a:solidFill>
+                  <a:srgbClr val="000000"/>
+                </a:solidFill>
+                <a:latin typeface="Verdana"/>
+                <a:ea typeface="Verdana"/>
+              </a:rPr>
+              <a:t>Industry:</a:t>
+            </a:r>
+            <a:r>
+              <a:rPr b="0" lang="en-US" sz="1000" spc="-1" strike="noStrike">
+                <a:solidFill>
+                  <a:srgbClr val="000000"/>
+                </a:solidFill>
+                <a:latin typeface="Verdana"/>
+                <a:ea typeface="Verdana"/>
+              </a:rPr>
+              <a:t> Automotive</a:t>
+            </a:r>
+            <a:br>
+              <a:rPr sz="1000"/>
+            </a:br>
+            <a:r>
+              <a:rPr b="1" lang="en-US" sz="1000" spc="-1" strike="noStrike">
+                <a:solidFill>
+                  <a:srgbClr val="000000"/>
+                </a:solidFill>
+                <a:latin typeface="Verdana"/>
+                <a:ea typeface="Verdana"/>
+              </a:rPr>
+              <a:t>Project: </a:t>
+            </a:r>
+            <a:r>
+              <a:rPr b="0" lang="en-US" sz="1000" spc="-1" strike="noStrike">
+                <a:solidFill>
+                  <a:srgbClr val="000000"/>
+                </a:solidFill>
+                <a:latin typeface="Verdana"/>
+                <a:ea typeface="Verdana"/>
+              </a:rPr>
+              <a:t>Automotive suppliers – Infotainment Software</a:t>
+            </a:r>
+            <a:br>
+              <a:rPr sz="1000"/>
+            </a:br>
+            <a:r>
+              <a:rPr b="1" lang="en-US" sz="1000" spc="-1" strike="noStrike">
+                <a:solidFill>
+                  <a:srgbClr val="000000"/>
+                </a:solidFill>
+                <a:latin typeface="Verdana"/>
+                <a:ea typeface="Verdana"/>
+              </a:rPr>
+              <a:t>Tools: </a:t>
+            </a:r>
+            <a:r>
+              <a:rPr b="0" lang="en-US" sz="1000" spc="-1" strike="noStrike">
+                <a:latin typeface="Verdana"/>
+                <a:ea typeface="Verdana"/>
+              </a:rPr>
+              <a:t>libusb, c++, wifi, coding and decoding</a:t>
+            </a:r>
+            <a:br>
+              <a:rPr sz="1000"/>
+            </a:br>
+            <a:r>
+              <a:rPr b="1" lang="en-US" sz="1000" spc="-1" strike="noStrike">
+                <a:solidFill>
+                  <a:srgbClr val="000000"/>
+                </a:solidFill>
+                <a:latin typeface="Verdana"/>
+                <a:ea typeface="Verdana"/>
+              </a:rPr>
+              <a:t>Responsibility:</a:t>
+            </a:r>
+            <a:br>
+              <a:rPr sz="1000"/>
+            </a:br>
+            <a:r>
+              <a:rPr b="1" lang="en-US" sz="1000" spc="-1" strike="noStrike">
+                <a:solidFill>
+                  <a:srgbClr val="000000"/>
+                </a:solidFill>
+                <a:latin typeface="Verdana"/>
+                <a:ea typeface="Verdana"/>
+              </a:rPr>
+              <a:t>* </a:t>
+            </a:r>
+            <a:r>
+              <a:rPr b="0" lang="en-US" sz="1000" spc="-1" strike="noStrike">
+                <a:solidFill>
+                  <a:srgbClr val="000000"/>
+                </a:solidFill>
+                <a:latin typeface="Verdana"/>
+                <a:ea typeface="Verdana"/>
+              </a:rPr>
+              <a:t>Module Requirement, coding and testing (usb / wifi),</a:t>
+            </a:r>
+            <a:br>
+              <a:rPr sz="1000"/>
+            </a:br>
+            <a:r>
+              <a:rPr b="0" lang="en-US" sz="1000" spc="-1" strike="noStrike">
+                <a:solidFill>
+                  <a:srgbClr val="000000"/>
+                </a:solidFill>
+                <a:latin typeface="Verdana"/>
+                <a:ea typeface="Verdana"/>
+              </a:rPr>
+              <a:t>* Create USB bus simulator (libusb, UDisk2),</a:t>
+            </a:r>
+            <a:br>
+              <a:rPr sz="1000"/>
+            </a:br>
+            <a:r>
+              <a:rPr b="0" lang="en-US" sz="1000" spc="-1" strike="noStrike">
+                <a:solidFill>
+                  <a:srgbClr val="000000"/>
+                </a:solidFill>
+                <a:latin typeface="Verdana"/>
+                <a:ea typeface="Verdana"/>
+              </a:rPr>
+              <a:t>* Manage BMW CommAPI Interface,</a:t>
+            </a:r>
+            <a:br>
+              <a:rPr sz="1000"/>
+            </a:br>
+            <a:r>
+              <a:rPr b="0" lang="en-US" sz="1000" spc="-1" strike="noStrike">
+                <a:solidFill>
+                  <a:srgbClr val="000000"/>
+                </a:solidFill>
+                <a:latin typeface="Verdana"/>
+                <a:ea typeface="Verdana"/>
+              </a:rPr>
+              <a:t>* Teaching to the team the art of testing,</a:t>
+            </a:r>
+            <a:br>
+              <a:rPr sz="1000"/>
+            </a:br>
+            <a:r>
+              <a:rPr b="0" lang="en-US" sz="1000" spc="-1" strike="noStrike">
+                <a:solidFill>
+                  <a:srgbClr val="000000"/>
+                </a:solidFill>
+                <a:latin typeface="Verdana"/>
+                <a:ea typeface="Verdana"/>
+              </a:rPr>
+              <a:t>* Test Implementation,</a:t>
+            </a:r>
+            <a:br>
+              <a:rPr sz="1000"/>
+            </a:br>
+            <a:r>
+              <a:rPr b="0" lang="en-US" sz="1000" spc="-1" strike="noStrike">
+                <a:solidFill>
+                  <a:srgbClr val="000000"/>
+                </a:solidFill>
+                <a:latin typeface="Verdana"/>
+                <a:ea typeface="Verdana"/>
+              </a:rPr>
+              <a:t>* Coding and Decoding Wifi messages (apple, miramax...)</a:t>
+            </a:r>
+            <a:endParaRPr b="0" lang="en-US" sz="1000" spc="-1" strike="noStrike">
+              <a:latin typeface="Arial"/>
+            </a:endParaRPr>
+          </a:p>
+          <a:p>
+            <a:pPr>
+              <a:lnSpc>
+                <a:spcPct val="100000"/>
+              </a:lnSpc>
+              <a:buNone/>
+              <a:tabLst>
+                <a:tab algn="l" pos="408240"/>
+              </a:tabLst>
+            </a:pPr>
+            <a:endParaRPr b="0" lang="en-US" sz="1000" spc="-1" strike="noStrike">
+              <a:latin typeface="Arial"/>
+            </a:endParaRPr>
+          </a:p>
+          <a:p>
+            <a:pPr>
+              <a:lnSpc>
+                <a:spcPct val="100000"/>
+              </a:lnSpc>
+              <a:buNone/>
+              <a:tabLst>
+                <a:tab algn="l" pos="408240"/>
+              </a:tabLst>
+            </a:pPr>
+            <a:r>
+              <a:rPr b="1" lang="en-US" sz="1000" spc="-1" strike="noStrike">
+                <a:solidFill>
+                  <a:srgbClr val="000000"/>
+                </a:solidFill>
+                <a:latin typeface="Verdana"/>
+                <a:ea typeface="Verdana"/>
+              </a:rPr>
+              <a:t>Role</a:t>
+            </a:r>
+            <a:r>
+              <a:rPr b="0" lang="en-US" sz="1000" spc="-1" strike="noStrike">
+                <a:solidFill>
+                  <a:srgbClr val="000000"/>
+                </a:solidFill>
+                <a:latin typeface="Verdana"/>
+                <a:ea typeface="Verdana"/>
+              </a:rPr>
+              <a:t>: </a:t>
+            </a:r>
+            <a:r>
+              <a:rPr b="0" lang="en-US" sz="1000" spc="-1" strike="noStrike">
+                <a:latin typeface="Verdana"/>
+                <a:ea typeface="Verdana"/>
+              </a:rPr>
+              <a:t>Software Architect</a:t>
+            </a:r>
+            <a:br>
+              <a:rPr sz="1000"/>
+            </a:br>
+            <a:r>
+              <a:rPr b="1" lang="en-US" sz="1000" spc="-1" strike="noStrike">
+                <a:solidFill>
+                  <a:srgbClr val="000000"/>
+                </a:solidFill>
+                <a:latin typeface="Verdana"/>
+                <a:ea typeface="Verdana"/>
+              </a:rPr>
               <a:t>Industry: </a:t>
             </a:r>
             <a:r>
-              <a:rPr b="0" lang="en-US" sz="950" spc="-1" strike="noStrike">
+              <a:rPr b="0" lang="en-US" sz="1000" spc="-1" strike="noStrike">
                 <a:solidFill>
                   <a:srgbClr val="000000"/>
                 </a:solidFill>
@@ -10743,40 +10876,30 @@
               <a:t>Automotive</a:t>
             </a:r>
             <a:br>
-              <a:rPr sz="950"/>
-            </a:br>
-            <a:r>
-              <a:rPr b="1" lang="en-US" sz="950" spc="-1" strike="noStrike">
-                <a:solidFill>
-                  <a:srgbClr val="000000"/>
-                </a:solidFill>
-                <a:latin typeface="Verdana"/>
-                <a:ea typeface="Verdana"/>
-              </a:rPr>
-              <a:t>Project: </a:t>
-            </a:r>
-            <a:r>
-              <a:rPr b="0" lang="en-US" sz="950" spc="-1" strike="noStrike">
-                <a:solidFill>
-                  <a:srgbClr val="000000"/>
-                </a:solidFill>
-                <a:latin typeface="Verdana"/>
-                <a:ea typeface="Verdana"/>
-              </a:rPr>
-              <a:t>Updating </a:t>
-            </a:r>
-            <a:r>
-              <a:rPr b="0" lang="en-US" sz="950" spc="-1" strike="noStrike">
-                <a:latin typeface="Verdana"/>
-                <a:ea typeface="Verdana"/>
-              </a:rPr>
-              <a:t>driving simulation software</a:t>
-            </a:r>
-            <a:br>
-              <a:rPr sz="950"/>
-            </a:br>
-            <a:r>
-              <a:rPr b="1" lang="en-US" sz="950" spc="-1" strike="noStrike">
+              <a:rPr sz="1000"/>
+            </a:br>
+            <a:r>
+              <a:rPr b="1" lang="en-US" sz="1000" spc="-1" strike="noStrike">
+                <a:solidFill>
+                  <a:srgbClr val="000000"/>
+                </a:solidFill>
+                <a:latin typeface="Verdana"/>
+                <a:ea typeface="Verdana"/>
+              </a:rPr>
+              <a:t>Project: </a:t>
+            </a:r>
+            <a:r>
+              <a:rPr b="0" lang="en-US" sz="1000" spc="-1" strike="noStrike">
+                <a:latin typeface="Verdana"/>
+                <a:ea typeface="Verdana"/>
+              </a:rPr>
+              <a:t>Camera system to replace mirrors</a:t>
+            </a:r>
+            <a:br>
+              <a:rPr sz="1000"/>
+            </a:br>
+            <a:r>
+              <a:rPr b="1" lang="en-US" sz="1000" spc="-1" strike="noStrike">
                 <a:solidFill>
                   <a:srgbClr val="000000"/>
                 </a:solidFill>
@@ -10786,20 +10909,20 @@
               <a:t>Tools:</a:t>
             </a:r>
             <a:r>
-              <a:rPr b="0" lang="en-US" sz="950" spc="-1" strike="noStrike">
-                <a:solidFill>
-                  <a:srgbClr val="000000"/>
-                </a:solidFill>
-                <a:latin typeface="Verdana"/>
-                <a:ea typeface="Verdana"/>
-              </a:rPr>
-              <a:t> CMake, bash script, Gvim, Linux, Makefile </a:t>
-            </a:r>
-            <a:br>
-              <a:rPr sz="950"/>
-            </a:br>
-            <a:r>
-              <a:rPr b="1" lang="en-US" sz="950" spc="-1" strike="noStrike">
+              <a:rPr b="0" lang="en-US" sz="1000" spc="-1" strike="noStrike">
+                <a:solidFill>
+                  <a:srgbClr val="000000"/>
+                </a:solidFill>
+                <a:latin typeface="Verdana"/>
+                <a:ea typeface="Verdana"/>
+              </a:rPr>
+              <a:t>Entreprise Architect, c++, cmake, gdb.</a:t>
+            </a:r>
+            <a:br>
+              <a:rPr sz="1000"/>
+            </a:br>
+            <a:r>
+              <a:rPr b="1" lang="en-US" sz="1000" spc="-1" strike="noStrike">
                 <a:solidFill>
                   <a:srgbClr val="000000"/>
                 </a:solidFill>
@@ -10809,96 +10932,8 @@
               <a:t>Responsibility:</a:t>
             </a:r>
             <a:br>
-              <a:rPr sz="950"/>
-            </a:br>
-            <a:r>
-              <a:rPr b="1" lang="en-US" sz="950" spc="-1" strike="noStrike">
-                <a:solidFill>
-                  <a:srgbClr val="000000"/>
-                </a:solidFill>
-                <a:latin typeface="Verdana"/>
-                <a:ea typeface="Verdana"/>
-              </a:rPr>
-              <a:t>* </a:t>
-            </a:r>
-            <a:r>
-              <a:rPr b="0" lang="en-US" sz="950" spc="-1" strike="noStrike">
-                <a:solidFill>
-                  <a:srgbClr val="000000"/>
-                </a:solidFill>
-                <a:latin typeface="Verdana"/>
-                <a:ea typeface="Verdana"/>
-              </a:rPr>
-              <a:t>Design and complete update of the build and </a:t>
-            </a:r>
-            <a:r>
-              <a:rPr b="0" lang="en-US" sz="950" spc="-1" strike="noStrike">
-                <a:solidFill>
-                  <a:srgbClr val="000000"/>
-                </a:solidFill>
-                <a:latin typeface="Verdana"/>
-                <a:ea typeface="Verdana"/>
-              </a:rPr>
-              <a:t>software dependency management tool (&gt;400 </a:t>
-            </a:r>
-            <a:r>
-              <a:rPr b="0" lang="en-US" sz="950" spc="-1" strike="noStrike">
-                <a:solidFill>
-                  <a:srgbClr val="000000"/>
-                </a:solidFill>
-                <a:latin typeface="Verdana"/>
-                <a:ea typeface="Verdana"/>
-              </a:rPr>
-              <a:t>Makefile converted to cmake),</a:t>
-            </a:r>
-            <a:br>
-              <a:rPr sz="950"/>
-            </a:br>
-            <a:r>
-              <a:rPr b="0" lang="en-US" sz="950" spc="-1" strike="noStrike">
-                <a:solidFill>
-                  <a:srgbClr val="000000"/>
-                </a:solidFill>
-                <a:latin typeface="Verdana"/>
-                <a:ea typeface="Verdana"/>
-              </a:rPr>
-              <a:t>* Development of new functionality related to </a:t>
-            </a:r>
-            <a:r>
-              <a:rPr b="0" lang="en-US" sz="950" spc="-1" strike="noStrike">
-                <a:solidFill>
-                  <a:srgbClr val="000000"/>
-                </a:solidFill>
-                <a:latin typeface="Verdana"/>
-                <a:ea typeface="Verdana"/>
-              </a:rPr>
-              <a:t>the synchronization of sound, image and </a:t>
-            </a:r>
-            <a:r>
-              <a:rPr b="0" lang="en-US" sz="950" spc="-1" strike="noStrike">
-                <a:solidFill>
-                  <a:srgbClr val="000000"/>
-                </a:solidFill>
-                <a:latin typeface="Verdana"/>
-                <a:ea typeface="Verdana"/>
-              </a:rPr>
-              <a:t>vibration</a:t>
-            </a:r>
-            <a:endParaRPr b="0" lang="en-US" sz="950" spc="-1" strike="noStrike">
-              <a:latin typeface="Arial"/>
-            </a:endParaRPr>
-          </a:p>
-          <a:p>
-            <a:r>
-              <a:rPr b="1" lang="en-US" sz="1000" spc="-1" strike="noStrike">
-                <a:solidFill>
-                  <a:srgbClr val="000000"/>
-                </a:solidFill>
-                <a:latin typeface="Verdana"/>
-                <a:ea typeface="Verdana"/>
-              </a:rPr>
-              <a:t>Role</a:t>
-            </a:r>
+              <a:rPr sz="1000"/>
+            </a:br>
             <a:r>
               <a:rPr b="0" lang="en-US" sz="1000" spc="-1" strike="noStrike">
                 <a:solidFill>
@@ -10907,29 +10942,25 @@
                 <a:latin typeface="Verdana"/>
                 <a:ea typeface="Verdana"/>
               </a:rPr>
-              <a:t>: </a:t>
-            </a:r>
+              <a:t>* Define the software architecture,</a:t>
+            </a:r>
+            <a:br>
+              <a:rPr sz="1000"/>
+            </a:br>
             <a:r>
               <a:rPr b="0" lang="en-US" sz="1000" spc="-1" strike="noStrike">
-                <a:latin typeface="Verdana"/>
-                <a:ea typeface="Verdana"/>
-              </a:rPr>
-              <a:t>Software Engineer</a:t>
+                <a:solidFill>
+                  <a:srgbClr val="000000"/>
+                </a:solidFill>
+                <a:latin typeface="Verdana"/>
+                <a:ea typeface="Verdana"/>
+              </a:rPr>
+              <a:t>* Define the milestones,</a:t>
             </a:r>
             <a:br>
               <a:rPr sz="1000"/>
             </a:br>
             <a:r>
-              <a:rPr b="1" lang="en-US" sz="1000" spc="-1" strike="noStrike">
-                <a:solidFill>
-                  <a:srgbClr val="000000"/>
-                </a:solidFill>
-                <a:latin typeface="Verdana"/>
-                <a:ea typeface="Verdana"/>
-              </a:rPr>
-              <a:t>Industry:</a:t>
-            </a:r>
-            <a:r>
               <a:rPr b="0" lang="en-US" sz="1000" spc="-1" strike="noStrike">
                 <a:solidFill>
                   <a:srgbClr val="000000"/>
@@ -10937,391 +10968,7 @@
                 <a:latin typeface="Verdana"/>
                 <a:ea typeface="Verdana"/>
               </a:rPr>
-              <a:t> Automotive</a:t>
-            </a:r>
-            <a:br>
-              <a:rPr sz="1000"/>
-            </a:br>
-            <a:r>
-              <a:rPr b="1" lang="en-US" sz="1000" spc="-1" strike="noStrike">
-                <a:solidFill>
-                  <a:srgbClr val="000000"/>
-                </a:solidFill>
-                <a:latin typeface="Verdana"/>
-                <a:ea typeface="Verdana"/>
-              </a:rPr>
-              <a:t>Project: </a:t>
-            </a:r>
-            <a:r>
-              <a:rPr b="0" lang="en-US" sz="1000" spc="-1" strike="noStrike">
-                <a:solidFill>
-                  <a:srgbClr val="000000"/>
-                </a:solidFill>
-                <a:latin typeface="Verdana"/>
-                <a:ea typeface="Verdana"/>
-              </a:rPr>
-              <a:t>Automotive suppliers – </a:t>
-            </a:r>
-            <a:r>
-              <a:rPr b="0" lang="en-US" sz="1000" spc="-1" strike="noStrike">
-                <a:solidFill>
-                  <a:srgbClr val="000000"/>
-                </a:solidFill>
-                <a:latin typeface="Verdana"/>
-                <a:ea typeface="Verdana"/>
-              </a:rPr>
-              <a:t>Infotainment</a:t>
-            </a:r>
-            <a:r>
-              <a:rPr b="0" lang="en-US" sz="1000" spc="-1" strike="noStrike">
-                <a:solidFill>
-                  <a:srgbClr val="000000"/>
-                </a:solidFill>
-                <a:latin typeface="Verdana"/>
-                <a:ea typeface="Verdana"/>
-              </a:rPr>
-              <a:t> Software</a:t>
-            </a:r>
-            <a:br>
-              <a:rPr sz="1000"/>
-            </a:br>
-            <a:r>
-              <a:rPr b="1" lang="en-US" sz="1000" spc="-1" strike="noStrike">
-                <a:solidFill>
-                  <a:srgbClr val="000000"/>
-                </a:solidFill>
-                <a:latin typeface="Verdana"/>
-                <a:ea typeface="Verdana"/>
-              </a:rPr>
-              <a:t>Tools: </a:t>
-            </a:r>
-            <a:r>
-              <a:rPr b="0" lang="en-US" sz="1000" spc="-1" strike="noStrike">
-                <a:latin typeface="Verdana"/>
-                <a:ea typeface="Verdana"/>
-              </a:rPr>
-              <a:t>libusb, c++, wifi, coding and decoding</a:t>
-            </a:r>
-            <a:br>
-              <a:rPr sz="1000"/>
-            </a:br>
-            <a:r>
-              <a:rPr b="1" lang="en-US" sz="1000" spc="-1" strike="noStrike">
-                <a:solidFill>
-                  <a:srgbClr val="000000"/>
-                </a:solidFill>
-                <a:latin typeface="Verdana"/>
-                <a:ea typeface="Verdana"/>
-              </a:rPr>
-              <a:t>Responsibility:</a:t>
-            </a:r>
-            <a:br>
-              <a:rPr sz="1000"/>
-            </a:br>
-            <a:r>
-              <a:rPr b="1" lang="en-US" sz="1000" spc="-1" strike="noStrike">
-                <a:solidFill>
-                  <a:srgbClr val="000000"/>
-                </a:solidFill>
-                <a:latin typeface="Verdana"/>
-                <a:ea typeface="Verdana"/>
-              </a:rPr>
-              <a:t>* </a:t>
-            </a:r>
-            <a:r>
-              <a:rPr b="0" lang="en-US" sz="1000" spc="-1" strike="noStrike">
-                <a:solidFill>
-                  <a:srgbClr val="000000"/>
-                </a:solidFill>
-                <a:latin typeface="Verdana"/>
-                <a:ea typeface="Verdana"/>
-              </a:rPr>
-              <a:t>Module Requirement, coding and testing (usb / </a:t>
-            </a:r>
-            <a:r>
-              <a:rPr b="0" lang="en-US" sz="1000" spc="-1" strike="noStrike">
-                <a:solidFill>
-                  <a:srgbClr val="000000"/>
-                </a:solidFill>
-                <a:latin typeface="Verdana"/>
-                <a:ea typeface="Verdana"/>
-              </a:rPr>
-              <a:t>wifi),</a:t>
-            </a:r>
-            <a:br>
-              <a:rPr sz="1000"/>
-            </a:br>
-            <a:r>
-              <a:rPr b="0" lang="en-US" sz="1000" spc="-1" strike="noStrike">
-                <a:solidFill>
-                  <a:srgbClr val="000000"/>
-                </a:solidFill>
-                <a:latin typeface="Verdana"/>
-                <a:ea typeface="Verdana"/>
-              </a:rPr>
-              <a:t>* </a:t>
-            </a:r>
-            <a:r>
-              <a:rPr b="0" lang="en-US" sz="1000" spc="-1" strike="noStrike">
-                <a:solidFill>
-                  <a:srgbClr val="000000"/>
-                </a:solidFill>
-                <a:latin typeface="Verdana"/>
-                <a:ea typeface="Verdana"/>
-              </a:rPr>
-              <a:t>Create USB bus simulator (libusb, UDisk2),</a:t>
-            </a:r>
-            <a:br>
-              <a:rPr sz="1000"/>
-            </a:br>
-            <a:r>
-              <a:rPr b="0" lang="en-US" sz="1000" spc="-1" strike="noStrike">
-                <a:solidFill>
-                  <a:srgbClr val="000000"/>
-                </a:solidFill>
-                <a:latin typeface="Verdana"/>
-                <a:ea typeface="Verdana"/>
-              </a:rPr>
-              <a:t>* Manage BMW CommAPI Interface,</a:t>
-            </a:r>
-            <a:br>
-              <a:rPr sz="1000"/>
-            </a:br>
-            <a:r>
-              <a:rPr b="0" lang="en-US" sz="1000" spc="-1" strike="noStrike">
-                <a:solidFill>
-                  <a:srgbClr val="000000"/>
-                </a:solidFill>
-                <a:latin typeface="Verdana"/>
-                <a:ea typeface="Verdana"/>
-              </a:rPr>
-              <a:t>* Teaching to the team the art of testing,</a:t>
-            </a:r>
-            <a:br>
-              <a:rPr sz="1000"/>
-            </a:br>
-            <a:r>
-              <a:rPr b="0" lang="en-US" sz="1000" spc="-1" strike="noStrike">
-                <a:solidFill>
-                  <a:srgbClr val="000000"/>
-                </a:solidFill>
-                <a:latin typeface="Verdana"/>
-                <a:ea typeface="Verdana"/>
-              </a:rPr>
-              <a:t>* Test Implementation,</a:t>
-            </a:r>
-            <a:br>
-              <a:rPr sz="1000"/>
-            </a:br>
-            <a:r>
-              <a:rPr b="0" lang="en-US" sz="1000" spc="-1" strike="noStrike">
-                <a:solidFill>
-                  <a:srgbClr val="000000"/>
-                </a:solidFill>
-                <a:latin typeface="Verdana"/>
-                <a:ea typeface="Verdana"/>
-              </a:rPr>
-              <a:t>* Coding and Decoding Wifi messages (apple, </a:t>
-            </a:r>
-            <a:r>
-              <a:rPr b="0" lang="en-US" sz="1000" spc="-1" strike="noStrike">
-                <a:solidFill>
-                  <a:srgbClr val="000000"/>
-                </a:solidFill>
-                <a:latin typeface="Verdana"/>
-                <a:ea typeface="Verdana"/>
-              </a:rPr>
-              <a:t>miramax...)</a:t>
-            </a:r>
-            <a:endParaRPr b="0" lang="en-US" sz="1000" spc="-1" strike="noStrike">
-              <a:latin typeface="Arial"/>
-            </a:endParaRPr>
-          </a:p>
-          <a:p>
-            <a:r>
-              <a:rPr b="1" lang="en-US" sz="1000" spc="-1" strike="noStrike">
-                <a:solidFill>
-                  <a:srgbClr val="000000"/>
-                </a:solidFill>
-                <a:latin typeface="Verdana"/>
-                <a:ea typeface="Verdana"/>
-              </a:rPr>
-              <a:t>Role</a:t>
-            </a:r>
-            <a:r>
-              <a:rPr b="0" lang="en-US" sz="1000" spc="-1" strike="noStrike">
-                <a:solidFill>
-                  <a:srgbClr val="000000"/>
-                </a:solidFill>
-                <a:latin typeface="Verdana"/>
-                <a:ea typeface="Verdana"/>
-              </a:rPr>
-              <a:t>: </a:t>
-            </a:r>
-            <a:r>
-              <a:rPr b="0" lang="en-US" sz="1000" spc="-1" strike="noStrike">
-                <a:latin typeface="Verdana"/>
-                <a:ea typeface="Verdana"/>
-              </a:rPr>
-              <a:t>Software Architect</a:t>
-            </a:r>
-            <a:br>
-              <a:rPr sz="1000"/>
-            </a:br>
-            <a:r>
-              <a:rPr b="1" lang="en-US" sz="1000" spc="-1" strike="noStrike">
-                <a:solidFill>
-                  <a:srgbClr val="000000"/>
-                </a:solidFill>
-                <a:latin typeface="Verdana"/>
-                <a:ea typeface="Verdana"/>
-              </a:rPr>
-              <a:t>Industry: </a:t>
-            </a:r>
-            <a:r>
-              <a:rPr b="0" lang="en-US" sz="1000" spc="-1" strike="noStrike">
-                <a:solidFill>
-                  <a:srgbClr val="000000"/>
-                </a:solidFill>
-                <a:latin typeface="Verdana"/>
-                <a:ea typeface="Verdana"/>
-              </a:rPr>
-              <a:t>Automotive</a:t>
-            </a:r>
-            <a:br>
-              <a:rPr sz="1000"/>
-            </a:br>
-            <a:r>
-              <a:rPr b="1" lang="en-US" sz="1000" spc="-1" strike="noStrike">
-                <a:solidFill>
-                  <a:srgbClr val="000000"/>
-                </a:solidFill>
-                <a:latin typeface="Verdana"/>
-                <a:ea typeface="Verdana"/>
-              </a:rPr>
-              <a:t>Project: </a:t>
-            </a:r>
-            <a:r>
-              <a:rPr b="0" lang="en-US" sz="1000" spc="-1" strike="noStrike">
-                <a:latin typeface="Verdana"/>
-                <a:ea typeface="Verdana"/>
-              </a:rPr>
-              <a:t>Camera system to replace mirrors</a:t>
-            </a:r>
-            <a:br>
-              <a:rPr sz="1000"/>
-            </a:br>
-            <a:r>
-              <a:rPr b="1" lang="en-US" sz="1000" spc="-1" strike="noStrike">
-                <a:solidFill>
-                  <a:srgbClr val="000000"/>
-                </a:solidFill>
-                <a:latin typeface="Verdana"/>
-                <a:ea typeface="Verdana"/>
-              </a:rPr>
-              <a:t>Tools:</a:t>
-            </a:r>
-            <a:r>
-              <a:rPr b="0" lang="en-US" sz="1000" spc="-1" strike="noStrike">
-                <a:solidFill>
-                  <a:srgbClr val="000000"/>
-                </a:solidFill>
-                <a:latin typeface="Verdana"/>
-                <a:ea typeface="Verdana"/>
-              </a:rPr>
-              <a:t>Entreprise Architect, c++, cmake, gdb</a:t>
-            </a:r>
-            <a:r>
-              <a:rPr b="0" lang="en-US" sz="1000" spc="-1" strike="noStrike">
-                <a:solidFill>
-                  <a:srgbClr val="000000"/>
-                </a:solidFill>
-                <a:latin typeface="Verdana"/>
-                <a:ea typeface="Verdana"/>
-              </a:rPr>
-              <a:t>.</a:t>
-            </a:r>
-            <a:br>
-              <a:rPr sz="1000"/>
-            </a:br>
-            <a:r>
-              <a:rPr b="1" lang="en-US" sz="1000" spc="-1" strike="noStrike">
-                <a:solidFill>
-                  <a:srgbClr val="000000"/>
-                </a:solidFill>
-                <a:latin typeface="Verdana"/>
-                <a:ea typeface="Verdana"/>
-              </a:rPr>
-              <a:t>Responsibility:</a:t>
-            </a:r>
-            <a:br>
-              <a:rPr sz="1000"/>
-            </a:br>
-            <a:r>
-              <a:rPr b="0" lang="en-US" sz="1000" spc="-1" strike="noStrike">
-                <a:solidFill>
-                  <a:srgbClr val="000000"/>
-                </a:solidFill>
-                <a:latin typeface="Verdana"/>
-                <a:ea typeface="Verdana"/>
-              </a:rPr>
-              <a:t>* </a:t>
-            </a:r>
-            <a:r>
-              <a:rPr b="0" lang="en-US" sz="1000" spc="-1" strike="noStrike">
-                <a:solidFill>
-                  <a:srgbClr val="000000"/>
-                </a:solidFill>
-                <a:latin typeface="Verdana"/>
-                <a:ea typeface="Verdana"/>
-              </a:rPr>
-              <a:t>Define the software architecture,</a:t>
-            </a:r>
-            <a:br>
-              <a:rPr sz="1000"/>
-            </a:br>
-            <a:r>
-              <a:rPr b="0" lang="en-US" sz="1000" spc="-1" strike="noStrike">
-                <a:solidFill>
-                  <a:srgbClr val="000000"/>
-                </a:solidFill>
-                <a:latin typeface="Verdana"/>
-                <a:ea typeface="Verdana"/>
-              </a:rPr>
-              <a:t>* </a:t>
-            </a:r>
-            <a:r>
-              <a:rPr b="0" lang="en-US" sz="1000" spc="-1" strike="noStrike">
-                <a:solidFill>
-                  <a:srgbClr val="000000"/>
-                </a:solidFill>
-                <a:latin typeface="Verdana"/>
-                <a:ea typeface="Verdana"/>
-              </a:rPr>
-              <a:t>Define the milestones,</a:t>
-            </a:r>
-            <a:br>
-              <a:rPr sz="1000"/>
-            </a:br>
-            <a:r>
-              <a:rPr b="0" lang="en-US" sz="1000" spc="-1" strike="noStrike">
-                <a:solidFill>
-                  <a:srgbClr val="000000"/>
-                </a:solidFill>
-                <a:latin typeface="Verdana"/>
-                <a:ea typeface="Verdana"/>
-              </a:rPr>
-              <a:t>* Manage the requirement in a R&amp;D </a:t>
-            </a:r>
-            <a:r>
-              <a:rPr b="0" lang="en-US" sz="1000" spc="-1" strike="noStrike">
-                <a:solidFill>
-                  <a:srgbClr val="000000"/>
-                </a:solidFill>
-                <a:latin typeface="Verdana"/>
-                <a:ea typeface="Verdana"/>
-              </a:rPr>
-              <a:t>environment,</a:t>
+              <a:t>* Manage the requirement in a R&amp;D environment,</a:t>
             </a:r>
             <a:br>
               <a:rPr sz="1000"/>
@@ -11420,7 +11067,7 @@
         <p:spPr>
           <a:xfrm>
             <a:off x="7543800" y="685800"/>
-            <a:ext cx="4384080" cy="5817240"/>
+            <a:ext cx="4383720" cy="5816880"/>
           </a:xfrm>
           <a:prstGeom prst="rect">
             <a:avLst/>
@@ -11455,7 +11102,7 @@
         <p:spPr>
           <a:xfrm>
             <a:off x="3429000" y="310320"/>
-            <a:ext cx="4175640" cy="411480"/>
+            <a:ext cx="4175280" cy="411120"/>
           </a:xfrm>
           <a:prstGeom prst="rect">
             <a:avLst/>
@@ -11510,7 +11157,7 @@
         <p:spPr>
           <a:xfrm>
             <a:off x="407880" y="5580720"/>
-            <a:ext cx="3022920" cy="331200"/>
+            <a:ext cx="3022560" cy="330840"/>
           </a:xfrm>
           <a:prstGeom prst="rect">
             <a:avLst/>
@@ -11565,7 +11212,7 @@
         <p:spPr>
           <a:xfrm>
             <a:off x="407880" y="3601800"/>
-            <a:ext cx="3022920" cy="411480"/>
+            <a:ext cx="3022560" cy="411120"/>
           </a:xfrm>
           <a:prstGeom prst="rect">
             <a:avLst/>
@@ -11625,7 +11272,7 @@
         <p:spPr>
           <a:xfrm>
             <a:off x="407880" y="4038120"/>
-            <a:ext cx="3022920" cy="539280"/>
+            <a:ext cx="3022560" cy="538920"/>
           </a:xfrm>
           <a:prstGeom prst="rect">
             <a:avLst/>
@@ -11685,7 +11332,7 @@
         <p:spPr>
           <a:xfrm>
             <a:off x="407880" y="5913360"/>
-            <a:ext cx="3022920" cy="539280"/>
+            <a:ext cx="3022560" cy="538920"/>
           </a:xfrm>
           <a:prstGeom prst="rect">
             <a:avLst/>
@@ -11741,7 +11388,7 @@
         <p:spPr>
           <a:xfrm>
             <a:off x="407880" y="4484520"/>
-            <a:ext cx="3022920" cy="331200"/>
+            <a:ext cx="3022560" cy="330840"/>
           </a:xfrm>
           <a:prstGeom prst="rect">
             <a:avLst/>
@@ -11796,7 +11443,7 @@
         <p:spPr>
           <a:xfrm>
             <a:off x="408960" y="4833360"/>
-            <a:ext cx="3021840" cy="539280"/>
+            <a:ext cx="3021480" cy="538920"/>
           </a:xfrm>
           <a:prstGeom prst="rect">
             <a:avLst/>
@@ -11856,7 +11503,7 @@
         <p:spPr>
           <a:xfrm>
             <a:off x="7714080" y="551520"/>
-            <a:ext cx="4171320" cy="5392080"/>
+            <a:ext cx="4170960" cy="5391720"/>
           </a:xfrm>
           <a:prstGeom prst="rect">
             <a:avLst/>
@@ -11871,18 +11518,14 @@
             <a:noAutofit/>
           </a:bodyPr>
           <a:p>
-            <a:pPr lvl="1" marL="232920" indent="-228600">
+            <a:pPr>
               <a:lnSpc>
                 <a:spcPct val="100000"/>
               </a:lnSpc>
               <a:spcBef>
-                <a:spcPts val="601"/>
+                <a:spcPts val="1417"/>
               </a:spcBef>
-              <a:buClr>
-                <a:srgbClr val="0070ad"/>
-              </a:buClr>
-              <a:buFont typeface="Wingdings" charset="2"/>
-              <a:buChar char=""/>
+              <a:buNone/>
               <a:tabLst>
                 <a:tab algn="l" pos="408240"/>
               </a:tabLst>
@@ -11892,6 +11535,15 @@
             </a:endParaRPr>
           </a:p>
           <a:p>
+            <a:pPr>
+              <a:lnSpc>
+                <a:spcPct val="100000"/>
+              </a:lnSpc>
+              <a:buNone/>
+              <a:tabLst>
+                <a:tab algn="l" pos="408240"/>
+              </a:tabLst>
+            </a:pPr>
             <a:r>
               <a:rPr b="1" lang="en-US" sz="1000" spc="-1" strike="noStrike">
                 <a:solidFill>
@@ -11956,8 +11608,57 @@
                 <a:latin typeface="Verdana"/>
                 <a:ea typeface="Verdana"/>
               </a:rPr>
+              <a:t> IP Train NAT (Nouvelle Automotrice Transilien/Spacium 3.06)</a:t>
+            </a:r>
+            <a:br>
+              <a:rPr sz="950"/>
+            </a:br>
+            <a:r>
+              <a:rPr b="1" lang="en-US" sz="950" spc="-1" strike="noStrike">
+                <a:solidFill>
+                  <a:srgbClr val="000000"/>
+                </a:solidFill>
+                <a:latin typeface="Verdana"/>
+                <a:ea typeface="Verdana"/>
+              </a:rPr>
+              <a:t>Tools:</a:t>
+            </a:r>
+            <a:r>
+              <a:rPr b="0" lang="en-US" sz="950" spc="-1" strike="noStrike">
+                <a:solidFill>
+                  <a:srgbClr val="000000"/>
+                </a:solidFill>
+                <a:latin typeface="Verdana"/>
+                <a:ea typeface="Verdana"/>
+              </a:rPr>
+              <a:t> Embedded Linux, C++, Qt..</a:t>
+            </a:r>
+            <a:br>
+              <a:rPr sz="950"/>
+            </a:br>
+            <a:r>
+              <a:rPr b="1" lang="en-US" sz="950" spc="-1" strike="noStrike">
+                <a:solidFill>
+                  <a:srgbClr val="000000"/>
+                </a:solidFill>
+                <a:latin typeface="Verdana"/>
+                <a:ea typeface="Verdana"/>
+              </a:rPr>
+              <a:t>Responsibility:</a:t>
+            </a:r>
+            <a:r>
+              <a:rPr b="0" lang="en-US" sz="950" spc="-1" strike="noStrike">
+                <a:solidFill>
+                  <a:srgbClr val="000000"/>
+                </a:solidFill>
+                <a:latin typeface="Verdana"/>
+                <a:ea typeface="Verdana"/>
+              </a:rPr>
               <a:t> </a:t>
             </a:r>
+            <a:br>
+              <a:rPr sz="950"/>
+            </a:br>
             <a:r>
               <a:rPr b="0" lang="en-US" sz="950" spc="-1" strike="noStrike">
                 <a:solidFill>
@@ -11966,7 +11667,17 @@
                 <a:latin typeface="Verdana"/>
                 <a:ea typeface="Verdana"/>
               </a:rPr>
-              <a:t>IP Train NAT (Nouvelle Automotrice </a:t>
+              <a:t>* </a:t>
+            </a:r>
+            <a:r>
+              <a:rPr b="0" lang="en-US" sz="1100" spc="-1" strike="noStrike">
+                <a:solidFill>
+                  <a:srgbClr val="595959"/>
+                </a:solidFill>
+                <a:latin typeface="Arial"/>
+                <a:ea typeface="Verdana"/>
+              </a:rPr>
+              <a:t>T</a:t>
             </a:r>
             <a:r>
               <a:rPr b="0" lang="en-US" sz="950" spc="-1" strike="noStrike">
@@ -11976,22 +11687,12 @@
                 <a:latin typeface="Verdana"/>
                 <a:ea typeface="Verdana"/>
               </a:rPr>
-              <a:t>Transilien/Spacium 3.06)</a:t>
+              <a:t>eam coordinator for the development of the NAT HMI software embedded in trains,</a:t>
             </a:r>
             <a:br>
               <a:rPr sz="950"/>
             </a:br>
             <a:r>
-              <a:rPr b="1" lang="en-US" sz="950" spc="-1" strike="noStrike">
-                <a:solidFill>
-                  <a:srgbClr val="000000"/>
-                </a:solidFill>
-                <a:latin typeface="Verdana"/>
-                <a:ea typeface="Verdana"/>
-              </a:rPr>
-              <a:t>Tools:</a:t>
-            </a:r>
-            <a:r>
               <a:rPr b="0" lang="en-US" sz="950" spc="-1" strike="noStrike">
                 <a:solidFill>
                   <a:srgbClr val="000000"/>
@@ -11999,8 +11700,11 @@
                 <a:latin typeface="Verdana"/>
                 <a:ea typeface="Verdana"/>
               </a:rPr>
-              <a:t> </a:t>
-            </a:r>
+              <a:t>* Software design, coordination of several software,</a:t>
+            </a:r>
+            <a:br>
+              <a:rPr sz="950"/>
+            </a:br>
             <a:r>
               <a:rPr b="0" lang="en-US" sz="950" spc="-1" strike="noStrike">
                 <a:solidFill>
@@ -12009,8 +11713,11 @@
                 <a:latin typeface="Verdana"/>
                 <a:ea typeface="Verdana"/>
               </a:rPr>
-              <a:t>Embedded Linux, C++, Qt.</a:t>
-            </a:r>
+              <a:t>* Integrator for IHM Version,</a:t>
+            </a:r>
+            <a:br>
+              <a:rPr sz="950"/>
+            </a:br>
             <a:r>
               <a:rPr b="0" lang="en-US" sz="950" spc="-1" strike="noStrike">
                 <a:solidFill>
@@ -12019,13 +11726,150 @@
                 <a:latin typeface="Verdana"/>
                 <a:ea typeface="Verdana"/>
               </a:rPr>
-              <a:t>.</a:t>
+              <a:t>* Maintenance of linux,</a:t>
             </a:r>
             <a:br>
               <a:rPr sz="950"/>
             </a:br>
             <a:r>
-              <a:rPr b="1" lang="en-US" sz="950" spc="-1" strike="noStrike">
+              <a:rPr b="0" lang="en-US" sz="950" spc="-1" strike="noStrike">
+                <a:solidFill>
+                  <a:srgbClr val="000000"/>
+                </a:solidFill>
+                <a:latin typeface="Verdana"/>
+                <a:ea typeface="Verdana"/>
+              </a:rPr>
+              <a:t>* PPC hardware validation,</a:t>
+            </a:r>
+            <a:br>
+              <a:rPr sz="950"/>
+            </a:br>
+            <a:r>
+              <a:rPr b="0" lang="en-US" sz="950" spc="-1" strike="noStrike">
+                <a:solidFill>
+                  <a:srgbClr val="000000"/>
+                </a:solidFill>
+                <a:latin typeface="Verdana"/>
+                <a:ea typeface="Verdana"/>
+              </a:rPr>
+              <a:t>* Creation of a cooperative wiki on a server, in order to centralize the team knowledge.</a:t>
+            </a:r>
+            <a:endParaRPr b="0" lang="en-US" sz="950" spc="-1" strike="noStrike">
+              <a:latin typeface="Arial"/>
+            </a:endParaRPr>
+          </a:p>
+          <a:p>
+            <a:pPr>
+              <a:lnSpc>
+                <a:spcPct val="100000"/>
+              </a:lnSpc>
+              <a:buNone/>
+              <a:tabLst>
+                <a:tab algn="l" pos="408240"/>
+              </a:tabLst>
+            </a:pPr>
+            <a:endParaRPr b="0" lang="en-US" sz="1000" spc="-1" strike="noStrike">
+              <a:latin typeface="Arial"/>
+            </a:endParaRPr>
+          </a:p>
+          <a:p>
+            <a:pPr>
+              <a:lnSpc>
+                <a:spcPct val="100000"/>
+              </a:lnSpc>
+              <a:buNone/>
+              <a:tabLst>
+                <a:tab algn="l" pos="408240"/>
+              </a:tabLst>
+            </a:pPr>
+            <a:r>
+              <a:rPr b="1" lang="en-US" sz="1000" spc="-1" strike="noStrike">
+                <a:solidFill>
+                  <a:srgbClr val="000000"/>
+                </a:solidFill>
+                <a:latin typeface="Verdana"/>
+                <a:ea typeface="Verdana"/>
+              </a:rPr>
+              <a:t>Role</a:t>
+            </a:r>
+            <a:r>
+              <a:rPr b="0" lang="en-US" sz="1000" spc="-1" strike="noStrike">
+                <a:solidFill>
+                  <a:srgbClr val="000000"/>
+                </a:solidFill>
+                <a:latin typeface="Verdana"/>
+                <a:ea typeface="Verdana"/>
+              </a:rPr>
+              <a:t>: Software Engineer</a:t>
+            </a:r>
+            <a:br>
+              <a:rPr sz="1000"/>
+            </a:br>
+            <a:r>
+              <a:rPr b="1" lang="en-US" sz="1000" spc="-1" strike="noStrike">
+                <a:solidFill>
+                  <a:srgbClr val="000000"/>
+                </a:solidFill>
+                <a:latin typeface="Verdana"/>
+                <a:ea typeface="Verdana"/>
+              </a:rPr>
+              <a:t>Industry: </a:t>
+            </a:r>
+            <a:r>
+              <a:rPr b="0" lang="en-US" sz="1000" spc="-1" strike="noStrike">
+                <a:solidFill>
+                  <a:srgbClr val="000000"/>
+                </a:solidFill>
+                <a:latin typeface="Verdana"/>
+                <a:ea typeface="Verdana"/>
+              </a:rPr>
+              <a:t>Railroad UK</a:t>
+            </a:r>
+            <a:br>
+              <a:rPr sz="1000"/>
+            </a:br>
+            <a:r>
+              <a:rPr b="1" lang="en-US" sz="1000" spc="-1" strike="noStrike">
+                <a:solidFill>
+                  <a:srgbClr val="000000"/>
+                </a:solidFill>
+                <a:latin typeface="Verdana"/>
+                <a:ea typeface="Verdana"/>
+              </a:rPr>
+              <a:t>Project: </a:t>
+            </a:r>
+            <a:r>
+              <a:rPr b="0" lang="en-US" sz="1000" spc="-1" strike="noStrike">
+                <a:latin typeface="Verdana"/>
+                <a:ea typeface="Verdana"/>
+              </a:rPr>
+              <a:t>“Virgin Train” class consists in a new generation of trains in United Kingdom, and will be quite a big step for the embedded software in general.</a:t>
+            </a:r>
+            <a:br>
+              <a:rPr sz="1000"/>
+            </a:br>
+            <a:r>
+              <a:rPr b="1" lang="en-US" sz="1000" spc="-1" strike="noStrike">
+                <a:solidFill>
+                  <a:srgbClr val="000000"/>
+                </a:solidFill>
+                <a:latin typeface="Verdana"/>
+                <a:ea typeface="Verdana"/>
+              </a:rPr>
+              <a:t>Tools: </a:t>
+            </a:r>
+            <a:r>
+              <a:rPr b="0" lang="en-US" sz="1000" spc="-1" strike="noStrike">
+                <a:latin typeface="Verdana"/>
+                <a:ea typeface="Verdana"/>
+              </a:rPr>
+              <a:t>Embedded Windows CE, C++, MFC.</a:t>
+            </a:r>
+            <a:br>
+              <a:rPr sz="1000"/>
+            </a:br>
+            <a:r>
+              <a:rPr b="1" lang="en-US" sz="1000" spc="-1" strike="noStrike">
                 <a:solidFill>
                   <a:srgbClr val="000000"/>
                 </a:solidFill>
@@ -12034,159 +11878,73 @@
               </a:rPr>
               <a:t>Responsibility:</a:t>
             </a:r>
-            <a:r>
-              <a:rPr b="0" lang="en-US" sz="950" spc="-1" strike="noStrike">
-                <a:solidFill>
-                  <a:srgbClr val="000000"/>
-                </a:solidFill>
-                <a:latin typeface="Verdana"/>
-                <a:ea typeface="Verdana"/>
-              </a:rPr>
-              <a:t> </a:t>
-            </a:r>
-            <a:br>
-              <a:rPr sz="950"/>
-            </a:br>
-            <a:r>
-              <a:rPr b="0" lang="en-US" sz="950" spc="-1" strike="noStrike">
-                <a:solidFill>
-                  <a:srgbClr val="000000"/>
-                </a:solidFill>
-                <a:latin typeface="Verdana"/>
-                <a:ea typeface="Verdana"/>
-              </a:rPr>
-              <a:t>* </a:t>
-            </a:r>
-            <a:r>
-              <a:rPr b="0" lang="en-US" sz="1100" spc="-1" strike="noStrike">
-                <a:solidFill>
-                  <a:srgbClr val="595959"/>
-                </a:solidFill>
-                <a:latin typeface="Arial"/>
-                <a:ea typeface="Verdana"/>
-              </a:rPr>
-              <a:t>T</a:t>
-            </a:r>
-            <a:r>
-              <a:rPr b="0" lang="en-US" sz="950" spc="-1" strike="noStrike">
-                <a:solidFill>
-                  <a:srgbClr val="000000"/>
-                </a:solidFill>
-                <a:latin typeface="Verdana"/>
-                <a:ea typeface="Verdana"/>
-              </a:rPr>
-              <a:t>eam coordinator for the development of the </a:t>
-            </a:r>
-            <a:r>
-              <a:rPr b="0" lang="en-US" sz="950" spc="-1" strike="noStrike">
-                <a:solidFill>
-                  <a:srgbClr val="000000"/>
-                </a:solidFill>
-                <a:latin typeface="Verdana"/>
-                <a:ea typeface="Verdana"/>
-              </a:rPr>
-              <a:t>NAT HMI software embedded in trains,</a:t>
-            </a:r>
-            <a:br>
-              <a:rPr sz="950"/>
-            </a:br>
-            <a:r>
-              <a:rPr b="0" lang="en-US" sz="950" spc="-1" strike="noStrike">
-                <a:solidFill>
-                  <a:srgbClr val="000000"/>
-                </a:solidFill>
-                <a:latin typeface="Verdana"/>
-                <a:ea typeface="Verdana"/>
-              </a:rPr>
-              <a:t>* </a:t>
-            </a:r>
-            <a:r>
-              <a:rPr b="0" lang="en-US" sz="950" spc="-1" strike="noStrike">
-                <a:solidFill>
-                  <a:srgbClr val="000000"/>
-                </a:solidFill>
-                <a:latin typeface="Verdana"/>
-                <a:ea typeface="Verdana"/>
-              </a:rPr>
-              <a:t>Software design, coordination of several </a:t>
-            </a:r>
-            <a:r>
-              <a:rPr b="0" lang="en-US" sz="950" spc="-1" strike="noStrike">
-                <a:solidFill>
-                  <a:srgbClr val="000000"/>
-                </a:solidFill>
-                <a:latin typeface="Verdana"/>
-                <a:ea typeface="Verdana"/>
-              </a:rPr>
-              <a:t>software,</a:t>
-            </a:r>
-            <a:br>
-              <a:rPr sz="950"/>
-            </a:br>
-            <a:r>
-              <a:rPr b="0" lang="en-US" sz="950" spc="-1" strike="noStrike">
-                <a:solidFill>
-                  <a:srgbClr val="000000"/>
-                </a:solidFill>
-                <a:latin typeface="Verdana"/>
-                <a:ea typeface="Verdana"/>
-              </a:rPr>
-              <a:t>* Integrator for IHM Version,</a:t>
-            </a:r>
-            <a:br>
-              <a:rPr sz="950"/>
-            </a:br>
-            <a:r>
-              <a:rPr b="0" lang="en-US" sz="950" spc="-1" strike="noStrike">
-                <a:solidFill>
-                  <a:srgbClr val="000000"/>
-                </a:solidFill>
-                <a:latin typeface="Verdana"/>
-                <a:ea typeface="Verdana"/>
-              </a:rPr>
-              <a:t>* Maintenance of linux,</a:t>
-            </a:r>
-            <a:br>
-              <a:rPr sz="950"/>
-            </a:br>
-            <a:r>
-              <a:rPr b="0" lang="en-US" sz="950" spc="-1" strike="noStrike">
-                <a:solidFill>
-                  <a:srgbClr val="000000"/>
-                </a:solidFill>
-                <a:latin typeface="Verdana"/>
-                <a:ea typeface="Verdana"/>
-              </a:rPr>
-              <a:t>* PPC hardware validation,</a:t>
-            </a:r>
-            <a:br>
-              <a:rPr sz="950"/>
-            </a:br>
-            <a:r>
-              <a:rPr b="0" lang="en-US" sz="950" spc="-1" strike="noStrike">
-                <a:solidFill>
-                  <a:srgbClr val="000000"/>
-                </a:solidFill>
-                <a:latin typeface="Verdana"/>
-                <a:ea typeface="Verdana"/>
-              </a:rPr>
-              <a:t>* Creation of a cooperative wiki on a server, in </a:t>
-            </a:r>
-            <a:r>
-              <a:rPr b="0" lang="en-US" sz="950" spc="-1" strike="noStrike">
-                <a:solidFill>
-                  <a:srgbClr val="000000"/>
-                </a:solidFill>
-                <a:latin typeface="Verdana"/>
-                <a:ea typeface="Verdana"/>
-              </a:rPr>
-              <a:t>order to centralize the team knowledge.</a:t>
-            </a:r>
-            <a:endParaRPr b="0" lang="en-US" sz="950" spc="-1" strike="noStrike">
-              <a:latin typeface="Arial"/>
-            </a:endParaRPr>
-          </a:p>
-          <a:p>
+            <a:br>
+              <a:rPr sz="1000"/>
+            </a:br>
+            <a:r>
+              <a:rPr b="0" lang="en-US" sz="1000" spc="-1" strike="noStrike">
+                <a:solidFill>
+                  <a:srgbClr val="000000"/>
+                </a:solidFill>
+                <a:latin typeface="Verdana"/>
+                <a:ea typeface="Verdana"/>
+              </a:rPr>
+              <a:t>* Design, development and tests of a HMI software embedded in trains.</a:t>
+            </a:r>
+            <a:br>
+              <a:rPr sz="1000"/>
+            </a:br>
+            <a:r>
+              <a:rPr b="0" lang="en-US" sz="1000" spc="-1" strike="noStrike">
+                <a:solidFill>
+                  <a:srgbClr val="000000"/>
+                </a:solidFill>
+                <a:latin typeface="Verdana"/>
+                <a:ea typeface="Verdana"/>
+              </a:rPr>
+              <a:t>* HMI software development and integration.</a:t>
+            </a:r>
+            <a:br>
+              <a:rPr sz="1000"/>
+            </a:br>
+            <a:r>
+              <a:rPr b="0" lang="en-US" sz="1000" spc="-1" strike="noStrike">
+                <a:solidFill>
+                  <a:srgbClr val="000000"/>
+                </a:solidFill>
+                <a:latin typeface="Verdana"/>
+                <a:ea typeface="Verdana"/>
+              </a:rPr>
+              <a:t>* Supplier technical interface (PEP / Kontron Belgium).</a:t>
+            </a:r>
+            <a:endParaRPr b="0" lang="en-US" sz="1000" spc="-1" strike="noStrike">
+              <a:latin typeface="Arial"/>
+            </a:endParaRPr>
+          </a:p>
+          <a:p>
+            <a:pPr>
+              <a:lnSpc>
+                <a:spcPct val="100000"/>
+              </a:lnSpc>
+              <a:buNone/>
+              <a:tabLst>
+                <a:tab algn="l" pos="408240"/>
+              </a:tabLst>
+            </a:pPr>
+            <a:endParaRPr b="0" lang="en-US" sz="1000" spc="-1" strike="noStrike">
+              <a:latin typeface="Arial"/>
+            </a:endParaRPr>
+          </a:p>
+          <a:p>
+            <a:pPr>
+              <a:lnSpc>
+                <a:spcPct val="100000"/>
+              </a:lnSpc>
+              <a:buNone/>
+              <a:tabLst>
+                <a:tab algn="l" pos="408240"/>
+              </a:tabLst>
+            </a:pPr>
             <a:r>
               <a:rPr b="1" lang="en-US" sz="1000" spc="-1" strike="noStrike">
                 <a:solidFill>
@@ -12205,7 +11963,7 @@
                 <a:latin typeface="Verdana"/>
                 <a:ea typeface="Verdana"/>
               </a:rPr>
-              <a:t>: Software Engineer</a:t>
+              <a:t>: Software Developer</a:t>
             </a:r>
             <a:br>
               <a:rPr sz="1000"/>
@@ -12218,7 +11976,7 @@
                 <a:latin typeface="Verdana"/>
                 <a:ea typeface="Verdana"/>
               </a:rPr>
-              <a:t>Industry: </a:t>
+              <a:t>Industry:</a:t>
             </a:r>
             <a:r>
               <a:rPr b="0" lang="en-US" sz="1000" spc="-1" strike="noStrike">
@@ -12228,7 +11986,7 @@
                 <a:latin typeface="Verdana"/>
                 <a:ea typeface="Verdana"/>
               </a:rPr>
-              <a:t>Railroad UK</a:t>
+              <a:t> Aircraft</a:t>
             </a:r>
             <a:br>
               <a:rPr sz="1000"/>
@@ -12248,323 +12006,84 @@
                 <a:latin typeface="Verdana"/>
                 <a:ea typeface="Verdana"/>
               </a:rPr>
-              <a:t>“Virgin Train” class consists in a new </a:t>
+              <a:t>In the realm of air control, Thomson upgraded its software </a:t>
+            </a:r>
+            <a:br>
+              <a:rPr sz="1000"/>
+            </a:br>
+            <a:r>
+              <a:rPr b="1" lang="en-US" sz="1000" spc="-1" strike="noStrike">
+                <a:solidFill>
+                  <a:srgbClr val="000000"/>
+                </a:solidFill>
+                <a:latin typeface="Verdana"/>
+                <a:ea typeface="Verdana"/>
+              </a:rPr>
+              <a:t>Tools: </a:t>
             </a:r>
             <a:r>
               <a:rPr b="0" lang="en-US" sz="1000" spc="-1" strike="noStrike">
-                <a:latin typeface="Verdana"/>
-                <a:ea typeface="Verdana"/>
-              </a:rPr>
-              <a:t>generation of trains in United Kingdom, and will </a:t>
-            </a:r>
+                <a:solidFill>
+                  <a:srgbClr val="000000"/>
+                </a:solidFill>
+                <a:latin typeface="Verdana"/>
+                <a:ea typeface="Verdana"/>
+              </a:rPr>
+              <a:t>C++, QAC, gvim, ASTERIX.</a:t>
+            </a:r>
+            <a:br>
+              <a:rPr sz="1000"/>
+            </a:br>
+            <a:r>
+              <a:rPr b="1" lang="en-US" sz="1000" spc="-1" strike="noStrike">
+                <a:solidFill>
+                  <a:srgbClr val="000000"/>
+                </a:solidFill>
+                <a:latin typeface="Verdana"/>
+                <a:ea typeface="Verdana"/>
+              </a:rPr>
+              <a:t>Responsibility:</a:t>
+            </a:r>
+            <a:br>
+              <a:rPr sz="1000"/>
+            </a:br>
             <a:r>
               <a:rPr b="0" lang="en-US" sz="1000" spc="-1" strike="noStrike">
-                <a:latin typeface="Verdana"/>
-                <a:ea typeface="Verdana"/>
-              </a:rPr>
-              <a:t>be quite a big step for the embedded software in </a:t>
-            </a:r>
+                <a:solidFill>
+                  <a:srgbClr val="000000"/>
+                </a:solidFill>
+                <a:latin typeface="Verdana"/>
+                <a:ea typeface="Verdana"/>
+              </a:rPr>
+              <a:t>* Design, development and tests of software.</a:t>
+            </a:r>
+            <a:br>
+              <a:rPr sz="1000"/>
+            </a:br>
             <a:r>
               <a:rPr b="0" lang="en-US" sz="1000" spc="-1" strike="noStrike">
-                <a:latin typeface="Verdana"/>
-                <a:ea typeface="Verdana"/>
-              </a:rPr>
-              <a:t>general.</a:t>
-            </a:r>
-            <a:br>
-              <a:rPr sz="1000"/>
-            </a:br>
-            <a:r>
-              <a:rPr b="1" lang="en-US" sz="1000" spc="-1" strike="noStrike">
-                <a:solidFill>
-                  <a:srgbClr val="000000"/>
-                </a:solidFill>
-                <a:latin typeface="Verdana"/>
-                <a:ea typeface="Verdana"/>
-              </a:rPr>
-              <a:t>Tools: </a:t>
-            </a:r>
-            <a:r>
-              <a:rPr b="0" lang="en-US" sz="1000" spc="-1" strike="noStrike">
-                <a:latin typeface="Verdana"/>
-                <a:ea typeface="Verdana"/>
-              </a:rPr>
-              <a:t>Embedded Windows CE, C++, MFC.</a:t>
-            </a:r>
-            <a:br>
-              <a:rPr sz="1000"/>
-            </a:br>
-            <a:r>
-              <a:rPr b="1" lang="en-US" sz="1000" spc="-1" strike="noStrike">
-                <a:solidFill>
-                  <a:srgbClr val="000000"/>
-                </a:solidFill>
-                <a:latin typeface="Verdana"/>
-                <a:ea typeface="Verdana"/>
-              </a:rPr>
-              <a:t>Responsibility:</a:t>
-            </a:r>
-            <a:br>
-              <a:rPr sz="1000"/>
-            </a:br>
-            <a:r>
-              <a:rPr b="0" lang="en-US" sz="1000" spc="-1" strike="noStrike">
-                <a:solidFill>
-                  <a:srgbClr val="000000"/>
-                </a:solidFill>
-                <a:latin typeface="Verdana"/>
-                <a:ea typeface="Verdana"/>
-              </a:rPr>
-              <a:t>* </a:t>
-            </a:r>
-            <a:r>
-              <a:rPr b="0" lang="en-US" sz="1000" spc="-1" strike="noStrike">
-                <a:solidFill>
-                  <a:srgbClr val="000000"/>
-                </a:solidFill>
-                <a:latin typeface="Verdana"/>
-                <a:ea typeface="Verdana"/>
-              </a:rPr>
-              <a:t>Design, development and tests of a HMI </a:t>
-            </a:r>
-            <a:r>
-              <a:rPr b="0" lang="en-US" sz="1000" spc="-1" strike="noStrike">
-                <a:solidFill>
-                  <a:srgbClr val="000000"/>
-                </a:solidFill>
-                <a:latin typeface="Verdana"/>
-                <a:ea typeface="Verdana"/>
-              </a:rPr>
-              <a:t>software embedded in trains.</a:t>
-            </a:r>
-            <a:br>
-              <a:rPr sz="1000"/>
-            </a:br>
-            <a:r>
-              <a:rPr b="0" lang="en-US" sz="1000" spc="-1" strike="noStrike">
-                <a:solidFill>
-                  <a:srgbClr val="000000"/>
-                </a:solidFill>
-                <a:latin typeface="Verdana"/>
-                <a:ea typeface="Verdana"/>
-              </a:rPr>
-              <a:t>* </a:t>
-            </a:r>
-            <a:r>
-              <a:rPr b="0" lang="en-US" sz="1000" spc="-1" strike="noStrike">
-                <a:solidFill>
-                  <a:srgbClr val="000000"/>
-                </a:solidFill>
-                <a:latin typeface="Verdana"/>
-                <a:ea typeface="Verdana"/>
-              </a:rPr>
-              <a:t>HMI software development and integration.</a:t>
-            </a:r>
-            <a:br>
-              <a:rPr sz="1000"/>
-            </a:br>
-            <a:r>
-              <a:rPr b="0" lang="en-US" sz="1000" spc="-1" strike="noStrike">
-                <a:solidFill>
-                  <a:srgbClr val="000000"/>
-                </a:solidFill>
-                <a:latin typeface="Verdana"/>
-                <a:ea typeface="Verdana"/>
-              </a:rPr>
-              <a:t>* Supplier technical interface (PEP / Kontron </a:t>
-            </a:r>
-            <a:r>
-              <a:rPr b="0" lang="en-US" sz="1000" spc="-1" strike="noStrike">
-                <a:solidFill>
-                  <a:srgbClr val="000000"/>
-                </a:solidFill>
-                <a:latin typeface="Verdana"/>
-                <a:ea typeface="Verdana"/>
-              </a:rPr>
-              <a:t>Belgium).</a:t>
+                <a:solidFill>
+                  <a:srgbClr val="000000"/>
+                </a:solidFill>
+                <a:latin typeface="Verdana"/>
+                <a:ea typeface="Verdana"/>
+              </a:rPr>
+              <a:t>* Programming of the coding / decoding layer within flexible software.</a:t>
             </a:r>
             <a:endParaRPr b="0" lang="en-US" sz="1000" spc="-1" strike="noStrike">
               <a:latin typeface="Arial"/>
             </a:endParaRPr>
           </a:p>
           <a:p>
-            <a:r>
-              <a:rPr b="1" lang="en-US" sz="1000" spc="-1" strike="noStrike">
-                <a:solidFill>
-                  <a:srgbClr val="000000"/>
-                </a:solidFill>
-                <a:latin typeface="Verdana"/>
-                <a:ea typeface="Verdana"/>
-              </a:rPr>
-              <a:t>Role</a:t>
-            </a:r>
-            <a:r>
-              <a:rPr b="0" lang="en-US" sz="1000" spc="-1" strike="noStrike">
-                <a:solidFill>
-                  <a:srgbClr val="000000"/>
-                </a:solidFill>
-                <a:latin typeface="Verdana"/>
-                <a:ea typeface="Verdana"/>
-              </a:rPr>
-              <a:t>: </a:t>
-            </a:r>
-            <a:r>
-              <a:rPr b="0" lang="en-US" sz="1000" spc="-1" strike="noStrike">
-                <a:solidFill>
-                  <a:srgbClr val="000000"/>
-                </a:solidFill>
-                <a:latin typeface="Verdana"/>
-                <a:ea typeface="Verdana"/>
-              </a:rPr>
-              <a:t>Software Developer</a:t>
-            </a:r>
-            <a:br>
-              <a:rPr sz="1000"/>
-            </a:br>
-            <a:r>
-              <a:rPr b="1" lang="en-US" sz="1000" spc="-1" strike="noStrike">
-                <a:solidFill>
-                  <a:srgbClr val="000000"/>
-                </a:solidFill>
-                <a:latin typeface="Verdana"/>
-                <a:ea typeface="Verdana"/>
-              </a:rPr>
-              <a:t>Industry:</a:t>
-            </a:r>
-            <a:r>
-              <a:rPr b="0" lang="en-US" sz="1000" spc="-1" strike="noStrike">
-                <a:solidFill>
-                  <a:srgbClr val="000000"/>
-                </a:solidFill>
-                <a:latin typeface="Verdana"/>
-                <a:ea typeface="Verdana"/>
-              </a:rPr>
-              <a:t> Aircraft</a:t>
-            </a:r>
-            <a:br>
-              <a:rPr sz="1000"/>
-            </a:br>
-            <a:r>
-              <a:rPr b="1" lang="en-US" sz="1000" spc="-1" strike="noStrike">
-                <a:solidFill>
-                  <a:srgbClr val="000000"/>
-                </a:solidFill>
-                <a:latin typeface="Verdana"/>
-                <a:ea typeface="Verdana"/>
-              </a:rPr>
-              <a:t>Project: </a:t>
-            </a:r>
-            <a:r>
-              <a:rPr b="0" lang="en-US" sz="1000" spc="-1" strike="noStrike">
-                <a:latin typeface="Verdana"/>
-                <a:ea typeface="Verdana"/>
-              </a:rPr>
-              <a:t>In the realm of air control, Thomson </a:t>
-            </a:r>
-            <a:r>
-              <a:rPr b="0" lang="en-US" sz="1000" spc="-1" strike="noStrike">
-                <a:latin typeface="Verdana"/>
-                <a:ea typeface="Verdana"/>
-              </a:rPr>
-              <a:t>upgraded its software </a:t>
-            </a:r>
-            <a:br>
-              <a:rPr sz="1000"/>
-            </a:br>
-            <a:r>
-              <a:rPr b="1" lang="en-US" sz="1000" spc="-1" strike="noStrike">
-                <a:solidFill>
-                  <a:srgbClr val="000000"/>
-                </a:solidFill>
-                <a:latin typeface="Verdana"/>
-                <a:ea typeface="Verdana"/>
-              </a:rPr>
-              <a:t>Tools: </a:t>
-            </a:r>
-            <a:r>
-              <a:rPr b="0" lang="en-US" sz="1000" spc="-1" strike="noStrike">
-                <a:solidFill>
-                  <a:srgbClr val="000000"/>
-                </a:solidFill>
-                <a:latin typeface="Verdana"/>
-                <a:ea typeface="Verdana"/>
-              </a:rPr>
-              <a:t>C++, QAC, gvim, ASTERIX</a:t>
-            </a:r>
-            <a:r>
-              <a:rPr b="0" lang="en-US" sz="1000" spc="-1" strike="noStrike">
-                <a:solidFill>
-                  <a:srgbClr val="000000"/>
-                </a:solidFill>
-                <a:latin typeface="Verdana"/>
-                <a:ea typeface="Verdana"/>
-              </a:rPr>
-              <a:t>.</a:t>
-            </a:r>
-            <a:br>
-              <a:rPr sz="1000"/>
-            </a:br>
-            <a:r>
-              <a:rPr b="1" lang="en-US" sz="1000" spc="-1" strike="noStrike">
-                <a:solidFill>
-                  <a:srgbClr val="000000"/>
-                </a:solidFill>
-                <a:latin typeface="Verdana"/>
-                <a:ea typeface="Verdana"/>
-              </a:rPr>
-              <a:t>Responsibility:</a:t>
-            </a:r>
-            <a:br>
-              <a:rPr sz="1000"/>
-            </a:br>
-            <a:r>
-              <a:rPr b="0" lang="en-US" sz="1000" spc="-1" strike="noStrike">
-                <a:solidFill>
-                  <a:srgbClr val="000000"/>
-                </a:solidFill>
-                <a:latin typeface="Verdana"/>
-                <a:ea typeface="Verdana"/>
-              </a:rPr>
-              <a:t>* </a:t>
-            </a:r>
-            <a:r>
-              <a:rPr b="0" lang="en-US" sz="1000" spc="-1" strike="noStrike">
-                <a:solidFill>
-                  <a:srgbClr val="000000"/>
-                </a:solidFill>
-                <a:latin typeface="Verdana"/>
-                <a:ea typeface="Verdana"/>
-              </a:rPr>
-              <a:t>Design, development and tests of software.</a:t>
-            </a:r>
-            <a:br>
-              <a:rPr sz="1000"/>
-            </a:br>
-            <a:r>
-              <a:rPr b="0" lang="en-US" sz="1000" spc="-1" strike="noStrike">
-                <a:solidFill>
-                  <a:srgbClr val="000000"/>
-                </a:solidFill>
-                <a:latin typeface="Verdana"/>
-                <a:ea typeface="Verdana"/>
-              </a:rPr>
-              <a:t>* Programming of the coding / decoding layer </a:t>
-            </a:r>
-            <a:r>
-              <a:rPr b="0" lang="en-US" sz="1000" spc="-1" strike="noStrike">
-                <a:solidFill>
-                  <a:srgbClr val="000000"/>
-                </a:solidFill>
-                <a:latin typeface="Verdana"/>
-                <a:ea typeface="Verdana"/>
-              </a:rPr>
-              <a:t>within flexible software.</a:t>
-            </a:r>
-            <a:endParaRPr b="0" lang="en-US" sz="1000" spc="-1" strike="noStrike">
-              <a:latin typeface="Arial"/>
-            </a:endParaRPr>
-          </a:p>
-          <a:p>
+            <a:pPr>
+              <a:lnSpc>
+                <a:spcPct val="100000"/>
+              </a:lnSpc>
+              <a:buNone/>
+              <a:tabLst>
+                <a:tab algn="l" pos="408240"/>
+              </a:tabLst>
+            </a:pPr>
             <a:endParaRPr b="0" lang="en-US" sz="1000" spc="-1" strike="noStrike">
               <a:latin typeface="Arial"/>
             </a:endParaRPr>
@@ -12580,7 +12099,7 @@
         <p:spPr>
           <a:xfrm>
             <a:off x="44640" y="6503040"/>
-            <a:ext cx="5830200" cy="333000"/>
+            <a:ext cx="5829840" cy="333000"/>
           </a:xfrm>
           <a:prstGeom prst="rect">
             <a:avLst/>
@@ -12653,7 +12172,7 @@
         <p:spPr>
           <a:xfrm>
             <a:off x="3200400" y="685800"/>
-            <a:ext cx="4343400" cy="5817240"/>
+            <a:ext cx="4343040" cy="5816880"/>
           </a:xfrm>
           <a:prstGeom prst="rect">
             <a:avLst/>
@@ -12678,13 +12197,13 @@
       <p:sp>
         <p:nvSpPr>
           <p:cNvPr id="143" name="PlaceHolder 29"/>
-          <p:cNvSpPr txBox="1"/>
+          <p:cNvSpPr/>
           <p:nvPr/>
         </p:nvSpPr>
         <p:spPr>
           <a:xfrm>
             <a:off x="3372480" y="390240"/>
-            <a:ext cx="4171320" cy="5113800"/>
+            <a:ext cx="4170960" cy="5113440"/>
           </a:xfrm>
           <a:prstGeom prst="rect">
             <a:avLst/>
@@ -12694,23 +12213,25 @@
             <a:noFill/>
           </a:ln>
         </p:spPr>
+        <p:style>
+          <a:lnRef idx="0"/>
+          <a:fillRef idx="0"/>
+          <a:effectRef idx="0"/>
+          <a:fontRef idx="minor"/>
+        </p:style>
         <p:txBody>
           <a:bodyPr lIns="0" rIns="0" tIns="0" bIns="0" anchor="t">
             <a:noAutofit/>
           </a:bodyPr>
           <a:p>
-            <a:pPr lvl="1" marL="232920" indent="-228600">
+            <a:pPr>
               <a:lnSpc>
                 <a:spcPct val="100000"/>
               </a:lnSpc>
               <a:spcBef>
                 <a:spcPts val="601"/>
               </a:spcBef>
-              <a:buClr>
-                <a:srgbClr val="0070ad"/>
-              </a:buClr>
-              <a:buFont typeface="Wingdings" charset="2"/>
-              <a:buChar char=""/>
+              <a:buNone/>
               <a:tabLst>
                 <a:tab algn="l" pos="408240"/>
               </a:tabLst>
@@ -12720,6 +12241,29 @@
             </a:endParaRPr>
           </a:p>
           <a:p>
+            <a:pPr>
+              <a:lnSpc>
+                <a:spcPct val="100000"/>
+              </a:lnSpc>
+              <a:buNone/>
+              <a:tabLst>
+                <a:tab algn="l" pos="408240"/>
+              </a:tabLst>
+            </a:pPr>
+            <a:endParaRPr b="0" lang="en-US" sz="1000" spc="-1" strike="noStrike">
+              <a:latin typeface="Arial"/>
+            </a:endParaRPr>
+          </a:p>
+          <a:p>
+            <a:pPr>
+              <a:lnSpc>
+                <a:spcPct val="100000"/>
+              </a:lnSpc>
+              <a:buNone/>
+              <a:tabLst>
+                <a:tab algn="l" pos="408240"/>
+              </a:tabLst>
+            </a:pPr>
             <a:r>
               <a:rPr b="1" lang="en-US" sz="1000" spc="-1" strike="noStrike">
                 <a:solidFill>
@@ -12781,50 +12325,87 @@
                 <a:latin typeface="Verdana"/>
                 <a:ea typeface="Verdana"/>
               </a:rPr>
-              <a:t>3d Top View System Software manage </a:t>
+              <a:t>3d Top View System Software manage the vehicle surroundings : a virtual camera displays the car itself and the surroundings, helping the drivers to avoid obstacle (Driving Assistance System).</a:t>
+            </a:r>
+            <a:br>
+              <a:rPr sz="950"/>
+            </a:br>
+            <a:r>
+              <a:rPr b="1" lang="en-US" sz="950" spc="-1" strike="noStrike">
+                <a:solidFill>
+                  <a:srgbClr val="000000"/>
+                </a:solidFill>
+                <a:latin typeface="Verdana"/>
+                <a:ea typeface="Verdana"/>
+              </a:rPr>
+              <a:t>Tools:</a:t>
             </a:r>
             <a:r>
               <a:rPr b="0" lang="en-US" sz="950" spc="-1" strike="noStrike">
-                <a:latin typeface="Verdana"/>
-                <a:ea typeface="Verdana"/>
-              </a:rPr>
-              <a:t>the vehicle surroundings : a virtual camera </a:t>
-            </a:r>
+                <a:solidFill>
+                  <a:srgbClr val="000000"/>
+                </a:solidFill>
+                <a:latin typeface="Verdana"/>
+                <a:ea typeface="Verdana"/>
+              </a:rPr>
+              <a:t> Entreprise Architect, C++, CAN, Linux, Windows. </a:t>
+            </a:r>
+            <a:br>
+              <a:rPr sz="950"/>
+            </a:br>
+            <a:r>
+              <a:rPr b="1" lang="en-US" sz="950" spc="-1" strike="noStrike">
+                <a:solidFill>
+                  <a:srgbClr val="000000"/>
+                </a:solidFill>
+                <a:latin typeface="Verdana"/>
+                <a:ea typeface="Verdana"/>
+              </a:rPr>
+              <a:t>Responsibility:</a:t>
+            </a:r>
+            <a:br>
+              <a:rPr sz="950"/>
+            </a:br>
             <a:r>
               <a:rPr b="0" lang="en-US" sz="950" spc="-1" strike="noStrike">
-                <a:latin typeface="Verdana"/>
-                <a:ea typeface="Verdana"/>
-              </a:rPr>
-              <a:t>displays the car itself and the surroundings, </a:t>
-            </a:r>
+                <a:solidFill>
+                  <a:srgbClr val="000000"/>
+                </a:solidFill>
+                <a:latin typeface="Verdana"/>
+                <a:ea typeface="Verdana"/>
+              </a:rPr>
+              <a:t>* Software architect for the embedded software (model view architectural pattern),</a:t>
+            </a:r>
+            <a:br>
+              <a:rPr sz="950"/>
+            </a:br>
             <a:r>
               <a:rPr b="0" lang="en-US" sz="950" spc="-1" strike="noStrike">
-                <a:latin typeface="Verdana"/>
-                <a:ea typeface="Verdana"/>
-              </a:rPr>
-              <a:t>helping the drivers to avoid obstacle (Driving </a:t>
-            </a:r>
+                <a:solidFill>
+                  <a:srgbClr val="000000"/>
+                </a:solidFill>
+                <a:latin typeface="Verdana"/>
+                <a:ea typeface="Verdana"/>
+              </a:rPr>
+              <a:t>* CAN (Controller Area Network) library,</a:t>
+            </a:r>
+            <a:br>
+              <a:rPr sz="950"/>
+            </a:br>
             <a:r>
               <a:rPr b="0" lang="en-US" sz="950" spc="-1" strike="noStrike">
-                <a:latin typeface="Verdana"/>
-                <a:ea typeface="Verdana"/>
-              </a:rPr>
-              <a:t>Assistance System).</a:t>
+                <a:solidFill>
+                  <a:srgbClr val="000000"/>
+                </a:solidFill>
+                <a:latin typeface="Verdana"/>
+                <a:ea typeface="Verdana"/>
+              </a:rPr>
+              <a:t>* Development Multi Platform software,</a:t>
             </a:r>
             <a:br>
               <a:rPr sz="950"/>
             </a:br>
             <a:r>
-              <a:rPr b="1" lang="en-US" sz="950" spc="-1" strike="noStrike">
-                <a:solidFill>
-                  <a:srgbClr val="000000"/>
-                </a:solidFill>
-                <a:latin typeface="Verdana"/>
-                <a:ea typeface="Verdana"/>
-              </a:rPr>
-              <a:t>Tools:</a:t>
-            </a:r>
-            <a:r>
               <a:rPr b="0" lang="en-US" sz="950" spc="-1" strike="noStrike">
                 <a:solidFill>
                   <a:srgbClr val="000000"/>
@@ -12832,8 +12413,11 @@
                 <a:latin typeface="Verdana"/>
                 <a:ea typeface="Verdana"/>
               </a:rPr>
-              <a:t> </a:t>
-            </a:r>
+              <a:t>* Improving software quality,</a:t>
+            </a:r>
+            <a:br>
+              <a:rPr sz="950"/>
+            </a:br>
             <a:r>
               <a:rPr b="0" lang="en-US" sz="950" spc="-1" strike="noStrike">
                 <a:solidFill>
@@ -12842,8 +12426,11 @@
                 <a:latin typeface="Verdana"/>
                 <a:ea typeface="Verdana"/>
               </a:rPr>
-              <a:t>Entreprise Architect, C++, CAN, Linux, </a:t>
-            </a:r>
+              <a:t>* Team support,</a:t>
+            </a:r>
+            <a:br>
+              <a:rPr sz="950"/>
+            </a:br>
             <a:r>
               <a:rPr b="0" lang="en-US" sz="950" spc="-1" strike="noStrike">
                 <a:solidFill>
@@ -12852,8 +12439,11 @@
                 <a:latin typeface="Verdana"/>
                 <a:ea typeface="Verdana"/>
               </a:rPr>
-              <a:t>Windows.</a:t>
-            </a:r>
+              <a:t>* Improving team communication (web site),</a:t>
+            </a:r>
+            <a:br>
+              <a:rPr sz="950"/>
+            </a:br>
             <a:r>
               <a:rPr b="0" lang="en-US" sz="950" spc="-1" strike="noStrike">
                 <a:solidFill>
@@ -12862,13 +12452,144 @@
                 <a:latin typeface="Verdana"/>
                 <a:ea typeface="Verdana"/>
               </a:rPr>
-              <a:t> </a:t>
+              <a:t>* Maintenance of Linux system,</a:t>
             </a:r>
             <a:br>
               <a:rPr sz="950"/>
             </a:br>
             <a:r>
-              <a:rPr b="1" lang="en-US" sz="950" spc="-1" strike="noStrike">
+              <a:rPr b="0" lang="en-US" sz="950" spc="-1" strike="noStrike">
+                <a:solidFill>
+                  <a:srgbClr val="000000"/>
+                </a:solidFill>
+                <a:latin typeface="Verdana"/>
+                <a:ea typeface="Verdana"/>
+              </a:rPr>
+              <a:t>* Test-oriented development.</a:t>
+            </a:r>
+            <a:endParaRPr b="0" lang="en-US" sz="950" spc="-1" strike="noStrike">
+              <a:latin typeface="Arial"/>
+            </a:endParaRPr>
+          </a:p>
+          <a:p>
+            <a:pPr>
+              <a:lnSpc>
+                <a:spcPct val="100000"/>
+              </a:lnSpc>
+              <a:buNone/>
+              <a:tabLst>
+                <a:tab algn="l" pos="408240"/>
+              </a:tabLst>
+            </a:pPr>
+            <a:endParaRPr b="0" lang="en-US" sz="1000" spc="-1" strike="noStrike">
+              <a:latin typeface="Arial"/>
+            </a:endParaRPr>
+          </a:p>
+          <a:p>
+            <a:pPr>
+              <a:lnSpc>
+                <a:spcPct val="100000"/>
+              </a:lnSpc>
+              <a:buNone/>
+              <a:tabLst>
+                <a:tab algn="l" pos="408240"/>
+              </a:tabLst>
+            </a:pPr>
+            <a:r>
+              <a:rPr b="1" lang="en-US" sz="1000" spc="-1" strike="noStrike">
+                <a:solidFill>
+                  <a:srgbClr val="000000"/>
+                </a:solidFill>
+                <a:latin typeface="Verdana"/>
+                <a:ea typeface="Verdana"/>
+              </a:rPr>
+              <a:t>Role</a:t>
+            </a:r>
+            <a:r>
+              <a:rPr b="0" lang="en-US" sz="1000" spc="-1" strike="noStrike">
+                <a:solidFill>
+                  <a:srgbClr val="000000"/>
+                </a:solidFill>
+                <a:latin typeface="Verdana"/>
+                <a:ea typeface="Verdana"/>
+              </a:rPr>
+              <a:t>: </a:t>
+            </a:r>
+            <a:r>
+              <a:rPr b="0" lang="en-US" sz="1000" spc="-1" strike="noStrike">
+                <a:latin typeface="Verdana"/>
+                <a:ea typeface="Verdana"/>
+              </a:rPr>
+              <a:t>Software Engineer</a:t>
+            </a:r>
+            <a:br>
+              <a:rPr sz="1000"/>
+            </a:br>
+            <a:r>
+              <a:rPr b="1" lang="en-US" sz="1000" spc="-1" strike="noStrike">
+                <a:solidFill>
+                  <a:srgbClr val="000000"/>
+                </a:solidFill>
+                <a:latin typeface="Verdana"/>
+                <a:ea typeface="Verdana"/>
+              </a:rPr>
+              <a:t>Industry: </a:t>
+            </a:r>
+            <a:r>
+              <a:rPr b="0" lang="en-US" sz="1000" spc="-1" strike="noStrike">
+                <a:solidFill>
+                  <a:srgbClr val="000000"/>
+                </a:solidFill>
+                <a:latin typeface="Verdana"/>
+                <a:ea typeface="Verdana"/>
+              </a:rPr>
+              <a:t>Railroad UK</a:t>
+            </a:r>
+            <a:br>
+              <a:rPr sz="1000"/>
+            </a:br>
+            <a:r>
+              <a:rPr b="1" lang="en-US" sz="1000" spc="-1" strike="noStrike">
+                <a:solidFill>
+                  <a:srgbClr val="000000"/>
+                </a:solidFill>
+                <a:latin typeface="Verdana"/>
+                <a:ea typeface="Verdana"/>
+              </a:rPr>
+              <a:t>Project: </a:t>
+            </a:r>
+            <a:r>
+              <a:rPr b="0" lang="en-US" sz="1000" spc="-1" strike="noStrike">
+                <a:latin typeface="Verdana"/>
+                <a:ea typeface="Verdana"/>
+              </a:rPr>
+              <a:t>Long term support for this embedded software (&gt;10 years)</a:t>
+            </a:r>
+            <a:br>
+              <a:rPr sz="1000"/>
+            </a:br>
+            <a:r>
+              <a:rPr b="1" lang="en-US" sz="1000" spc="-1" strike="noStrike">
+                <a:solidFill>
+                  <a:srgbClr val="000000"/>
+                </a:solidFill>
+                <a:latin typeface="Verdana"/>
+                <a:ea typeface="Verdana"/>
+              </a:rPr>
+              <a:t>Tools: </a:t>
+            </a:r>
+            <a:r>
+              <a:rPr b="0" lang="en-US" sz="1000" spc="-1" strike="noStrike">
+                <a:latin typeface="Verdana"/>
+                <a:ea typeface="Verdana"/>
+              </a:rPr>
+              <a:t>C++, Embedded Windows CE.</a:t>
+            </a:r>
+            <a:br>
+              <a:rPr sz="1000"/>
+            </a:br>
+            <a:r>
+              <a:rPr b="1" lang="en-US" sz="1000" spc="-1" strike="noStrike">
                 <a:solidFill>
                   <a:srgbClr val="000000"/>
                 </a:solidFill>
@@ -12878,10 +12599,10 @@
               <a:t>Responsibility:</a:t>
             </a:r>
             <a:br>
-              <a:rPr sz="950"/>
-            </a:br>
-            <a:r>
-              <a:rPr b="0" lang="en-US" sz="950" spc="-1" strike="noStrike">
+              <a:rPr sz="1000"/>
+            </a:br>
+            <a:r>
+              <a:rPr b="1" lang="en-US" sz="1000" spc="-1" strike="noStrike">
                 <a:solidFill>
                   <a:srgbClr val="000000"/>
                 </a:solidFill>
@@ -12891,121 +12612,43 @@
               <a:t>* </a:t>
             </a:r>
             <a:r>
-              <a:rPr b="0" lang="en-US" sz="950" spc="-1" strike="noStrike">
-                <a:solidFill>
-                  <a:srgbClr val="000000"/>
-                </a:solidFill>
-                <a:latin typeface="Verdana"/>
-                <a:ea typeface="Verdana"/>
-              </a:rPr>
-              <a:t>Software architect for the embedded software </a:t>
-            </a:r>
-            <a:r>
-              <a:rPr b="0" lang="en-US" sz="950" spc="-1" strike="noStrike">
-                <a:solidFill>
-                  <a:srgbClr val="000000"/>
-                </a:solidFill>
-                <a:latin typeface="Verdana"/>
-                <a:ea typeface="Verdana"/>
-              </a:rPr>
-              <a:t>(model view architectural pattern),</a:t>
-            </a:r>
-            <a:br>
-              <a:rPr sz="950"/>
-            </a:br>
-            <a:r>
-              <a:rPr b="0" lang="en-US" sz="950" spc="-1" strike="noStrike">
-                <a:solidFill>
-                  <a:srgbClr val="000000"/>
-                </a:solidFill>
-                <a:latin typeface="Verdana"/>
-                <a:ea typeface="Verdana"/>
-              </a:rPr>
-              <a:t>* CAN (Controller Area Network) library,</a:t>
-            </a:r>
-            <a:br>
-              <a:rPr sz="950"/>
-            </a:br>
-            <a:r>
-              <a:rPr b="0" lang="en-US" sz="950" spc="-1" strike="noStrike">
-                <a:solidFill>
-                  <a:srgbClr val="000000"/>
-                </a:solidFill>
-                <a:latin typeface="Verdana"/>
-                <a:ea typeface="Verdana"/>
-              </a:rPr>
-              <a:t>* Development Multi Platform software,</a:t>
-            </a:r>
-            <a:br>
-              <a:rPr sz="950"/>
-            </a:br>
-            <a:r>
-              <a:rPr b="0" lang="en-US" sz="950" spc="-1" strike="noStrike">
-                <a:solidFill>
-                  <a:srgbClr val="000000"/>
-                </a:solidFill>
-                <a:latin typeface="Verdana"/>
-                <a:ea typeface="Verdana"/>
-              </a:rPr>
-              <a:t>* Improving software quality,</a:t>
-            </a:r>
-            <a:br>
-              <a:rPr sz="950"/>
-            </a:br>
-            <a:r>
-              <a:rPr b="0" lang="en-US" sz="950" spc="-1" strike="noStrike">
-                <a:solidFill>
-                  <a:srgbClr val="000000"/>
-                </a:solidFill>
-                <a:latin typeface="Verdana"/>
-                <a:ea typeface="Verdana"/>
-              </a:rPr>
-              <a:t>* Team support,</a:t>
-            </a:r>
-            <a:br>
-              <a:rPr sz="950"/>
-            </a:br>
-            <a:r>
-              <a:rPr b="0" lang="en-US" sz="950" spc="-1" strike="noStrike">
-                <a:solidFill>
-                  <a:srgbClr val="000000"/>
-                </a:solidFill>
-                <a:latin typeface="Verdana"/>
-                <a:ea typeface="Verdana"/>
-              </a:rPr>
-              <a:t>* Improving team communication (web site),</a:t>
-            </a:r>
-            <a:br>
-              <a:rPr sz="950"/>
-            </a:br>
-            <a:r>
-              <a:rPr b="0" lang="en-US" sz="950" spc="-1" strike="noStrike">
-                <a:solidFill>
-                  <a:srgbClr val="000000"/>
-                </a:solidFill>
-                <a:latin typeface="Verdana"/>
-                <a:ea typeface="Verdana"/>
-              </a:rPr>
-              <a:t>* Maintenance of Linux system,</a:t>
-            </a:r>
-            <a:br>
-              <a:rPr sz="950"/>
-            </a:br>
-            <a:r>
-              <a:rPr b="0" lang="en-US" sz="950" spc="-1" strike="noStrike">
-                <a:solidFill>
-                  <a:srgbClr val="000000"/>
-                </a:solidFill>
-                <a:latin typeface="Verdana"/>
-                <a:ea typeface="Verdana"/>
-              </a:rPr>
-              <a:t>* Test-oriented development.</a:t>
-            </a:r>
-            <a:endParaRPr b="0" lang="en-US" sz="950" spc="-1" strike="noStrike">
-              <a:latin typeface="Arial"/>
-            </a:endParaRPr>
-          </a:p>
-          <a:p>
+              <a:rPr b="0" lang="en-US" sz="1000" spc="-1" strike="noStrike">
+                <a:solidFill>
+                  <a:srgbClr val="000000"/>
+                </a:solidFill>
+                <a:latin typeface="Verdana"/>
+                <a:ea typeface="Verdana"/>
+              </a:rPr>
+              <a:t>Update and Support on location</a:t>
+            </a:r>
+            <a:endParaRPr b="0" lang="en-US" sz="1000" spc="-1" strike="noStrike">
+              <a:latin typeface="Arial"/>
+            </a:endParaRPr>
+          </a:p>
+          <a:p>
+            <a:pPr>
+              <a:lnSpc>
+                <a:spcPct val="100000"/>
+              </a:lnSpc>
+              <a:buNone/>
+              <a:tabLst>
+                <a:tab algn="l" pos="408240"/>
+              </a:tabLst>
+            </a:pPr>
+            <a:endParaRPr b="0" lang="en-US" sz="1000" spc="-1" strike="noStrike">
+              <a:latin typeface="Arial"/>
+            </a:endParaRPr>
+          </a:p>
+          <a:p>
+            <a:pPr>
+              <a:lnSpc>
+                <a:spcPct val="100000"/>
+              </a:lnSpc>
+              <a:buNone/>
+              <a:tabLst>
+                <a:tab algn="l" pos="408240"/>
+              </a:tabLst>
+            </a:pPr>
             <a:r>
               <a:rPr b="1" lang="en-US" sz="1000" spc="-1" strike="noStrike">
                 <a:solidFill>
@@ -13031,7 +12674,7 @@
                 <a:latin typeface="Verdana"/>
                 <a:ea typeface="Verdana"/>
               </a:rPr>
-              <a:t>Software Engineer</a:t>
+              <a:t>Software Architect</a:t>
             </a:r>
             <a:br>
               <a:rPr sz="1000"/>
@@ -13044,7 +12687,7 @@
                 <a:latin typeface="Verdana"/>
                 <a:ea typeface="Verdana"/>
               </a:rPr>
-              <a:t>Industry: </a:t>
+              <a:t>Industry:</a:t>
             </a:r>
             <a:r>
               <a:rPr b="0" lang="en-US" sz="1000" spc="-1" strike="noStrike">
@@ -13054,7 +12697,7 @@
                 <a:latin typeface="Verdana"/>
                 <a:ea typeface="Verdana"/>
               </a:rPr>
-              <a:t>Railroad UK</a:t>
+              <a:t> Medical devices</a:t>
             </a:r>
             <a:br>
               <a:rPr sz="1000"/>
@@ -13071,17 +12714,36 @@
             </a:r>
             <a:r>
               <a:rPr b="0" lang="en-US" sz="1000" spc="-1" strike="noStrike">
-                <a:latin typeface="Verdana"/>
-                <a:ea typeface="Verdana"/>
-              </a:rPr>
-              <a:t>Long term support for this embedded </a:t>
+                <a:solidFill>
+                  <a:srgbClr val="000000"/>
+                </a:solidFill>
+                <a:latin typeface="Verdana"/>
+                <a:ea typeface="Verdana"/>
+              </a:rPr>
+              <a:t>New generation of high tech medical instrument</a:t>
+            </a:r>
+            <a:br>
+              <a:rPr sz="1000"/>
+            </a:br>
+            <a:r>
+              <a:rPr b="1" lang="en-US" sz="1000" spc="-1" strike="noStrike">
+                <a:solidFill>
+                  <a:srgbClr val="000000"/>
+                </a:solidFill>
+                <a:latin typeface="Verdana"/>
+                <a:ea typeface="Verdana"/>
+              </a:rPr>
+              <a:t>Tools: </a:t>
             </a:r>
             <a:r>
               <a:rPr b="0" lang="en-US" sz="1000" spc="-1" strike="noStrike">
-                <a:latin typeface="Verdana"/>
-                <a:ea typeface="Verdana"/>
-              </a:rPr>
-              <a:t>software (&gt;10 years)</a:t>
+                <a:solidFill>
+                  <a:srgbClr val="000000"/>
+                </a:solidFill>
+                <a:latin typeface="Verdana"/>
+                <a:ea typeface="Verdana"/>
+              </a:rPr>
+              <a:t>C++, Qt, QtEmu.</a:t>
             </a:r>
             <a:br>
               <a:rPr sz="1000"/>
@@ -13094,42 +12756,38 @@
                 <a:latin typeface="Verdana"/>
                 <a:ea typeface="Verdana"/>
               </a:rPr>
-              <a:t>Tools: </a:t>
-            </a:r>
+              <a:t>Responsibility:</a:t>
+            </a:r>
+            <a:br>
+              <a:rPr sz="1000"/>
+            </a:br>
             <a:r>
               <a:rPr b="0" lang="en-US" sz="1000" spc="-1" strike="noStrike">
-                <a:latin typeface="Verdana"/>
-                <a:ea typeface="Verdana"/>
-              </a:rPr>
-              <a:t>C++, Embedded Windows CE.</a:t>
+                <a:solidFill>
+                  <a:srgbClr val="000000"/>
+                </a:solidFill>
+                <a:latin typeface="Verdana"/>
+                <a:ea typeface="Verdana"/>
+              </a:rPr>
+              <a:t>* Software architect for the embedded software (model view architectural pattern),</a:t>
             </a:r>
             <a:br>
               <a:rPr sz="1000"/>
             </a:br>
             <a:r>
-              <a:rPr b="1" lang="en-US" sz="1000" spc="-1" strike="noStrike">
-                <a:solidFill>
-                  <a:srgbClr val="000000"/>
-                </a:solidFill>
-                <a:latin typeface="Verdana"/>
-                <a:ea typeface="Verdana"/>
-              </a:rPr>
-              <a:t>Responsibility:</a:t>
+              <a:rPr b="0" lang="en-US" sz="1000" spc="-1" strike="noStrike">
+                <a:solidFill>
+                  <a:srgbClr val="000000"/>
+                </a:solidFill>
+                <a:latin typeface="Verdana"/>
+                <a:ea typeface="Verdana"/>
+              </a:rPr>
+              <a:t>* State machine conception and development,</a:t>
             </a:r>
             <a:br>
               <a:rPr sz="1000"/>
             </a:br>
             <a:r>
-              <a:rPr b="1" lang="en-US" sz="1000" spc="-1" strike="noStrike">
-                <a:solidFill>
-                  <a:srgbClr val="000000"/>
-                </a:solidFill>
-                <a:latin typeface="Verdana"/>
-                <a:ea typeface="Verdana"/>
-              </a:rPr>
-              <a:t>* </a:t>
-            </a:r>
-            <a:r>
               <a:rPr b="0" lang="en-US" sz="1000" spc="-1" strike="noStrike">
                 <a:solidFill>
                   <a:srgbClr val="000000"/>
@@ -13137,240 +12795,7 @@
                 <a:latin typeface="Verdana"/>
                 <a:ea typeface="Verdana"/>
               </a:rPr>
-              <a:t>Update and Support on location</a:t>
-            </a:r>
-            <a:endParaRPr b="0" lang="en-US" sz="1000" spc="-1" strike="noStrike">
-              <a:latin typeface="Arial"/>
-            </a:endParaRPr>
-          </a:p>
-          <a:p>
-            <a:r>
-              <a:rPr b="1" lang="en-US" sz="1000" spc="-1" strike="noStrike">
-                <a:solidFill>
-                  <a:srgbClr val="000000"/>
-                </a:solidFill>
-                <a:latin typeface="Verdana"/>
-                <a:ea typeface="Verdana"/>
-              </a:rPr>
-              <a:t>Role</a:t>
-            </a:r>
-            <a:r>
-              <a:rPr b="0" lang="en-US" sz="1000" spc="-1" strike="noStrike">
-                <a:solidFill>
-                  <a:srgbClr val="000000"/>
-                </a:solidFill>
-                <a:latin typeface="Verdana"/>
-                <a:ea typeface="Verdana"/>
-              </a:rPr>
-              <a:t>: </a:t>
-            </a:r>
-            <a:r>
-              <a:rPr b="0" lang="en-US" sz="1000" spc="-1" strike="noStrike">
-                <a:latin typeface="Verdana"/>
-                <a:ea typeface="Verdana"/>
-              </a:rPr>
-              <a:t>Software Architect</a:t>
-            </a:r>
-            <a:br>
-              <a:rPr sz="1000"/>
-            </a:br>
-            <a:r>
-              <a:rPr b="1" lang="en-US" sz="1000" spc="-1" strike="noStrike">
-                <a:solidFill>
-                  <a:srgbClr val="000000"/>
-                </a:solidFill>
-                <a:latin typeface="Verdana"/>
-                <a:ea typeface="Verdana"/>
-              </a:rPr>
-              <a:t>Industry:</a:t>
-            </a:r>
-            <a:r>
-              <a:rPr b="0" lang="en-US" sz="1000" spc="-1" strike="noStrike">
-                <a:solidFill>
-                  <a:srgbClr val="000000"/>
-                </a:solidFill>
-                <a:latin typeface="Verdana"/>
-                <a:ea typeface="Verdana"/>
-              </a:rPr>
-              <a:t> </a:t>
-            </a:r>
-            <a:r>
-              <a:rPr b="0" lang="en-US" sz="1000" spc="-1" strike="noStrike">
-                <a:solidFill>
-                  <a:srgbClr val="000000"/>
-                </a:solidFill>
-                <a:latin typeface="Verdana"/>
-                <a:ea typeface="Verdana"/>
-              </a:rPr>
-              <a:t>Medical devices</a:t>
-            </a:r>
-            <a:br>
-              <a:rPr sz="1000"/>
-            </a:br>
-            <a:r>
-              <a:rPr b="1" lang="en-US" sz="1000" spc="-1" strike="noStrike">
-                <a:solidFill>
-                  <a:srgbClr val="000000"/>
-                </a:solidFill>
-                <a:latin typeface="Verdana"/>
-                <a:ea typeface="Verdana"/>
-              </a:rPr>
-              <a:t>Project: </a:t>
-            </a:r>
-            <a:r>
-              <a:rPr b="0" lang="en-US" sz="1000" spc="-1" strike="noStrike">
-                <a:solidFill>
-                  <a:srgbClr val="000000"/>
-                </a:solidFill>
-                <a:latin typeface="Verdana"/>
-                <a:ea typeface="Verdana"/>
-              </a:rPr>
-              <a:t>N</a:t>
-            </a:r>
-            <a:r>
-              <a:rPr b="0" lang="en-US" sz="1000" spc="-1" strike="noStrike">
-                <a:solidFill>
-                  <a:srgbClr val="000000"/>
-                </a:solidFill>
-                <a:latin typeface="Verdana"/>
-                <a:ea typeface="Verdana"/>
-              </a:rPr>
-              <a:t>ew generation of high tech medical </a:t>
-            </a:r>
-            <a:r>
-              <a:rPr b="0" lang="en-US" sz="1000" spc="-1" strike="noStrike">
-                <a:solidFill>
-                  <a:srgbClr val="000000"/>
-                </a:solidFill>
-                <a:latin typeface="Verdana"/>
-                <a:ea typeface="Verdana"/>
-              </a:rPr>
-              <a:t>instrument</a:t>
-            </a:r>
-            <a:br>
-              <a:rPr sz="1000"/>
-            </a:br>
-            <a:r>
-              <a:rPr b="1" lang="en-US" sz="1000" spc="-1" strike="noStrike">
-                <a:solidFill>
-                  <a:srgbClr val="000000"/>
-                </a:solidFill>
-                <a:latin typeface="Verdana"/>
-                <a:ea typeface="Verdana"/>
-              </a:rPr>
-              <a:t>Tools: </a:t>
-            </a:r>
-            <a:r>
-              <a:rPr b="0" lang="en-US" sz="1000" spc="-1" strike="noStrike">
-                <a:solidFill>
-                  <a:srgbClr val="000000"/>
-                </a:solidFill>
-                <a:latin typeface="Verdana"/>
-                <a:ea typeface="Verdana"/>
-              </a:rPr>
-              <a:t>C++, Qt, QtEmu</a:t>
-            </a:r>
-            <a:r>
-              <a:rPr b="0" lang="en-US" sz="1000" spc="-1" strike="noStrike">
-                <a:solidFill>
-                  <a:srgbClr val="000000"/>
-                </a:solidFill>
-                <a:latin typeface="Verdana"/>
-                <a:ea typeface="Verdana"/>
-              </a:rPr>
-              <a:t>.</a:t>
-            </a:r>
-            <a:br>
-              <a:rPr sz="1000"/>
-            </a:br>
-            <a:r>
-              <a:rPr b="1" lang="en-US" sz="1000" spc="-1" strike="noStrike">
-                <a:solidFill>
-                  <a:srgbClr val="000000"/>
-                </a:solidFill>
-                <a:latin typeface="Verdana"/>
-                <a:ea typeface="Verdana"/>
-              </a:rPr>
-              <a:t>Responsibility:</a:t>
-            </a:r>
-            <a:br>
-              <a:rPr sz="1000"/>
-            </a:br>
-            <a:r>
-              <a:rPr b="0" lang="en-US" sz="1000" spc="-1" strike="noStrike">
-                <a:solidFill>
-                  <a:srgbClr val="000000"/>
-                </a:solidFill>
-                <a:latin typeface="Verdana"/>
-                <a:ea typeface="Verdana"/>
-              </a:rPr>
-              <a:t>* </a:t>
-            </a:r>
-            <a:r>
-              <a:rPr b="0" lang="en-US" sz="1000" spc="-1" strike="noStrike">
-                <a:solidFill>
-                  <a:srgbClr val="000000"/>
-                </a:solidFill>
-                <a:latin typeface="Verdana"/>
-                <a:ea typeface="Verdana"/>
-              </a:rPr>
-              <a:t>Software architect for the embedded software </a:t>
-            </a:r>
-            <a:r>
-              <a:rPr b="0" lang="en-US" sz="1000" spc="-1" strike="noStrike">
-                <a:solidFill>
-                  <a:srgbClr val="000000"/>
-                </a:solidFill>
-                <a:latin typeface="Verdana"/>
-                <a:ea typeface="Verdana"/>
-              </a:rPr>
-              <a:t>(model view architectural pattern),</a:t>
-            </a:r>
-            <a:br>
-              <a:rPr sz="1000"/>
-            </a:br>
-            <a:r>
-              <a:rPr b="0" lang="en-US" sz="1000" spc="-1" strike="noStrike">
-                <a:solidFill>
-                  <a:srgbClr val="000000"/>
-                </a:solidFill>
-                <a:latin typeface="Verdana"/>
-                <a:ea typeface="Verdana"/>
-              </a:rPr>
-              <a:t>* </a:t>
-            </a:r>
-            <a:r>
-              <a:rPr b="0" lang="en-US" sz="1000" spc="-1" strike="noStrike">
-                <a:solidFill>
-                  <a:srgbClr val="000000"/>
-                </a:solidFill>
-                <a:latin typeface="Verdana"/>
-                <a:ea typeface="Verdana"/>
-              </a:rPr>
-              <a:t>State machine conception and development,</a:t>
-            </a:r>
-            <a:br>
-              <a:rPr sz="1000"/>
-            </a:br>
-            <a:r>
-              <a:rPr b="0" lang="en-US" sz="1000" spc="-1" strike="noStrike">
-                <a:solidFill>
-                  <a:srgbClr val="000000"/>
-                </a:solidFill>
-                <a:latin typeface="Verdana"/>
-                <a:ea typeface="Verdana"/>
-              </a:rPr>
-              <a:t>* Conception and development of several </a:t>
-            </a:r>
-            <a:r>
-              <a:rPr b="0" lang="en-US" sz="1000" spc="-1" strike="noStrike">
-                <a:solidFill>
-                  <a:srgbClr val="000000"/>
-                </a:solidFill>
-                <a:latin typeface="Verdana"/>
-                <a:ea typeface="Verdana"/>
-              </a:rPr>
-              <a:t>functionalities,</a:t>
+              <a:t>* Conception and development of several functionalities,</a:t>
             </a:r>
             <a:br>
               <a:rPr sz="1000"/>
@@ -13476,7 +12901,7 @@
         <p:spPr>
           <a:xfrm>
             <a:off x="7543800" y="685800"/>
-            <a:ext cx="4384080" cy="5817240"/>
+            <a:ext cx="4383720" cy="5816880"/>
           </a:xfrm>
           <a:prstGeom prst="rect">
             <a:avLst/>
@@ -13511,7 +12936,7 @@
         <p:spPr>
           <a:xfrm>
             <a:off x="3429000" y="310320"/>
-            <a:ext cx="4175640" cy="411480"/>
+            <a:ext cx="4175280" cy="411120"/>
           </a:xfrm>
           <a:prstGeom prst="rect">
             <a:avLst/>
@@ -13566,7 +12991,7 @@
         <p:spPr>
           <a:xfrm>
             <a:off x="407880" y="5580720"/>
-            <a:ext cx="3022920" cy="331200"/>
+            <a:ext cx="3022560" cy="330840"/>
           </a:xfrm>
           <a:prstGeom prst="rect">
             <a:avLst/>
@@ -13621,7 +13046,7 @@
         <p:spPr>
           <a:xfrm>
             <a:off x="407880" y="3601800"/>
-            <a:ext cx="3022920" cy="411480"/>
+            <a:ext cx="3022560" cy="411120"/>
           </a:xfrm>
           <a:prstGeom prst="rect">
             <a:avLst/>
@@ -13681,7 +13106,7 @@
         <p:spPr>
           <a:xfrm>
             <a:off x="407880" y="4038120"/>
-            <a:ext cx="3022920" cy="539280"/>
+            <a:ext cx="3022560" cy="538920"/>
           </a:xfrm>
           <a:prstGeom prst="rect">
             <a:avLst/>
@@ -13741,7 +13166,7 @@
         <p:spPr>
           <a:xfrm>
             <a:off x="407880" y="5913360"/>
-            <a:ext cx="3022920" cy="539280"/>
+            <a:ext cx="3022560" cy="538920"/>
           </a:xfrm>
           <a:prstGeom prst="rect">
             <a:avLst/>
@@ -13797,7 +13222,7 @@
         <p:spPr>
           <a:xfrm>
             <a:off x="407880" y="4484520"/>
-            <a:ext cx="3022920" cy="331200"/>
+            <a:ext cx="3022560" cy="330840"/>
           </a:xfrm>
           <a:prstGeom prst="rect">
             <a:avLst/>
@@ -13852,7 +13277,7 @@
         <p:spPr>
           <a:xfrm>
             <a:off x="408960" y="4833360"/>
-            <a:ext cx="3021840" cy="539280"/>
+            <a:ext cx="3021480" cy="538920"/>
           </a:xfrm>
           <a:prstGeom prst="rect">
             <a:avLst/>
@@ -13891,17 +13316,7 @@
                 <a:latin typeface="Calibri"/>
                 <a:ea typeface="DejaVu Sans"/>
               </a:rPr>
-              <a:t>Software Development, Integration, </a:t>
-            </a:r>
-            <a:r>
-              <a:rPr b="0" lang="en-GB" sz="1400" spc="-1" strike="noStrike">
-                <a:solidFill>
-                  <a:srgbClr val="ffffff"/>
-                </a:solidFill>
-                <a:latin typeface="Calibri"/>
-                <a:ea typeface="DejaVu Sans"/>
-              </a:rPr>
-              <a:t>test &amp; validation</a:t>
+              <a:t>Software Development, Integration, test &amp; validation</a:t>
             </a:r>
             <a:endParaRPr b="0" lang="en-US" sz="1400" spc="-1" strike="noStrike">
               <a:latin typeface="Arial"/>
@@ -13922,7 +13337,7 @@
         <p:spPr>
           <a:xfrm>
             <a:off x="7714080" y="551520"/>
-            <a:ext cx="4171320" cy="5392080"/>
+            <a:ext cx="4170960" cy="5391720"/>
           </a:xfrm>
           <a:prstGeom prst="rect">
             <a:avLst/>
@@ -13937,18 +13352,14 @@
             <a:noAutofit/>
           </a:bodyPr>
           <a:p>
-            <a:pPr lvl="1" marL="232920" indent="-228600">
+            <a:pPr>
               <a:lnSpc>
                 <a:spcPct val="100000"/>
               </a:lnSpc>
               <a:spcBef>
-                <a:spcPts val="601"/>
+                <a:spcPts val="1417"/>
               </a:spcBef>
-              <a:buClr>
-                <a:srgbClr val="0070ad"/>
-              </a:buClr>
-              <a:buFont typeface="Wingdings" charset="2"/>
-              <a:buChar char=""/>
+              <a:buNone/>
               <a:tabLst>
                 <a:tab algn="l" pos="408240"/>
               </a:tabLst>
@@ -13958,6 +13369,15 @@
             </a:endParaRPr>
           </a:p>
           <a:p>
+            <a:pPr>
+              <a:lnSpc>
+                <a:spcPct val="100000"/>
+              </a:lnSpc>
+              <a:buNone/>
+              <a:tabLst>
+                <a:tab algn="l" pos="408240"/>
+              </a:tabLst>
+            </a:pPr>
             <a:r>
               <a:rPr b="1" lang="en-US" sz="1000" spc="-1" strike="noStrike">
                 <a:solidFill>
@@ -14039,14 +13459,30 @@
                 <a:latin typeface="Verdana"/>
                 <a:ea typeface="Verdana"/>
               </a:rPr>
-              <a:t>oving an headquarters, bringing 600 </a:t>
+              <a:t>oving an headquarters, bringing 600 new PCs at the new headquarters.</a:t>
+            </a:r>
+            <a:br>
+              <a:rPr sz="950"/>
+            </a:br>
+            <a:r>
+              <a:rPr b="1" lang="en-US" sz="950" spc="-1" strike="noStrike">
+                <a:solidFill>
+                  <a:srgbClr val="000000"/>
+                </a:solidFill>
+                <a:latin typeface="Verdana"/>
+                <a:ea typeface="Verdana"/>
+              </a:rPr>
+              <a:t>Tools:</a:t>
             </a:r>
             <a:r>
               <a:rPr b="0" lang="en-US" sz="950" spc="-1" strike="noStrike">
-                <a:latin typeface="Verdana"/>
-                <a:ea typeface="Verdana"/>
-              </a:rPr>
-              <a:t>new PCs at the new headquarters.</a:t>
+                <a:solidFill>
+                  <a:srgbClr val="000000"/>
+                </a:solidFill>
+                <a:latin typeface="Verdana"/>
+                <a:ea typeface="Verdana"/>
+              </a:rPr>
+              <a:t> MS Project, Windows</a:t>
             </a:r>
             <a:br>
               <a:rPr sz="950"/>
@@ -14059,23 +13495,183 @@
                 <a:latin typeface="Verdana"/>
                 <a:ea typeface="Verdana"/>
               </a:rPr>
+              <a:t>Responsibility:</a:t>
+            </a:r>
+            <a:r>
+              <a:rPr b="0" lang="en-US" sz="950" spc="-1" strike="noStrike">
+                <a:solidFill>
+                  <a:srgbClr val="000000"/>
+                </a:solidFill>
+                <a:latin typeface="Verdana"/>
+                <a:ea typeface="Verdana"/>
+              </a:rPr>
+              <a:t> </a:t>
+            </a:r>
+            <a:br>
+              <a:rPr sz="950"/>
+            </a:br>
+            <a:r>
+              <a:rPr b="0" lang="en-US" sz="950" spc="-1" strike="noStrike">
+                <a:solidFill>
+                  <a:srgbClr val="000000"/>
+                </a:solidFill>
+                <a:latin typeface="Verdana"/>
+                <a:ea typeface="Verdana"/>
+              </a:rPr>
+              <a:t>* Management of the project under MS Project (50 people, 300 tasks).</a:t>
+            </a:r>
+            <a:br>
+              <a:rPr sz="950"/>
+            </a:br>
+            <a:r>
+              <a:rPr b="0" lang="en-US" sz="950" spc="-1" strike="noStrike">
+                <a:solidFill>
+                  <a:srgbClr val="000000"/>
+                </a:solidFill>
+                <a:latin typeface="Verdana"/>
+                <a:ea typeface="Verdana"/>
+              </a:rPr>
+              <a:t>* Safeguard, then migration of the data,</a:t>
+            </a:r>
+            <a:br>
+              <a:rPr sz="950"/>
+            </a:br>
+            <a:r>
+              <a:rPr b="0" lang="en-US" sz="950" spc="-1" strike="noStrike">
+                <a:solidFill>
+                  <a:srgbClr val="000000"/>
+                </a:solidFill>
+                <a:latin typeface="Verdana"/>
+                <a:ea typeface="Verdana"/>
+              </a:rPr>
+              <a:t>* Software standardization.</a:t>
+            </a:r>
+            <a:endParaRPr b="0" lang="en-US" sz="950" spc="-1" strike="noStrike">
+              <a:latin typeface="Arial"/>
+            </a:endParaRPr>
+          </a:p>
+          <a:p>
+            <a:pPr>
+              <a:lnSpc>
+                <a:spcPct val="100000"/>
+              </a:lnSpc>
+              <a:buNone/>
+              <a:tabLst>
+                <a:tab algn="l" pos="408240"/>
+              </a:tabLst>
+            </a:pPr>
+            <a:endParaRPr b="0" lang="en-US" sz="1000" spc="-1" strike="noStrike">
+              <a:latin typeface="Arial"/>
+            </a:endParaRPr>
+          </a:p>
+          <a:p>
+            <a:pPr>
+              <a:lnSpc>
+                <a:spcPct val="100000"/>
+              </a:lnSpc>
+              <a:buNone/>
+              <a:tabLst>
+                <a:tab algn="l" pos="408240"/>
+              </a:tabLst>
+            </a:pPr>
+            <a:r>
+              <a:rPr b="1" lang="en-US" sz="1000" spc="-1" strike="noStrike">
+                <a:solidFill>
+                  <a:srgbClr val="000000"/>
+                </a:solidFill>
+                <a:latin typeface="Verdana"/>
+                <a:ea typeface="Verdana"/>
+              </a:rPr>
+              <a:t>Role</a:t>
+            </a:r>
+            <a:r>
+              <a:rPr b="0" lang="en-US" sz="1000" spc="-1" strike="noStrike">
+                <a:solidFill>
+                  <a:srgbClr val="000000"/>
+                </a:solidFill>
+                <a:latin typeface="Verdana"/>
+                <a:ea typeface="Verdana"/>
+              </a:rPr>
+              <a:t>: Analyst and Software Engineer</a:t>
+            </a:r>
+            <a:br>
+              <a:rPr sz="1000"/>
+            </a:br>
+            <a:r>
+              <a:rPr b="1" lang="en-US" sz="1000" spc="-1" strike="noStrike">
+                <a:solidFill>
+                  <a:srgbClr val="000000"/>
+                </a:solidFill>
+                <a:latin typeface="Verdana"/>
+                <a:ea typeface="Verdana"/>
+              </a:rPr>
+              <a:t>Industry: </a:t>
+            </a:r>
+            <a:r>
+              <a:rPr b="0" lang="en-US" sz="1000" spc="-1" strike="noStrike">
+                <a:solidFill>
+                  <a:srgbClr val="000000"/>
+                </a:solidFill>
+                <a:latin typeface="Verdana"/>
+                <a:ea typeface="Verdana"/>
+              </a:rPr>
+              <a:t>Defense - Aircraft</a:t>
+            </a:r>
+            <a:br>
+              <a:rPr sz="1000"/>
+            </a:br>
+            <a:r>
+              <a:rPr b="1" lang="en-US" sz="1000" spc="-1" strike="noStrike">
+                <a:solidFill>
+                  <a:srgbClr val="000000"/>
+                </a:solidFill>
+                <a:latin typeface="Verdana"/>
+                <a:ea typeface="Verdana"/>
+              </a:rPr>
+              <a:t>Project: </a:t>
+            </a:r>
+            <a:r>
+              <a:rPr b="0" lang="en-US" sz="1000" spc="-1" strike="noStrike">
+                <a:latin typeface="Verdana"/>
+                <a:ea typeface="Verdana"/>
+              </a:rPr>
+              <a:t>Embedded software development for a French fighter, within a team of 50 engineers.</a:t>
+            </a:r>
+            <a:br>
+              <a:rPr sz="1000"/>
+            </a:br>
+            <a:r>
+              <a:rPr b="1" lang="en-US" sz="1000" spc="-1" strike="noStrike">
+                <a:solidFill>
+                  <a:srgbClr val="000000"/>
+                </a:solidFill>
+                <a:latin typeface="Verdana"/>
+                <a:ea typeface="Verdana"/>
+              </a:rPr>
               <a:t>Tools:</a:t>
             </a:r>
             <a:r>
-              <a:rPr b="0" lang="en-US" sz="950" spc="-1" strike="noStrike">
-                <a:solidFill>
-                  <a:srgbClr val="000000"/>
-                </a:solidFill>
-                <a:latin typeface="Verdana"/>
-                <a:ea typeface="Verdana"/>
-              </a:rPr>
-              <a:t> MS Project, Windows</a:t>
-            </a:r>
-            <a:br>
-              <a:rPr sz="950"/>
-            </a:br>
-            <a:r>
-              <a:rPr b="1" lang="en-US" sz="950" spc="-1" strike="noStrike">
+              <a:rPr b="0" lang="en-US" sz="1000" spc="-1" strike="noStrike">
+                <a:solidFill>
+                  <a:srgbClr val="000000"/>
+                </a:solidFill>
+                <a:latin typeface="Verdana"/>
+                <a:ea typeface="Verdana"/>
+              </a:rPr>
+              <a:t> Ada, Unix</a:t>
+            </a:r>
+            <a:r>
+              <a:rPr b="0" lang="en-US" sz="1000" spc="-1" strike="noStrike">
+                <a:latin typeface="Verdana"/>
+                <a:ea typeface="Verdana"/>
+              </a:rPr>
+              <a:t>.</a:t>
+            </a:r>
+            <a:br>
+              <a:rPr sz="1000"/>
+            </a:br>
+            <a:r>
+              <a:rPr b="1" lang="en-US" sz="1000" spc="-1" strike="noStrike">
                 <a:solidFill>
                   <a:srgbClr val="000000"/>
                 </a:solidFill>
@@ -14084,8 +13680,82 @@
               </a:rPr>
               <a:t>Responsibility:</a:t>
             </a:r>
-            <a:r>
-              <a:rPr b="0" lang="en-US" sz="950" spc="-1" strike="noStrike">
+            <a:br>
+              <a:rPr sz="1000"/>
+            </a:br>
+            <a:r>
+              <a:rPr b="0" lang="en-US" sz="1000" spc="-1" strike="noStrike">
+                <a:solidFill>
+                  <a:srgbClr val="000000"/>
+                </a:solidFill>
+                <a:latin typeface="Verdana"/>
+                <a:ea typeface="Verdana"/>
+              </a:rPr>
+              <a:t>* Management of various data-processing tools according to an object-oriented software development. The program exceeded one million lines. </a:t>
+            </a:r>
+            <a:endParaRPr b="0" lang="en-US" sz="1000" spc="-1" strike="noStrike">
+              <a:latin typeface="Arial"/>
+            </a:endParaRPr>
+          </a:p>
+          <a:p>
+            <a:pPr>
+              <a:lnSpc>
+                <a:spcPct val="100000"/>
+              </a:lnSpc>
+              <a:buNone/>
+              <a:tabLst>
+                <a:tab algn="l" pos="408240"/>
+              </a:tabLst>
+            </a:pPr>
+            <a:endParaRPr b="0" lang="en-US" sz="1000" spc="-1" strike="noStrike">
+              <a:latin typeface="Arial"/>
+            </a:endParaRPr>
+          </a:p>
+          <a:p>
+            <a:pPr>
+              <a:lnSpc>
+                <a:spcPct val="100000"/>
+              </a:lnSpc>
+              <a:buNone/>
+              <a:tabLst>
+                <a:tab algn="l" pos="408240"/>
+              </a:tabLst>
+            </a:pPr>
+            <a:r>
+              <a:rPr b="1" lang="en-US" sz="1000" spc="-1" strike="noStrike">
+                <a:solidFill>
+                  <a:srgbClr val="000000"/>
+                </a:solidFill>
+                <a:latin typeface="Verdana"/>
+                <a:ea typeface="Verdana"/>
+              </a:rPr>
+              <a:t>Role</a:t>
+            </a:r>
+            <a:r>
+              <a:rPr b="0" lang="en-US" sz="1000" spc="-1" strike="noStrike">
+                <a:solidFill>
+                  <a:srgbClr val="000000"/>
+                </a:solidFill>
+                <a:latin typeface="Verdana"/>
+                <a:ea typeface="Verdana"/>
+              </a:rPr>
+              <a:t>: Software Developer</a:t>
+            </a:r>
+            <a:br>
+              <a:rPr sz="1000"/>
+            </a:br>
+            <a:r>
+              <a:rPr b="1" lang="en-US" sz="1000" spc="-1" strike="noStrike">
+                <a:solidFill>
+                  <a:srgbClr val="000000"/>
+                </a:solidFill>
+                <a:latin typeface="Verdana"/>
+                <a:ea typeface="Verdana"/>
+              </a:rPr>
+              <a:t>Industry:</a:t>
+            </a:r>
+            <a:r>
+              <a:rPr b="0" lang="en-US" sz="1000" spc="-1" strike="noStrike">
                 <a:solidFill>
                   <a:srgbClr val="000000"/>
                 </a:solidFill>
@@ -14094,80 +13764,16 @@
               </a:rPr>
               <a:t> </a:t>
             </a:r>
-            <a:br>
-              <a:rPr sz="950"/>
-            </a:br>
-            <a:r>
-              <a:rPr b="0" lang="en-US" sz="950" spc="-1" strike="noStrike">
-                <a:solidFill>
-                  <a:srgbClr val="000000"/>
-                </a:solidFill>
-                <a:latin typeface="Verdana"/>
-                <a:ea typeface="Verdana"/>
-              </a:rPr>
-              <a:t>* </a:t>
-            </a:r>
-            <a:r>
-              <a:rPr b="0" lang="en-US" sz="950" spc="-1" strike="noStrike">
-                <a:solidFill>
-                  <a:srgbClr val="000000"/>
-                </a:solidFill>
-                <a:latin typeface="Verdana"/>
-                <a:ea typeface="Verdana"/>
-              </a:rPr>
-              <a:t>Management of the project under MS Project </a:t>
-            </a:r>
-            <a:r>
-              <a:rPr b="0" lang="en-US" sz="950" spc="-1" strike="noStrike">
-                <a:solidFill>
-                  <a:srgbClr val="000000"/>
-                </a:solidFill>
-                <a:latin typeface="Verdana"/>
-                <a:ea typeface="Verdana"/>
-              </a:rPr>
-              <a:t>(50 people, 300 tasks).</a:t>
-            </a:r>
-            <a:br>
-              <a:rPr sz="950"/>
-            </a:br>
-            <a:r>
-              <a:rPr b="0" lang="en-US" sz="950" spc="-1" strike="noStrike">
-                <a:solidFill>
-                  <a:srgbClr val="000000"/>
-                </a:solidFill>
-                <a:latin typeface="Verdana"/>
-                <a:ea typeface="Verdana"/>
-              </a:rPr>
-              <a:t>* </a:t>
-            </a:r>
-            <a:r>
-              <a:rPr b="0" lang="en-US" sz="950" spc="-1" strike="noStrike">
-                <a:solidFill>
-                  <a:srgbClr val="000000"/>
-                </a:solidFill>
-                <a:latin typeface="Verdana"/>
-                <a:ea typeface="Verdana"/>
-              </a:rPr>
-              <a:t>Safeguard, then migration of the data,</a:t>
-            </a:r>
-            <a:br>
-              <a:rPr sz="950"/>
-            </a:br>
-            <a:r>
-              <a:rPr b="0" lang="en-US" sz="950" spc="-1" strike="noStrike">
-                <a:solidFill>
-                  <a:srgbClr val="000000"/>
-                </a:solidFill>
-                <a:latin typeface="Verdana"/>
-                <a:ea typeface="Verdana"/>
-              </a:rPr>
-              <a:t>* Software standardization.</a:t>
-            </a:r>
-            <a:endParaRPr b="0" lang="en-US" sz="950" spc="-1" strike="noStrike">
-              <a:latin typeface="Arial"/>
-            </a:endParaRPr>
-          </a:p>
-          <a:p>
+            <a:r>
+              <a:rPr b="0" lang="en-US" sz="1000" spc="-1" strike="noStrike">
+                <a:latin typeface="Verdana"/>
+                <a:ea typeface="Verdana"/>
+              </a:rPr>
+              <a:t>Nuclear Safety</a:t>
+            </a:r>
+            <a:br>
+              <a:rPr sz="1000"/>
+            </a:br>
             <a:r>
               <a:rPr b="1" lang="en-US" sz="1000" spc="-1" strike="noStrike">
                 <a:solidFill>
@@ -14176,6 +13782,40 @@
                 <a:latin typeface="Verdana"/>
                 <a:ea typeface="Verdana"/>
               </a:rPr>
+              <a:t>Project: </a:t>
+            </a:r>
+            <a:r>
+              <a:rPr b="0" lang="en-US" sz="1000" spc="-1" strike="noStrike">
+                <a:latin typeface="Verdana"/>
+                <a:ea typeface="Verdana"/>
+              </a:rPr>
+              <a:t>Safety studies for the carrier the "Charles of Gaulle". Updating the file of the safety options concerning the services ensured by the ship to the two nuclear boilers.</a:t>
+            </a:r>
+            <a:endParaRPr b="0" lang="en-US" sz="1000" spc="-1" strike="noStrike">
+              <a:latin typeface="Arial"/>
+            </a:endParaRPr>
+          </a:p>
+          <a:p>
+            <a:pPr>
+              <a:lnSpc>
+                <a:spcPct val="100000"/>
+              </a:lnSpc>
+              <a:buNone/>
+              <a:tabLst>
+                <a:tab algn="l" pos="408240"/>
+              </a:tabLst>
+            </a:pPr>
+            <a:br>
+              <a:rPr sz="1000"/>
+            </a:br>
+            <a:r>
+              <a:rPr b="1" lang="en-US" sz="1000" spc="-1" strike="noStrike">
+                <a:solidFill>
+                  <a:srgbClr val="000000"/>
+                </a:solidFill>
+                <a:latin typeface="Verdana"/>
+                <a:ea typeface="Verdana"/>
+              </a:rPr>
               <a:t>Role</a:t>
             </a:r>
             <a:r>
@@ -14186,297 +13826,7 @@
                 <a:latin typeface="Verdana"/>
                 <a:ea typeface="Verdana"/>
               </a:rPr>
-              <a:t>: Analyst and Software Engineer</a:t>
-            </a:r>
-            <a:br>
-              <a:rPr sz="1000"/>
-            </a:br>
-            <a:r>
-              <a:rPr b="1" lang="en-US" sz="1000" spc="-1" strike="noStrike">
-                <a:solidFill>
-                  <a:srgbClr val="000000"/>
-                </a:solidFill>
-                <a:latin typeface="Verdana"/>
-                <a:ea typeface="Verdana"/>
-              </a:rPr>
-              <a:t>Industry: </a:t>
-            </a:r>
-            <a:r>
-              <a:rPr b="0" lang="en-US" sz="1000" spc="-1" strike="noStrike">
-                <a:solidFill>
-                  <a:srgbClr val="000000"/>
-                </a:solidFill>
-                <a:latin typeface="Verdana"/>
-                <a:ea typeface="Verdana"/>
-              </a:rPr>
-              <a:t>Defense - Aircraft</a:t>
-            </a:r>
-            <a:br>
-              <a:rPr sz="1000"/>
-            </a:br>
-            <a:r>
-              <a:rPr b="1" lang="en-US" sz="1000" spc="-1" strike="noStrike">
-                <a:solidFill>
-                  <a:srgbClr val="000000"/>
-                </a:solidFill>
-                <a:latin typeface="Verdana"/>
-                <a:ea typeface="Verdana"/>
-              </a:rPr>
-              <a:t>Project: </a:t>
-            </a:r>
-            <a:r>
-              <a:rPr b="0" lang="en-US" sz="1000" spc="-1" strike="noStrike">
-                <a:latin typeface="Verdana"/>
-                <a:ea typeface="Verdana"/>
-              </a:rPr>
-              <a:t>Embedded software development for a </a:t>
-            </a:r>
-            <a:r>
-              <a:rPr b="0" lang="en-US" sz="1000" spc="-1" strike="noStrike">
-                <a:latin typeface="Verdana"/>
-                <a:ea typeface="Verdana"/>
-              </a:rPr>
-              <a:t>French fighter, within a team of 50 engineers.</a:t>
-            </a:r>
-            <a:br>
-              <a:rPr sz="1000"/>
-            </a:br>
-            <a:r>
-              <a:rPr b="1" lang="en-US" sz="1000" spc="-1" strike="noStrike">
-                <a:solidFill>
-                  <a:srgbClr val="000000"/>
-                </a:solidFill>
-                <a:latin typeface="Verdana"/>
-                <a:ea typeface="Verdana"/>
-              </a:rPr>
-              <a:t>Tools:</a:t>
-            </a:r>
-            <a:r>
-              <a:rPr b="0" lang="en-US" sz="1000" spc="-1" strike="noStrike">
-                <a:solidFill>
-                  <a:srgbClr val="000000"/>
-                </a:solidFill>
-                <a:latin typeface="Verdana"/>
-                <a:ea typeface="Verdana"/>
-              </a:rPr>
-              <a:t> Ada, Unix</a:t>
-            </a:r>
-            <a:r>
-              <a:rPr b="0" lang="en-US" sz="1000" spc="-1" strike="noStrike">
-                <a:latin typeface="Verdana"/>
-                <a:ea typeface="Verdana"/>
-              </a:rPr>
-              <a:t>.</a:t>
-            </a:r>
-            <a:br>
-              <a:rPr sz="1000"/>
-            </a:br>
-            <a:r>
-              <a:rPr b="1" lang="en-US" sz="1000" spc="-1" strike="noStrike">
-                <a:solidFill>
-                  <a:srgbClr val="000000"/>
-                </a:solidFill>
-                <a:latin typeface="Verdana"/>
-                <a:ea typeface="Verdana"/>
-              </a:rPr>
-              <a:t>Responsibility:</a:t>
-            </a:r>
-            <a:br>
-              <a:rPr sz="1000"/>
-            </a:br>
-            <a:r>
-              <a:rPr b="0" lang="en-US" sz="1000" spc="-1" strike="noStrike">
-                <a:solidFill>
-                  <a:srgbClr val="000000"/>
-                </a:solidFill>
-                <a:latin typeface="Verdana"/>
-                <a:ea typeface="Verdana"/>
-              </a:rPr>
-              <a:t>* </a:t>
-            </a:r>
-            <a:r>
-              <a:rPr b="0" lang="en-US" sz="1000" spc="-1" strike="noStrike">
-                <a:solidFill>
-                  <a:srgbClr val="000000"/>
-                </a:solidFill>
-                <a:latin typeface="Verdana"/>
-                <a:ea typeface="Verdana"/>
-              </a:rPr>
-              <a:t>Management of various data-processing tools </a:t>
-            </a:r>
-            <a:r>
-              <a:rPr b="0" lang="en-US" sz="1000" spc="-1" strike="noStrike">
-                <a:solidFill>
-                  <a:srgbClr val="000000"/>
-                </a:solidFill>
-                <a:latin typeface="Verdana"/>
-                <a:ea typeface="Verdana"/>
-              </a:rPr>
-              <a:t>according to an object-oriented software </a:t>
-            </a:r>
-            <a:r>
-              <a:rPr b="0" lang="en-US" sz="1000" spc="-1" strike="noStrike">
-                <a:solidFill>
-                  <a:srgbClr val="000000"/>
-                </a:solidFill>
-                <a:latin typeface="Verdana"/>
-                <a:ea typeface="Verdana"/>
-              </a:rPr>
-              <a:t>development. The program exceeded one </a:t>
-            </a:r>
-            <a:r>
-              <a:rPr b="0" lang="en-US" sz="1000" spc="-1" strike="noStrike">
-                <a:solidFill>
-                  <a:srgbClr val="000000"/>
-                </a:solidFill>
-                <a:latin typeface="Verdana"/>
-                <a:ea typeface="Verdana"/>
-              </a:rPr>
-              <a:t>million lines. </a:t>
-            </a:r>
-            <a:endParaRPr b="0" lang="en-US" sz="1000" spc="-1" strike="noStrike">
-              <a:latin typeface="Arial"/>
-            </a:endParaRPr>
-          </a:p>
-          <a:p>
-            <a:r>
-              <a:rPr b="1" lang="en-US" sz="1000" spc="-1" strike="noStrike">
-                <a:solidFill>
-                  <a:srgbClr val="000000"/>
-                </a:solidFill>
-                <a:latin typeface="Verdana"/>
-                <a:ea typeface="Verdana"/>
-              </a:rPr>
-              <a:t>Role</a:t>
-            </a:r>
-            <a:r>
-              <a:rPr b="0" lang="en-US" sz="1000" spc="-1" strike="noStrike">
-                <a:solidFill>
-                  <a:srgbClr val="000000"/>
-                </a:solidFill>
-                <a:latin typeface="Verdana"/>
-                <a:ea typeface="Verdana"/>
-              </a:rPr>
-              <a:t>: </a:t>
-            </a:r>
-            <a:r>
-              <a:rPr b="0" lang="en-US" sz="1000" spc="-1" strike="noStrike">
-                <a:solidFill>
-                  <a:srgbClr val="000000"/>
-                </a:solidFill>
-                <a:latin typeface="Verdana"/>
-                <a:ea typeface="Verdana"/>
-              </a:rPr>
-              <a:t>Software Developer</a:t>
-            </a:r>
-            <a:br>
-              <a:rPr sz="1000"/>
-            </a:br>
-            <a:r>
-              <a:rPr b="1" lang="en-US" sz="1000" spc="-1" strike="noStrike">
-                <a:solidFill>
-                  <a:srgbClr val="000000"/>
-                </a:solidFill>
-                <a:latin typeface="Verdana"/>
-                <a:ea typeface="Verdana"/>
-              </a:rPr>
-              <a:t>Industry:</a:t>
-            </a:r>
-            <a:r>
-              <a:rPr b="0" lang="en-US" sz="1000" spc="-1" strike="noStrike">
-                <a:solidFill>
-                  <a:srgbClr val="000000"/>
-                </a:solidFill>
-                <a:latin typeface="Verdana"/>
-                <a:ea typeface="Verdana"/>
-              </a:rPr>
-              <a:t> </a:t>
-            </a:r>
-            <a:r>
-              <a:rPr b="0" lang="en-US" sz="1000" spc="-1" strike="noStrike">
-                <a:latin typeface="Verdana"/>
-                <a:ea typeface="Verdana"/>
-              </a:rPr>
-              <a:t>Nuclear Safety</a:t>
-            </a:r>
-            <a:br>
-              <a:rPr sz="1000"/>
-            </a:br>
-            <a:r>
-              <a:rPr b="1" lang="en-US" sz="1000" spc="-1" strike="noStrike">
-                <a:solidFill>
-                  <a:srgbClr val="000000"/>
-                </a:solidFill>
-                <a:latin typeface="Verdana"/>
-                <a:ea typeface="Verdana"/>
-              </a:rPr>
-              <a:t>Project: </a:t>
-            </a:r>
-            <a:r>
-              <a:rPr b="0" lang="en-US" sz="1000" spc="-1" strike="noStrike">
-                <a:latin typeface="Verdana"/>
-                <a:ea typeface="Verdana"/>
-              </a:rPr>
-              <a:t>Safety studies for the carrier the </a:t>
-            </a:r>
-            <a:r>
-              <a:rPr b="0" lang="en-US" sz="1000" spc="-1" strike="noStrike">
-                <a:latin typeface="Verdana"/>
-                <a:ea typeface="Verdana"/>
-              </a:rPr>
-              <a:t>"Charles of Gaulle". Updating the file of the </a:t>
-            </a:r>
-            <a:r>
-              <a:rPr b="0" lang="en-US" sz="1000" spc="-1" strike="noStrike">
-                <a:latin typeface="Verdana"/>
-                <a:ea typeface="Verdana"/>
-              </a:rPr>
-              <a:t>safety options concerning the services ensured </a:t>
-            </a:r>
-            <a:r>
-              <a:rPr b="0" lang="en-US" sz="1000" spc="-1" strike="noStrike">
-                <a:latin typeface="Verdana"/>
-                <a:ea typeface="Verdana"/>
-              </a:rPr>
-              <a:t>by the ship to the two nuclear boilers.</a:t>
-            </a:r>
-            <a:endParaRPr b="0" lang="en-US" sz="1000" spc="-1" strike="noStrike">
-              <a:latin typeface="Arial"/>
-            </a:endParaRPr>
-          </a:p>
-          <a:p>
-            <a:br>
-              <a:rPr sz="1000"/>
-            </a:br>
-            <a:r>
-              <a:rPr b="1" lang="en-US" sz="1000" spc="-1" strike="noStrike">
-                <a:solidFill>
-                  <a:srgbClr val="000000"/>
-                </a:solidFill>
-                <a:latin typeface="Verdana"/>
-                <a:ea typeface="Verdana"/>
-              </a:rPr>
-              <a:t>Role</a:t>
-            </a:r>
-            <a:r>
-              <a:rPr b="0" lang="en-US" sz="1000" spc="-1" strike="noStrike">
-                <a:solidFill>
-                  <a:srgbClr val="000000"/>
-                </a:solidFill>
-                <a:latin typeface="Verdana"/>
-                <a:ea typeface="Verdana"/>
-              </a:rPr>
-              <a:t>: </a:t>
-            </a:r>
-            <a:r>
-              <a:rPr b="0" lang="en-US" sz="1000" spc="-1" strike="noStrike">
-                <a:solidFill>
-                  <a:srgbClr val="000000"/>
-                </a:solidFill>
-                <a:latin typeface="Verdana"/>
-                <a:ea typeface="Verdana"/>
-              </a:rPr>
-              <a:t>Scientific Engineer</a:t>
+              <a:t>: Scientific Engineer</a:t>
             </a:r>
             <a:br>
               <a:rPr sz="1000"/>
@@ -14543,55 +13893,22 @@
                 <a:latin typeface="Verdana"/>
                 <a:ea typeface="Verdana"/>
               </a:rPr>
-              <a:t> data </a:t>
-            </a:r>
-            <a:r>
-              <a:rPr b="0" lang="en-US" sz="1000" spc="-1" strike="noStrike">
-                <a:latin typeface="Verdana"/>
-                <a:ea typeface="Verdana"/>
-              </a:rPr>
-              <a:t>regarding the Tropical Atlantic's long waves, in </a:t>
-            </a:r>
-            <a:r>
-              <a:rPr b="0" lang="en-US" sz="1000" spc="-1" strike="noStrike">
-                <a:latin typeface="Verdana"/>
-                <a:ea typeface="Verdana"/>
-              </a:rPr>
-              <a:t>accordance with a digital model of general </a:t>
-            </a:r>
-            <a:r>
-              <a:rPr b="0" lang="en-US" sz="1000" spc="-1" strike="noStrike">
-                <a:latin typeface="Verdana"/>
-                <a:ea typeface="Verdana"/>
-              </a:rPr>
-              <a:t>oceanographic flowing, providing therefore a </a:t>
-            </a:r>
-            <a:r>
-              <a:rPr b="0" lang="en-US" sz="1000" spc="-1" strike="noStrike">
-                <a:latin typeface="Verdana"/>
-                <a:ea typeface="Verdana"/>
-              </a:rPr>
-              <a:t>scientific expedition with fundamental source </a:t>
-            </a:r>
-            <a:r>
-              <a:rPr b="0" lang="en-US" sz="1000" spc="-1" strike="noStrike">
-                <a:latin typeface="Verdana"/>
-                <a:ea typeface="Verdana"/>
-              </a:rPr>
-              <a:t>documents</a:t>
-            </a:r>
-            <a:r>
-              <a:rPr b="0" lang="en-US" sz="1000" spc="-1" strike="noStrike">
-                <a:latin typeface="Verdana"/>
-                <a:ea typeface="Verdana"/>
-              </a:rPr>
-              <a:t>.</a:t>
+              <a:t> data regarding the Tropical Atlantic's long waves, in accordance with a digital model of general oceanographic flowing, providing therefore a scientific expedition with fundamental source documents.</a:t>
             </a:r>
             <a:endParaRPr b="0" lang="en-US" sz="1000" spc="-1" strike="noStrike">
               <a:latin typeface="Arial"/>
             </a:endParaRPr>
           </a:p>
           <a:p>
+            <a:pPr>
+              <a:lnSpc>
+                <a:spcPct val="100000"/>
+              </a:lnSpc>
+              <a:buNone/>
+              <a:tabLst>
+                <a:tab algn="l" pos="408240"/>
+              </a:tabLst>
+            </a:pPr>
             <a:endParaRPr b="0" lang="en-US" sz="1000" spc="-1" strike="noStrike">
               <a:latin typeface="Arial"/>
             </a:endParaRPr>
@@ -14607,7 +13924,7 @@
         <p:spPr>
           <a:xfrm>
             <a:off x="44640" y="6503040"/>
-            <a:ext cx="5830200" cy="333000"/>
+            <a:ext cx="5829840" cy="333000"/>
           </a:xfrm>
           <a:prstGeom prst="rect">
             <a:avLst/>
@@ -14680,7 +13997,7 @@
         <p:spPr>
           <a:xfrm>
             <a:off x="3200400" y="685800"/>
-            <a:ext cx="4343400" cy="5817240"/>
+            <a:ext cx="4343040" cy="5816880"/>
           </a:xfrm>
           <a:prstGeom prst="rect">
             <a:avLst/>
@@ -14705,13 +14022,13 @@
       <p:sp>
         <p:nvSpPr>
           <p:cNvPr id="155" name="PlaceHolder 44"/>
-          <p:cNvSpPr txBox="1"/>
+          <p:cNvSpPr/>
           <p:nvPr/>
         </p:nvSpPr>
         <p:spPr>
           <a:xfrm>
             <a:off x="3433320" y="372600"/>
-            <a:ext cx="4171320" cy="6130440"/>
+            <a:ext cx="4170960" cy="6130080"/>
           </a:xfrm>
           <a:prstGeom prst="rect">
             <a:avLst/>
@@ -14721,23 +14038,25 @@
             <a:noFill/>
           </a:ln>
         </p:spPr>
+        <p:style>
+          <a:lnRef idx="0"/>
+          <a:fillRef idx="0"/>
+          <a:effectRef idx="0"/>
+          <a:fontRef idx="minor"/>
+        </p:style>
         <p:txBody>
           <a:bodyPr lIns="0" rIns="0" tIns="0" bIns="0" anchor="t">
             <a:noAutofit/>
           </a:bodyPr>
           <a:p>
-            <a:pPr lvl="1" marL="232920" indent="-228600">
+            <a:pPr>
               <a:lnSpc>
                 <a:spcPct val="100000"/>
               </a:lnSpc>
               <a:spcBef>
                 <a:spcPts val="601"/>
               </a:spcBef>
-              <a:buClr>
-                <a:srgbClr val="0070ad"/>
-              </a:buClr>
-              <a:buFont typeface="Wingdings" charset="2"/>
-              <a:buChar char=""/>
+              <a:buNone/>
               <a:tabLst>
                 <a:tab algn="l" pos="408240"/>
               </a:tabLst>
@@ -14747,6 +14066,29 @@
             </a:endParaRPr>
           </a:p>
           <a:p>
+            <a:pPr>
+              <a:lnSpc>
+                <a:spcPct val="100000"/>
+              </a:lnSpc>
+              <a:buNone/>
+              <a:tabLst>
+                <a:tab algn="l" pos="408240"/>
+              </a:tabLst>
+            </a:pPr>
+            <a:endParaRPr b="0" lang="en-US" sz="1000" spc="-1" strike="noStrike">
+              <a:latin typeface="Arial"/>
+            </a:endParaRPr>
+          </a:p>
+          <a:p>
+            <a:pPr>
+              <a:lnSpc>
+                <a:spcPct val="100000"/>
+              </a:lnSpc>
+              <a:buNone/>
+              <a:tabLst>
+                <a:tab algn="l" pos="408240"/>
+              </a:tabLst>
+            </a:pPr>
             <a:r>
               <a:rPr b="1" lang="en-US" sz="1000" spc="-1" strike="noStrike">
                 <a:solidFill>
@@ -14765,7 +14107,20 @@
                 <a:latin typeface="Verdana"/>
                 <a:ea typeface="Verdana"/>
               </a:rPr>
-              <a:t>: Software </a:t>
+              <a:t>: Software Developer</a:t>
+            </a:r>
+            <a:br>
+              <a:rPr sz="950"/>
+            </a:br>
+            <a:r>
+              <a:rPr b="1" lang="en-US" sz="950" spc="-1" strike="noStrike">
+                <a:solidFill>
+                  <a:srgbClr val="000000"/>
+                </a:solidFill>
+                <a:latin typeface="Verdana"/>
+                <a:ea typeface="Verdana"/>
+              </a:rPr>
+              <a:t>Industry: </a:t>
             </a:r>
             <a:r>
               <a:rPr b="0" lang="en-US" sz="1000" spc="-1" strike="noStrike">
@@ -14775,7 +14130,7 @@
                 <a:latin typeface="Verdana"/>
                 <a:ea typeface="Verdana"/>
               </a:rPr>
-              <a:t>Developer</a:t>
+              <a:t>Aircraft</a:t>
             </a:r>
             <a:br>
               <a:rPr sz="950"/>
@@ -14788,6 +14143,130 @@
                 <a:latin typeface="Verdana"/>
                 <a:ea typeface="Verdana"/>
               </a:rPr>
+              <a:t>Project: </a:t>
+            </a:r>
+            <a:r>
+              <a:rPr b="0" lang="en-US" sz="950" spc="-1" strike="noStrike">
+                <a:latin typeface="Verdana"/>
+                <a:ea typeface="Verdana"/>
+              </a:rPr>
+              <a:t>Development of a macro-generated software for the management of air traffic (Management of several parallel businesses), in order to cope with denser aircraft traffic.</a:t>
+            </a:r>
+            <a:br>
+              <a:rPr sz="950"/>
+            </a:br>
+            <a:r>
+              <a:rPr b="1" lang="en-US" sz="950" spc="-1" strike="noStrike">
+                <a:solidFill>
+                  <a:srgbClr val="000000"/>
+                </a:solidFill>
+                <a:latin typeface="Verdana"/>
+                <a:ea typeface="Verdana"/>
+              </a:rPr>
+              <a:t>Tools:</a:t>
+            </a:r>
+            <a:r>
+              <a:rPr b="0" lang="en-US" sz="950" spc="-1" strike="noStrike">
+                <a:solidFill>
+                  <a:srgbClr val="000000"/>
+                </a:solidFill>
+                <a:latin typeface="Verdana"/>
+                <a:ea typeface="Verdana"/>
+              </a:rPr>
+              <a:t> C++, Linux. </a:t>
+            </a:r>
+            <a:br>
+              <a:rPr sz="950"/>
+            </a:br>
+            <a:r>
+              <a:rPr b="1" lang="en-US" sz="950" spc="-1" strike="noStrike">
+                <a:solidFill>
+                  <a:srgbClr val="000000"/>
+                </a:solidFill>
+                <a:latin typeface="Verdana"/>
+                <a:ea typeface="Verdana"/>
+              </a:rPr>
+              <a:t>Responsibility:</a:t>
+            </a:r>
+            <a:br>
+              <a:rPr sz="950"/>
+            </a:br>
+            <a:r>
+              <a:rPr b="0" lang="en-US" sz="950" spc="-1" strike="noStrike">
+                <a:solidFill>
+                  <a:srgbClr val="000000"/>
+                </a:solidFill>
+                <a:latin typeface="Verdana"/>
+                <a:ea typeface="Verdana"/>
+              </a:rPr>
+              <a:t>* Development and tests of software.</a:t>
+            </a:r>
+            <a:endParaRPr b="0" lang="en-US" sz="950" spc="-1" strike="noStrike">
+              <a:latin typeface="Arial"/>
+            </a:endParaRPr>
+          </a:p>
+          <a:p>
+            <a:pPr>
+              <a:lnSpc>
+                <a:spcPct val="100000"/>
+              </a:lnSpc>
+              <a:buNone/>
+              <a:tabLst>
+                <a:tab algn="l" pos="408240"/>
+              </a:tabLst>
+            </a:pPr>
+            <a:endParaRPr b="0" lang="en-US" sz="1000" spc="-1" strike="noStrike">
+              <a:latin typeface="Arial"/>
+            </a:endParaRPr>
+          </a:p>
+          <a:p>
+            <a:pPr>
+              <a:lnSpc>
+                <a:spcPct val="100000"/>
+              </a:lnSpc>
+              <a:buNone/>
+              <a:tabLst>
+                <a:tab algn="l" pos="408240"/>
+              </a:tabLst>
+            </a:pPr>
+            <a:r>
+              <a:rPr b="1" lang="en-US" sz="1000" spc="-1" strike="noStrike">
+                <a:solidFill>
+                  <a:srgbClr val="000000"/>
+                </a:solidFill>
+                <a:latin typeface="Verdana"/>
+                <a:ea typeface="Verdana"/>
+              </a:rPr>
+              <a:t>Role</a:t>
+            </a:r>
+            <a:r>
+              <a:rPr b="0" lang="en-US" sz="1000" spc="-1" strike="noStrike">
+                <a:solidFill>
+                  <a:srgbClr val="000000"/>
+                </a:solidFill>
+                <a:latin typeface="Verdana"/>
+                <a:ea typeface="Verdana"/>
+              </a:rPr>
+              <a:t>: </a:t>
+            </a:r>
+            <a:r>
+              <a:rPr b="0" lang="en-US" sz="1000" spc="-1" strike="noStrike">
+                <a:latin typeface="Verdana"/>
+                <a:ea typeface="Verdana"/>
+              </a:rPr>
+              <a:t>Software Engineer</a:t>
+            </a:r>
+            <a:br>
+              <a:rPr sz="1000"/>
+            </a:br>
+            <a:r>
+              <a:rPr b="1" lang="en-US" sz="1000" spc="-1" strike="noStrike">
+                <a:solidFill>
+                  <a:srgbClr val="000000"/>
+                </a:solidFill>
+                <a:latin typeface="Verdana"/>
+                <a:ea typeface="Verdana"/>
+              </a:rPr>
               <a:t>Industry: </a:t>
             </a:r>
             <a:r>
@@ -14798,47 +14277,53 @@
                 <a:latin typeface="Verdana"/>
                 <a:ea typeface="Verdana"/>
               </a:rPr>
-              <a:t>Aircraft</a:t>
-            </a:r>
-            <a:br>
-              <a:rPr sz="950"/>
-            </a:br>
-            <a:r>
-              <a:rPr b="1" lang="en-US" sz="950" spc="-1" strike="noStrike">
-                <a:solidFill>
-                  <a:srgbClr val="000000"/>
-                </a:solidFill>
-                <a:latin typeface="Verdana"/>
-                <a:ea typeface="Verdana"/>
-              </a:rPr>
-              <a:t>Project: </a:t>
-            </a:r>
-            <a:r>
-              <a:rPr b="0" lang="en-US" sz="950" spc="-1" strike="noStrike">
-                <a:latin typeface="Verdana"/>
-                <a:ea typeface="Verdana"/>
-              </a:rPr>
-              <a:t>Development of a macro-generated software for the </a:t>
-            </a:r>
-            <a:r>
-              <a:rPr b="0" lang="en-US" sz="950" spc="-1" strike="noStrike">
-                <a:latin typeface="Verdana"/>
-                <a:ea typeface="Verdana"/>
-              </a:rPr>
-              <a:t>management of air traffic (Management of several parallel </a:t>
-            </a:r>
-            <a:r>
-              <a:rPr b="0" lang="en-US" sz="950" spc="-1" strike="noStrike">
-                <a:latin typeface="Verdana"/>
-                <a:ea typeface="Verdana"/>
-              </a:rPr>
-              <a:t>businesses), in order to cope with denser aircraft traffic.</a:t>
-            </a:r>
-            <a:br>
-              <a:rPr sz="950"/>
-            </a:br>
-            <a:r>
-              <a:rPr b="1" lang="en-US" sz="950" spc="-1" strike="noStrike">
+              <a:t>Space</a:t>
+            </a:r>
+            <a:r>
+              <a:rPr b="1" lang="en-US" sz="1000" spc="-1" strike="noStrike">
+                <a:solidFill>
+                  <a:srgbClr val="000000"/>
+                </a:solidFill>
+                <a:latin typeface="Verdana"/>
+                <a:ea typeface="Verdana"/>
+              </a:rPr>
+              <a:t> </a:t>
+            </a:r>
+            <a:br>
+              <a:rPr sz="1000"/>
+            </a:br>
+            <a:r>
+              <a:rPr b="1" lang="en-US" sz="1000" spc="-1" strike="noStrike">
+                <a:solidFill>
+                  <a:srgbClr val="000000"/>
+                </a:solidFill>
+                <a:latin typeface="Verdana"/>
+                <a:ea typeface="Verdana"/>
+              </a:rPr>
+              <a:t>Project:</a:t>
+            </a:r>
+            <a:r>
+              <a:rPr b="0" lang="en-US" sz="1000" spc="-1" strike="noStrike">
+                <a:solidFill>
+                  <a:srgbClr val="000000"/>
+                </a:solidFill>
+                <a:latin typeface="Verdana"/>
+                <a:ea typeface="Verdana"/>
+              </a:rPr>
+              <a:t> Correction of a embedded software</a:t>
+            </a:r>
+            <a:r>
+              <a:rPr b="0" lang="en-US" sz="1000" spc="-1" strike="noStrike">
+                <a:latin typeface="Verdana"/>
+                <a:ea typeface="Verdana"/>
+              </a:rPr>
+              <a:t> </a:t>
+            </a:r>
+            <a:br>
+              <a:rPr sz="1000"/>
+            </a:br>
+            <a:r>
+              <a:rPr b="1" lang="en-US" sz="1000" spc="-1" strike="noStrike">
                 <a:solidFill>
                   <a:srgbClr val="000000"/>
                 </a:solidFill>
@@ -14848,7 +14333,310 @@
               <a:t>Tools:</a:t>
             </a:r>
             <a:r>
-              <a:rPr b="0" lang="en-US" sz="950" spc="-1" strike="noStrike">
+              <a:rPr b="0" lang="en-US" sz="1000" spc="-1" strike="noStrike">
+                <a:solidFill>
+                  <a:srgbClr val="000000"/>
+                </a:solidFill>
+                <a:latin typeface="Verdana"/>
+                <a:ea typeface="Verdana"/>
+              </a:rPr>
+              <a:t> Ada, Assembleur</a:t>
+            </a:r>
+            <a:r>
+              <a:rPr b="0" lang="en-US" sz="1000" spc="-1" strike="noStrike">
+                <a:latin typeface="Verdana"/>
+                <a:ea typeface="Verdana"/>
+              </a:rPr>
+              <a:t>.</a:t>
+            </a:r>
+            <a:br>
+              <a:rPr sz="1000"/>
+            </a:br>
+            <a:r>
+              <a:rPr b="1" lang="en-US" sz="1000" spc="-1" strike="noStrike">
+                <a:solidFill>
+                  <a:srgbClr val="000000"/>
+                </a:solidFill>
+                <a:latin typeface="Verdana"/>
+                <a:ea typeface="Verdana"/>
+              </a:rPr>
+              <a:t>Responsibility:</a:t>
+            </a:r>
+            <a:br>
+              <a:rPr sz="1000"/>
+            </a:br>
+            <a:r>
+              <a:rPr b="0" lang="en-US" sz="1000" spc="-1" strike="noStrike">
+                <a:solidFill>
+                  <a:srgbClr val="000000"/>
+                </a:solidFill>
+                <a:latin typeface="Verdana"/>
+                <a:ea typeface="Verdana"/>
+              </a:rPr>
+              <a:t>* Software workaround of a bugged hardware embedded on satellite.</a:t>
+            </a:r>
+            <a:endParaRPr b="0" lang="en-US" sz="1000" spc="-1" strike="noStrike">
+              <a:latin typeface="Arial"/>
+            </a:endParaRPr>
+          </a:p>
+          <a:p>
+            <a:pPr>
+              <a:lnSpc>
+                <a:spcPct val="100000"/>
+              </a:lnSpc>
+              <a:buNone/>
+              <a:tabLst>
+                <a:tab algn="l" pos="408240"/>
+              </a:tabLst>
+            </a:pPr>
+            <a:endParaRPr b="0" lang="en-US" sz="1000" spc="-1" strike="noStrike">
+              <a:latin typeface="Arial"/>
+            </a:endParaRPr>
+          </a:p>
+          <a:p>
+            <a:pPr>
+              <a:lnSpc>
+                <a:spcPct val="100000"/>
+              </a:lnSpc>
+              <a:buNone/>
+              <a:tabLst>
+                <a:tab algn="l" pos="408240"/>
+              </a:tabLst>
+            </a:pPr>
+            <a:r>
+              <a:rPr b="1" lang="en-US" sz="1000" spc="-1" strike="noStrike">
+                <a:solidFill>
+                  <a:srgbClr val="000000"/>
+                </a:solidFill>
+                <a:latin typeface="Verdana"/>
+                <a:ea typeface="Verdana"/>
+              </a:rPr>
+              <a:t>Role</a:t>
+            </a:r>
+            <a:r>
+              <a:rPr b="0" lang="en-US" sz="1000" spc="-1" strike="noStrike">
+                <a:solidFill>
+                  <a:srgbClr val="000000"/>
+                </a:solidFill>
+                <a:latin typeface="Verdana"/>
+                <a:ea typeface="Verdana"/>
+              </a:rPr>
+              <a:t>: Project manager associate</a:t>
+            </a:r>
+            <a:br>
+              <a:rPr sz="1000"/>
+            </a:br>
+            <a:r>
+              <a:rPr b="1" lang="en-US" sz="1000" spc="-1" strike="noStrike">
+                <a:solidFill>
+                  <a:srgbClr val="000000"/>
+                </a:solidFill>
+                <a:latin typeface="Verdana"/>
+                <a:ea typeface="Verdana"/>
+              </a:rPr>
+              <a:t>Industry:</a:t>
+            </a:r>
+            <a:r>
+              <a:rPr b="0" lang="en-US" sz="1000" spc="-1" strike="noStrike">
+                <a:solidFill>
+                  <a:srgbClr val="000000"/>
+                </a:solidFill>
+                <a:latin typeface="Verdana"/>
+                <a:ea typeface="Verdana"/>
+              </a:rPr>
+              <a:t> Pharmaceuticals</a:t>
+            </a:r>
+            <a:br>
+              <a:rPr sz="1000"/>
+            </a:br>
+            <a:r>
+              <a:rPr b="1" lang="en-US" sz="1000" spc="-1" strike="noStrike">
+                <a:solidFill>
+                  <a:srgbClr val="000000"/>
+                </a:solidFill>
+                <a:latin typeface="Verdana"/>
+                <a:ea typeface="Verdana"/>
+              </a:rPr>
+              <a:t>Project:</a:t>
+            </a:r>
+            <a:r>
+              <a:rPr b="0" lang="en-US" sz="1000" spc="-1" strike="noStrike">
+                <a:solidFill>
+                  <a:srgbClr val="000000"/>
+                </a:solidFill>
+                <a:latin typeface="Verdana"/>
+                <a:ea typeface="Verdana"/>
+              </a:rPr>
+              <a:t> Hoechst starts out-sourcing its internal IT support</a:t>
+            </a:r>
+            <a:br>
+              <a:rPr sz="1000"/>
+            </a:br>
+            <a:r>
+              <a:rPr b="1" lang="en-US" sz="1000" spc="-1" strike="noStrike">
+                <a:solidFill>
+                  <a:srgbClr val="000000"/>
+                </a:solidFill>
+                <a:latin typeface="Verdana"/>
+                <a:ea typeface="Verdana"/>
+              </a:rPr>
+              <a:t>Tools: </a:t>
+            </a:r>
+            <a:r>
+              <a:rPr b="0" lang="en-US" sz="1000" spc="-1" strike="noStrike">
+                <a:solidFill>
+                  <a:srgbClr val="000000"/>
+                </a:solidFill>
+                <a:latin typeface="Verdana"/>
+                <a:ea typeface="Verdana"/>
+              </a:rPr>
+              <a:t>Windows, Visual Basic.</a:t>
+            </a:r>
+            <a:br>
+              <a:rPr sz="1000"/>
+            </a:br>
+            <a:r>
+              <a:rPr b="1" lang="en-US" sz="1000" spc="-1" strike="noStrike">
+                <a:solidFill>
+                  <a:srgbClr val="000000"/>
+                </a:solidFill>
+                <a:latin typeface="Verdana"/>
+                <a:ea typeface="Verdana"/>
+              </a:rPr>
+              <a:t>Responsibility:</a:t>
+            </a:r>
+            <a:br>
+              <a:rPr sz="1000"/>
+            </a:br>
+            <a:r>
+              <a:rPr b="0" lang="en-US" sz="1000" spc="-1" strike="noStrike">
+                <a:solidFill>
+                  <a:srgbClr val="000000"/>
+                </a:solidFill>
+                <a:latin typeface="Verdana"/>
+                <a:ea typeface="Verdana"/>
+              </a:rPr>
+              <a:t>* Test of new Software.</a:t>
+            </a:r>
+            <a:br>
+              <a:rPr sz="1000"/>
+            </a:br>
+            <a:r>
+              <a:rPr b="0" lang="en-US" sz="1000" spc="-1" strike="noStrike">
+                <a:solidFill>
+                  <a:srgbClr val="000000"/>
+                </a:solidFill>
+                <a:latin typeface="Verdana"/>
+                <a:ea typeface="Verdana"/>
+              </a:rPr>
+              <a:t>* Drafting of procedures for software installations, as well as setting environments Windows (NT3.51, NT4.0, 95, 3.xx...) on PCs connected in network.</a:t>
+            </a:r>
+            <a:br>
+              <a:rPr sz="1000"/>
+            </a:br>
+            <a:r>
+              <a:rPr b="0" lang="en-US" sz="1000" spc="-1" strike="noStrike">
+                <a:solidFill>
+                  <a:srgbClr val="000000"/>
+                </a:solidFill>
+                <a:latin typeface="Verdana"/>
+                <a:ea typeface="Verdana"/>
+              </a:rPr>
+              <a:t>* Installation of the network LOTUS Notes for the whole company.</a:t>
+            </a:r>
+            <a:br>
+              <a:rPr sz="1000"/>
+            </a:br>
+            <a:r>
+              <a:rPr b="0" lang="en-US" sz="1000" spc="-1" strike="noStrike">
+                <a:solidFill>
+                  <a:srgbClr val="000000"/>
+                </a:solidFill>
+                <a:latin typeface="Verdana"/>
+                <a:ea typeface="Verdana"/>
+              </a:rPr>
+              <a:t>* Creation of quality indicators for the hot line.</a:t>
+            </a:r>
+            <a:endParaRPr b="0" lang="en-US" sz="1000" spc="-1" strike="noStrike">
+              <a:latin typeface="Arial"/>
+            </a:endParaRPr>
+          </a:p>
+          <a:p>
+            <a:pPr>
+              <a:lnSpc>
+                <a:spcPct val="100000"/>
+              </a:lnSpc>
+              <a:buNone/>
+              <a:tabLst>
+                <a:tab algn="l" pos="408240"/>
+              </a:tabLst>
+            </a:pPr>
+            <a:endParaRPr b="0" lang="en-US" sz="1000" spc="-1" strike="noStrike">
+              <a:latin typeface="Arial"/>
+            </a:endParaRPr>
+          </a:p>
+          <a:p>
+            <a:pPr>
+              <a:lnSpc>
+                <a:spcPct val="100000"/>
+              </a:lnSpc>
+              <a:buNone/>
+              <a:tabLst>
+                <a:tab algn="l" pos="408240"/>
+              </a:tabLst>
+            </a:pPr>
+            <a:r>
+              <a:rPr b="1" lang="en-US" sz="1000" spc="-1" strike="noStrike">
+                <a:solidFill>
+                  <a:srgbClr val="000000"/>
+                </a:solidFill>
+                <a:latin typeface="Verdana"/>
+                <a:ea typeface="Verdana"/>
+              </a:rPr>
+              <a:t>Role</a:t>
+            </a:r>
+            <a:r>
+              <a:rPr b="0" lang="en-US" sz="1000" spc="-1" strike="noStrike">
+                <a:solidFill>
+                  <a:srgbClr val="000000"/>
+                </a:solidFill>
+                <a:latin typeface="Verdana"/>
+                <a:ea typeface="Verdana"/>
+              </a:rPr>
+              <a:t>: </a:t>
+            </a:r>
+            <a:r>
+              <a:rPr b="0" lang="en-US" sz="1000" spc="-1" strike="noStrike">
+                <a:latin typeface="Verdana"/>
+                <a:ea typeface="Verdana"/>
+              </a:rPr>
+              <a:t>Financial data processing</a:t>
+            </a:r>
+            <a:br>
+              <a:rPr sz="1000"/>
+            </a:br>
+            <a:r>
+              <a:rPr b="1" lang="en-US" sz="1000" spc="-1" strike="noStrike">
+                <a:solidFill>
+                  <a:srgbClr val="000000"/>
+                </a:solidFill>
+                <a:latin typeface="Verdana"/>
+                <a:ea typeface="Verdana"/>
+              </a:rPr>
+              <a:t>Industry: </a:t>
+            </a:r>
+            <a:r>
+              <a:rPr b="0" lang="en-US" sz="1000" spc="-1" strike="noStrike">
+                <a:solidFill>
+                  <a:srgbClr val="000000"/>
+                </a:solidFill>
+                <a:latin typeface="Verdana"/>
+                <a:ea typeface="Verdana"/>
+              </a:rPr>
+              <a:t>Banking</a:t>
+            </a:r>
+            <a:r>
+              <a:rPr b="1" lang="en-US" sz="1000" spc="-1" strike="noStrike">
                 <a:solidFill>
                   <a:srgbClr val="000000"/>
                 </a:solidFill>
@@ -14857,18 +14645,51 @@
               </a:rPr>
               <a:t> </a:t>
             </a:r>
-            <a:r>
-              <a:rPr b="0" lang="en-US" sz="950" spc="-1" strike="noStrike">
-                <a:solidFill>
-                  <a:srgbClr val="000000"/>
-                </a:solidFill>
-                <a:latin typeface="Verdana"/>
-                <a:ea typeface="Verdana"/>
-              </a:rPr>
-              <a:t>C++, Linux.</a:t>
-            </a:r>
-            <a:r>
-              <a:rPr b="0" lang="en-US" sz="950" spc="-1" strike="noStrike">
+            <a:br>
+              <a:rPr sz="1000"/>
+            </a:br>
+            <a:r>
+              <a:rPr b="1" lang="en-US" sz="1000" spc="-1" strike="noStrike">
+                <a:solidFill>
+                  <a:srgbClr val="000000"/>
+                </a:solidFill>
+                <a:latin typeface="Verdana"/>
+                <a:ea typeface="Verdana"/>
+              </a:rPr>
+              <a:t>Project:</a:t>
+            </a:r>
+            <a:r>
+              <a:rPr b="0" lang="en-US" sz="1000" spc="-1" strike="noStrike">
+                <a:solidFill>
+                  <a:srgbClr val="000000"/>
+                </a:solidFill>
+                <a:latin typeface="Verdana"/>
+                <a:ea typeface="Verdana"/>
+              </a:rPr>
+              <a:t> S</a:t>
+            </a:r>
+            <a:r>
+              <a:rPr b="0" lang="en-US" sz="1000" spc="-1" strike="noStrike">
+                <a:latin typeface="Verdana"/>
+                <a:ea typeface="Verdana"/>
+              </a:rPr>
+              <a:t>oftware upgrade </a:t>
+            </a:r>
+            <a:br>
+              <a:rPr sz="1000"/>
+            </a:br>
+            <a:r>
+              <a:rPr b="1" lang="en-US" sz="1000" spc="-1" strike="noStrike">
+                <a:solidFill>
+                  <a:srgbClr val="000000"/>
+                </a:solidFill>
+                <a:latin typeface="Verdana"/>
+                <a:ea typeface="Verdana"/>
+              </a:rPr>
+              <a:t>Tools:</a:t>
+            </a:r>
+            <a:r>
+              <a:rPr b="0" lang="en-US" sz="1000" spc="-1" strike="noStrike">
                 <a:solidFill>
                   <a:srgbClr val="000000"/>
                 </a:solidFill>
@@ -14877,11 +14698,18 @@
               </a:rPr>
               <a:t> </a:t>
             </a:r>
-            <a:br>
-              <a:rPr sz="950"/>
-            </a:br>
-            <a:r>
-              <a:rPr b="1" lang="en-US" sz="950" spc="-1" strike="noStrike">
+            <a:r>
+              <a:rPr b="0" lang="en-US" sz="1000" spc="-1" strike="noStrike">
+                <a:latin typeface="Verdana"/>
+                <a:ea typeface="Verdana"/>
+              </a:rPr>
+              <a:t>MS Excel, Visual Basic.</a:t>
+            </a:r>
+            <a:br>
+              <a:rPr sz="1000"/>
+            </a:br>
+            <a:r>
+              <a:rPr b="1" lang="en-US" sz="1000" spc="-1" strike="noStrike">
                 <a:solidFill>
                   <a:srgbClr val="000000"/>
                 </a:solidFill>
@@ -14891,43 +14719,8 @@
               <a:t>Responsibility:</a:t>
             </a:r>
             <a:br>
-              <a:rPr sz="950"/>
-            </a:br>
-            <a:r>
-              <a:rPr b="0" lang="en-US" sz="950" spc="-1" strike="noStrike">
-                <a:solidFill>
-                  <a:srgbClr val="000000"/>
-                </a:solidFill>
-                <a:latin typeface="Verdana"/>
-                <a:ea typeface="Verdana"/>
-              </a:rPr>
-              <a:t>* </a:t>
-            </a:r>
-            <a:r>
-              <a:rPr b="0" lang="en-US" sz="950" spc="-1" strike="noStrike">
-                <a:solidFill>
-                  <a:srgbClr val="000000"/>
-                </a:solidFill>
-                <a:latin typeface="Verdana"/>
-                <a:ea typeface="Verdana"/>
-              </a:rPr>
-              <a:t>Development and tests of software.</a:t>
-            </a:r>
-            <a:endParaRPr b="0" lang="en-US" sz="950" spc="-1" strike="noStrike">
-              <a:latin typeface="Arial"/>
-            </a:endParaRPr>
-          </a:p>
-          <a:p>
-            <a:r>
-              <a:rPr b="1" lang="en-US" sz="1000" spc="-1" strike="noStrike">
-                <a:solidFill>
-                  <a:srgbClr val="000000"/>
-                </a:solidFill>
-                <a:latin typeface="Verdana"/>
-                <a:ea typeface="Verdana"/>
-              </a:rPr>
-              <a:t>Role</a:t>
-            </a:r>
+              <a:rPr sz="1000"/>
+            </a:br>
             <a:r>
               <a:rPr b="0" lang="en-US" sz="1000" spc="-1" strike="noStrike">
                 <a:solidFill>
@@ -14936,577 +14729,7 @@
                 <a:latin typeface="Verdana"/>
                 <a:ea typeface="Verdana"/>
               </a:rPr>
-              <a:t>: </a:t>
-            </a:r>
-            <a:r>
-              <a:rPr b="0" lang="en-US" sz="1000" spc="-1" strike="noStrike">
-                <a:latin typeface="Verdana"/>
-                <a:ea typeface="Verdana"/>
-              </a:rPr>
-              <a:t>Software Engineer</a:t>
-            </a:r>
-            <a:br>
-              <a:rPr sz="1000"/>
-            </a:br>
-            <a:r>
-              <a:rPr b="1" lang="en-US" sz="1000" spc="-1" strike="noStrike">
-                <a:solidFill>
-                  <a:srgbClr val="000000"/>
-                </a:solidFill>
-                <a:latin typeface="Verdana"/>
-                <a:ea typeface="Verdana"/>
-              </a:rPr>
-              <a:t>Industry: </a:t>
-            </a:r>
-            <a:r>
-              <a:rPr b="0" lang="en-US" sz="1000" spc="-1" strike="noStrike">
-                <a:solidFill>
-                  <a:srgbClr val="000000"/>
-                </a:solidFill>
-                <a:latin typeface="Verdana"/>
-                <a:ea typeface="Verdana"/>
-              </a:rPr>
-              <a:t>Space</a:t>
-            </a:r>
-            <a:r>
-              <a:rPr b="1" lang="en-US" sz="1000" spc="-1" strike="noStrike">
-                <a:solidFill>
-                  <a:srgbClr val="000000"/>
-                </a:solidFill>
-                <a:latin typeface="Verdana"/>
-                <a:ea typeface="Verdana"/>
-              </a:rPr>
-              <a:t> </a:t>
-            </a:r>
-            <a:br>
-              <a:rPr sz="1000"/>
-            </a:br>
-            <a:r>
-              <a:rPr b="1" lang="en-US" sz="1000" spc="-1" strike="noStrike">
-                <a:solidFill>
-                  <a:srgbClr val="000000"/>
-                </a:solidFill>
-                <a:latin typeface="Verdana"/>
-                <a:ea typeface="Verdana"/>
-              </a:rPr>
-              <a:t>Project:</a:t>
-            </a:r>
-            <a:r>
-              <a:rPr b="0" lang="en-US" sz="1000" spc="-1" strike="noStrike">
-                <a:solidFill>
-                  <a:srgbClr val="000000"/>
-                </a:solidFill>
-                <a:latin typeface="Verdana"/>
-                <a:ea typeface="Verdana"/>
-              </a:rPr>
-              <a:t> Correction of a embedded software</a:t>
-            </a:r>
-            <a:r>
-              <a:rPr b="0" lang="en-US" sz="1000" spc="-1" strike="noStrike">
-                <a:latin typeface="Verdana"/>
-                <a:ea typeface="Verdana"/>
-              </a:rPr>
-              <a:t> </a:t>
-            </a:r>
-            <a:br>
-              <a:rPr sz="1000"/>
-            </a:br>
-            <a:r>
-              <a:rPr b="1" lang="en-US" sz="1000" spc="-1" strike="noStrike">
-                <a:solidFill>
-                  <a:srgbClr val="000000"/>
-                </a:solidFill>
-                <a:latin typeface="Verdana"/>
-                <a:ea typeface="Verdana"/>
-              </a:rPr>
-              <a:t>Tools:</a:t>
-            </a:r>
-            <a:r>
-              <a:rPr b="0" lang="en-US" sz="1000" spc="-1" strike="noStrike">
-                <a:solidFill>
-                  <a:srgbClr val="000000"/>
-                </a:solidFill>
-                <a:latin typeface="Verdana"/>
-                <a:ea typeface="Verdana"/>
-              </a:rPr>
-              <a:t> </a:t>
-            </a:r>
-            <a:r>
-              <a:rPr b="0" lang="en-US" sz="1000" spc="-1" strike="noStrike">
-                <a:solidFill>
-                  <a:srgbClr val="000000"/>
-                </a:solidFill>
-                <a:latin typeface="Verdana"/>
-                <a:ea typeface="Verdana"/>
-              </a:rPr>
-              <a:t>Ada, Assembleur</a:t>
-            </a:r>
-            <a:r>
-              <a:rPr b="0" lang="en-US" sz="1000" spc="-1" strike="noStrike">
-                <a:latin typeface="Verdana"/>
-                <a:ea typeface="Verdana"/>
-              </a:rPr>
-              <a:t>.</a:t>
-            </a:r>
-            <a:br>
-              <a:rPr sz="1000"/>
-            </a:br>
-            <a:r>
-              <a:rPr b="1" lang="en-US" sz="1000" spc="-1" strike="noStrike">
-                <a:solidFill>
-                  <a:srgbClr val="000000"/>
-                </a:solidFill>
-                <a:latin typeface="Verdana"/>
-                <a:ea typeface="Verdana"/>
-              </a:rPr>
-              <a:t>Responsibility:</a:t>
-            </a:r>
-            <a:br>
-              <a:rPr sz="1000"/>
-            </a:br>
-            <a:r>
-              <a:rPr b="0" lang="en-US" sz="1000" spc="-1" strike="noStrike">
-                <a:solidFill>
-                  <a:srgbClr val="000000"/>
-                </a:solidFill>
-                <a:latin typeface="Verdana"/>
-                <a:ea typeface="Verdana"/>
-              </a:rPr>
-              <a:t>* </a:t>
-            </a:r>
-            <a:r>
-              <a:rPr b="0" lang="en-US" sz="1000" spc="-1" strike="noStrike">
-                <a:solidFill>
-                  <a:srgbClr val="000000"/>
-                </a:solidFill>
-                <a:latin typeface="Verdana"/>
-                <a:ea typeface="Verdana"/>
-              </a:rPr>
-              <a:t>Software workaround of a bugged hardware embedded on </a:t>
-            </a:r>
-            <a:r>
-              <a:rPr b="0" lang="en-US" sz="1000" spc="-1" strike="noStrike">
-                <a:solidFill>
-                  <a:srgbClr val="000000"/>
-                </a:solidFill>
-                <a:latin typeface="Verdana"/>
-                <a:ea typeface="Verdana"/>
-              </a:rPr>
-              <a:t>satellite.</a:t>
-            </a:r>
-            <a:endParaRPr b="0" lang="en-US" sz="1000" spc="-1" strike="noStrike">
-              <a:latin typeface="Arial"/>
-            </a:endParaRPr>
-          </a:p>
-          <a:p>
-            <a:r>
-              <a:rPr b="1" lang="en-US" sz="1000" spc="-1" strike="noStrike">
-                <a:solidFill>
-                  <a:srgbClr val="000000"/>
-                </a:solidFill>
-                <a:latin typeface="Verdana"/>
-                <a:ea typeface="Verdana"/>
-              </a:rPr>
-              <a:t>Role</a:t>
-            </a:r>
-            <a:r>
-              <a:rPr b="0" lang="en-US" sz="1000" spc="-1" strike="noStrike">
-                <a:solidFill>
-                  <a:srgbClr val="000000"/>
-                </a:solidFill>
-                <a:latin typeface="Verdana"/>
-                <a:ea typeface="Verdana"/>
-              </a:rPr>
-              <a:t>: </a:t>
-            </a:r>
-            <a:r>
-              <a:rPr b="0" lang="en-US" sz="1000" spc="-1" strike="noStrike">
-                <a:solidFill>
-                  <a:srgbClr val="000000"/>
-                </a:solidFill>
-                <a:latin typeface="Verdana"/>
-                <a:ea typeface="Verdana"/>
-              </a:rPr>
-              <a:t>Project manager associate</a:t>
-            </a:r>
-            <a:br>
-              <a:rPr sz="1000"/>
-            </a:br>
-            <a:r>
-              <a:rPr b="1" lang="en-US" sz="1000" spc="-1" strike="noStrike">
-                <a:solidFill>
-                  <a:srgbClr val="000000"/>
-                </a:solidFill>
-                <a:latin typeface="Verdana"/>
-                <a:ea typeface="Verdana"/>
-              </a:rPr>
-              <a:t>Industry:</a:t>
-            </a:r>
-            <a:r>
-              <a:rPr b="0" lang="en-US" sz="1000" spc="-1" strike="noStrike">
-                <a:solidFill>
-                  <a:srgbClr val="000000"/>
-                </a:solidFill>
-                <a:latin typeface="Verdana"/>
-                <a:ea typeface="Verdana"/>
-              </a:rPr>
-              <a:t> </a:t>
-            </a:r>
-            <a:r>
-              <a:rPr b="0" lang="en-US" sz="1000" spc="-1" strike="noStrike">
-                <a:solidFill>
-                  <a:srgbClr val="000000"/>
-                </a:solidFill>
-                <a:latin typeface="Verdana"/>
-                <a:ea typeface="Verdana"/>
-              </a:rPr>
-              <a:t>Pharmaceuticals</a:t>
-            </a:r>
-            <a:br>
-              <a:rPr sz="1000"/>
-            </a:br>
-            <a:r>
-              <a:rPr b="1" lang="en-US" sz="1000" spc="-1" strike="noStrike">
-                <a:solidFill>
-                  <a:srgbClr val="000000"/>
-                </a:solidFill>
-                <a:latin typeface="Verdana"/>
-                <a:ea typeface="Verdana"/>
-              </a:rPr>
-              <a:t>Project:</a:t>
-            </a:r>
-            <a:r>
-              <a:rPr b="0" lang="en-US" sz="1000" spc="-1" strike="noStrike">
-                <a:solidFill>
-                  <a:srgbClr val="000000"/>
-                </a:solidFill>
-                <a:latin typeface="Verdana"/>
-                <a:ea typeface="Verdana"/>
-              </a:rPr>
-              <a:t> </a:t>
-            </a:r>
-            <a:r>
-              <a:rPr b="0" lang="en-US" sz="1000" spc="-1" strike="noStrike">
-                <a:solidFill>
-                  <a:srgbClr val="000000"/>
-                </a:solidFill>
-                <a:latin typeface="Verdana"/>
-                <a:ea typeface="Verdana"/>
-              </a:rPr>
-              <a:t>Hoechst starts out-sourcing its internal IT support</a:t>
-            </a:r>
-            <a:br>
-              <a:rPr sz="1000"/>
-            </a:br>
-            <a:r>
-              <a:rPr b="1" lang="en-US" sz="1000" spc="-1" strike="noStrike">
-                <a:solidFill>
-                  <a:srgbClr val="000000"/>
-                </a:solidFill>
-                <a:latin typeface="Verdana"/>
-                <a:ea typeface="Verdana"/>
-              </a:rPr>
-              <a:t>Tools: </a:t>
-            </a:r>
-            <a:r>
-              <a:rPr b="0" lang="en-US" sz="1000" spc="-1" strike="noStrike">
-                <a:solidFill>
-                  <a:srgbClr val="000000"/>
-                </a:solidFill>
-                <a:latin typeface="Verdana"/>
-                <a:ea typeface="Verdana"/>
-              </a:rPr>
-              <a:t>Windows, Visual Basic</a:t>
-            </a:r>
-            <a:r>
-              <a:rPr b="0" lang="en-US" sz="1000" spc="-1" strike="noStrike">
-                <a:solidFill>
-                  <a:srgbClr val="000000"/>
-                </a:solidFill>
-                <a:latin typeface="Verdana"/>
-                <a:ea typeface="Verdana"/>
-              </a:rPr>
-              <a:t>.</a:t>
-            </a:r>
-            <a:br>
-              <a:rPr sz="1000"/>
-            </a:br>
-            <a:r>
-              <a:rPr b="1" lang="en-US" sz="1000" spc="-1" strike="noStrike">
-                <a:solidFill>
-                  <a:srgbClr val="000000"/>
-                </a:solidFill>
-                <a:latin typeface="Verdana"/>
-                <a:ea typeface="Verdana"/>
-              </a:rPr>
-              <a:t>Responsibility:</a:t>
-            </a:r>
-            <a:br>
-              <a:rPr sz="1000"/>
-            </a:br>
-            <a:r>
-              <a:rPr b="0" lang="en-US" sz="1000" spc="-1" strike="noStrike">
-                <a:solidFill>
-                  <a:srgbClr val="000000"/>
-                </a:solidFill>
-                <a:latin typeface="Verdana"/>
-                <a:ea typeface="Verdana"/>
-              </a:rPr>
-              <a:t>* </a:t>
-            </a:r>
-            <a:r>
-              <a:rPr b="0" lang="en-US" sz="1000" spc="-1" strike="noStrike">
-                <a:solidFill>
-                  <a:srgbClr val="000000"/>
-                </a:solidFill>
-                <a:latin typeface="Verdana"/>
-                <a:ea typeface="Verdana"/>
-              </a:rPr>
-              <a:t>Test of new Software.</a:t>
-            </a:r>
-            <a:br>
-              <a:rPr sz="1000"/>
-            </a:br>
-            <a:r>
-              <a:rPr b="0" lang="en-US" sz="1000" spc="-1" strike="noStrike">
-                <a:solidFill>
-                  <a:srgbClr val="000000"/>
-                </a:solidFill>
-                <a:latin typeface="Verdana"/>
-                <a:ea typeface="Verdana"/>
-              </a:rPr>
-              <a:t>* </a:t>
-            </a:r>
-            <a:r>
-              <a:rPr b="0" lang="en-US" sz="1000" spc="-1" strike="noStrike">
-                <a:solidFill>
-                  <a:srgbClr val="000000"/>
-                </a:solidFill>
-                <a:latin typeface="Verdana"/>
-                <a:ea typeface="Verdana"/>
-              </a:rPr>
-              <a:t>Drafting of procedures for software installations, as well as </a:t>
-            </a:r>
-            <a:r>
-              <a:rPr b="0" lang="en-US" sz="1000" spc="-1" strike="noStrike">
-                <a:solidFill>
-                  <a:srgbClr val="000000"/>
-                </a:solidFill>
-                <a:latin typeface="Verdana"/>
-                <a:ea typeface="Verdana"/>
-              </a:rPr>
-              <a:t>setting environments Windows (NT3.51, NT4.0, 95, 3.xx...) on PCs </a:t>
-            </a:r>
-            <a:r>
-              <a:rPr b="0" lang="en-US" sz="1000" spc="-1" strike="noStrike">
-                <a:solidFill>
-                  <a:srgbClr val="000000"/>
-                </a:solidFill>
-                <a:latin typeface="Verdana"/>
-                <a:ea typeface="Verdana"/>
-              </a:rPr>
-              <a:t>connected in network.</a:t>
-            </a:r>
-            <a:br>
-              <a:rPr sz="1000"/>
-            </a:br>
-            <a:r>
-              <a:rPr b="0" lang="en-US" sz="1000" spc="-1" strike="noStrike">
-                <a:solidFill>
-                  <a:srgbClr val="000000"/>
-                </a:solidFill>
-                <a:latin typeface="Verdana"/>
-                <a:ea typeface="Verdana"/>
-              </a:rPr>
-              <a:t>* Installation of the network LOTUS Notes for the whole company.</a:t>
-            </a:r>
-            <a:br>
-              <a:rPr sz="1000"/>
-            </a:br>
-            <a:r>
-              <a:rPr b="0" lang="en-US" sz="1000" spc="-1" strike="noStrike">
-                <a:solidFill>
-                  <a:srgbClr val="000000"/>
-                </a:solidFill>
-                <a:latin typeface="Verdana"/>
-                <a:ea typeface="Verdana"/>
-              </a:rPr>
-              <a:t>* Creation of quality indicators for the hot line.</a:t>
-            </a:r>
-            <a:endParaRPr b="0" lang="en-US" sz="1000" spc="-1" strike="noStrike">
-              <a:latin typeface="Arial"/>
-            </a:endParaRPr>
-          </a:p>
-          <a:p>
-            <a:r>
-              <a:rPr b="1" lang="en-US" sz="1000" spc="-1" strike="noStrike">
-                <a:solidFill>
-                  <a:srgbClr val="000000"/>
-                </a:solidFill>
-                <a:latin typeface="Verdana"/>
-                <a:ea typeface="Verdana"/>
-              </a:rPr>
-              <a:t>Role</a:t>
-            </a:r>
-            <a:r>
-              <a:rPr b="0" lang="en-US" sz="1000" spc="-1" strike="noStrike">
-                <a:solidFill>
-                  <a:srgbClr val="000000"/>
-                </a:solidFill>
-                <a:latin typeface="Verdana"/>
-                <a:ea typeface="Verdana"/>
-              </a:rPr>
-              <a:t>: </a:t>
-            </a:r>
-            <a:r>
-              <a:rPr b="0" lang="en-US" sz="1000" spc="-1" strike="noStrike">
-                <a:latin typeface="Verdana"/>
-                <a:ea typeface="Verdana"/>
-              </a:rPr>
-              <a:t>Financial data processing</a:t>
-            </a:r>
-            <a:br>
-              <a:rPr sz="1000"/>
-            </a:br>
-            <a:r>
-              <a:rPr b="1" lang="en-US" sz="1000" spc="-1" strike="noStrike">
-                <a:solidFill>
-                  <a:srgbClr val="000000"/>
-                </a:solidFill>
-                <a:latin typeface="Verdana"/>
-                <a:ea typeface="Verdana"/>
-              </a:rPr>
-              <a:t>Industry: </a:t>
-            </a:r>
-            <a:r>
-              <a:rPr b="0" lang="en-US" sz="1000" spc="-1" strike="noStrike">
-                <a:solidFill>
-                  <a:srgbClr val="000000"/>
-                </a:solidFill>
-                <a:latin typeface="Verdana"/>
-                <a:ea typeface="Verdana"/>
-              </a:rPr>
-              <a:t>Banking</a:t>
-            </a:r>
-            <a:r>
-              <a:rPr b="1" lang="en-US" sz="1000" spc="-1" strike="noStrike">
-                <a:solidFill>
-                  <a:srgbClr val="000000"/>
-                </a:solidFill>
-                <a:latin typeface="Verdana"/>
-                <a:ea typeface="Verdana"/>
-              </a:rPr>
-              <a:t> </a:t>
-            </a:r>
-            <a:br>
-              <a:rPr sz="1000"/>
-            </a:br>
-            <a:r>
-              <a:rPr b="1" lang="en-US" sz="1000" spc="-1" strike="noStrike">
-                <a:solidFill>
-                  <a:srgbClr val="000000"/>
-                </a:solidFill>
-                <a:latin typeface="Verdana"/>
-                <a:ea typeface="Verdana"/>
-              </a:rPr>
-              <a:t>Project:</a:t>
-            </a:r>
-            <a:r>
-              <a:rPr b="0" lang="en-US" sz="1000" spc="-1" strike="noStrike">
-                <a:solidFill>
-                  <a:srgbClr val="000000"/>
-                </a:solidFill>
-                <a:latin typeface="Verdana"/>
-                <a:ea typeface="Verdana"/>
-              </a:rPr>
-              <a:t> S</a:t>
-            </a:r>
-            <a:r>
-              <a:rPr b="0" lang="en-US" sz="1000" spc="-1" strike="noStrike">
-                <a:latin typeface="Verdana"/>
-                <a:ea typeface="Verdana"/>
-              </a:rPr>
-              <a:t>oftware upgrade</a:t>
-            </a:r>
-            <a:r>
-              <a:rPr b="0" lang="en-US" sz="1000" spc="-1" strike="noStrike">
-                <a:latin typeface="Verdana"/>
-                <a:ea typeface="Verdana"/>
-              </a:rPr>
-              <a:t> </a:t>
-            </a:r>
-            <a:br>
-              <a:rPr sz="1000"/>
-            </a:br>
-            <a:r>
-              <a:rPr b="1" lang="en-US" sz="1000" spc="-1" strike="noStrike">
-                <a:solidFill>
-                  <a:srgbClr val="000000"/>
-                </a:solidFill>
-                <a:latin typeface="Verdana"/>
-                <a:ea typeface="Verdana"/>
-              </a:rPr>
-              <a:t>Tools:</a:t>
-            </a:r>
-            <a:r>
-              <a:rPr b="0" lang="en-US" sz="1000" spc="-1" strike="noStrike">
-                <a:solidFill>
-                  <a:srgbClr val="000000"/>
-                </a:solidFill>
-                <a:latin typeface="Verdana"/>
-                <a:ea typeface="Verdana"/>
-              </a:rPr>
-              <a:t> </a:t>
-            </a:r>
-            <a:r>
-              <a:rPr b="0" lang="en-US" sz="1000" spc="-1" strike="noStrike">
-                <a:latin typeface="Verdana"/>
-                <a:ea typeface="Verdana"/>
-              </a:rPr>
-              <a:t>MS Excel, Visual Basic</a:t>
-            </a:r>
-            <a:r>
-              <a:rPr b="0" lang="en-US" sz="1000" spc="-1" strike="noStrike">
-                <a:latin typeface="Verdana"/>
-                <a:ea typeface="Verdana"/>
-              </a:rPr>
-              <a:t>.</a:t>
-            </a:r>
-            <a:br>
-              <a:rPr sz="1000"/>
-            </a:br>
-            <a:r>
-              <a:rPr b="1" lang="en-US" sz="1000" spc="-1" strike="noStrike">
-                <a:solidFill>
-                  <a:srgbClr val="000000"/>
-                </a:solidFill>
-                <a:latin typeface="Verdana"/>
-                <a:ea typeface="Verdana"/>
-              </a:rPr>
-              <a:t>Responsibility:</a:t>
-            </a:r>
-            <a:br>
-              <a:rPr sz="1000"/>
-            </a:br>
-            <a:r>
-              <a:rPr b="0" lang="en-US" sz="1000" spc="-1" strike="noStrike">
-                <a:solidFill>
-                  <a:srgbClr val="000000"/>
-                </a:solidFill>
-                <a:latin typeface="Verdana"/>
-                <a:ea typeface="Verdana"/>
-              </a:rPr>
-              <a:t>* </a:t>
-            </a:r>
-            <a:r>
-              <a:rPr b="0" lang="en-US" sz="1000" spc="-1" strike="noStrike">
-                <a:solidFill>
-                  <a:srgbClr val="000000"/>
-                </a:solidFill>
-                <a:latin typeface="Verdana"/>
-                <a:ea typeface="Verdana"/>
-              </a:rPr>
-              <a:t>Development of financial software.</a:t>
+              <a:t>* Development of financial software.</a:t>
             </a:r>
             <a:endParaRPr b="0" lang="en-US" sz="1000" spc="-1" strike="noStrike">
               <a:latin typeface="Arial"/>
